--- a/Documentation/IDP_first_presentation.pptx
+++ b/Documentation/IDP_first_presentation.pptx
@@ -11,7 +11,9 @@
     <p:sldId id="258" r:id="rId5"/>
     <p:sldId id="259" r:id="rId6"/>
     <p:sldId id="260" r:id="rId7"/>
-    <p:sldId id="261" r:id="rId8"/>
+    <p:sldId id="263" r:id="rId8"/>
+    <p:sldId id="264" r:id="rId9"/>
+    <p:sldId id="261" r:id="rId10"/>
   </p:sldIdLst>
   <p:sldSz cx="12192000" cy="6858000"/>
   <p:notesSz cx="6858000" cy="9144000"/>
@@ -110,6 +112,11 @@
       </a:defRPr>
     </a:lvl9pPr>
   </p:defaultTextStyle>
+  <p:extLst>
+    <p:ext uri="{EFAFB233-063F-42B5-8137-9DF3F51BA10A}">
+      <p15:sldGuideLst xmlns:p15="http://schemas.microsoft.com/office/powerpoint/2012/main"/>
+    </p:ext>
+  </p:extLst>
 </p:presentation>
 </file>
 
@@ -3973,17 +3980,17 @@
           <a:p>
             <a:r>
               <a:rPr lang="en-GB" dirty="0"/>
-              <a:t>Software</a:t>
-            </a:r>
-          </a:p>
-        </p:txBody>
-      </p:sp>
-      <p:sp>
-        <p:nvSpPr>
-          <p:cNvPr id="3" name="Content Placeholder 2">
-            <a:extLst>
-              <a:ext uri="{FF2B5EF4-FFF2-40B4-BE49-F238E27FC236}">
-                <a16:creationId xmlns:a16="http://schemas.microsoft.com/office/drawing/2014/main" id="{57720FCC-76FA-1EDE-6801-1F5F336A09EC}"/>
+              <a:t>Software (done)</a:t>
+            </a:r>
+          </a:p>
+        </p:txBody>
+      </p:sp>
+      <p:sp>
+        <p:nvSpPr>
+          <p:cNvPr id="4" name="Content Placeholder 3">
+            <a:extLst>
+              <a:ext uri="{FF2B5EF4-FFF2-40B4-BE49-F238E27FC236}">
+                <a16:creationId xmlns:a16="http://schemas.microsoft.com/office/drawing/2014/main" id="{2D1CB71D-7AFA-DAA5-81F0-E615DC6ACF1F}"/>
               </a:ext>
             </a:extLst>
           </p:cNvPr>
@@ -3996,10 +4003,55 @@
         </p:nvSpPr>
         <p:spPr/>
         <p:txBody>
-          <a:bodyPr/>
+          <a:bodyPr>
+            <a:normAutofit/>
+          </a:bodyPr>
           <a:lstStyle/>
           <a:p>
-            <a:endParaRPr lang="en-GB"/>
+            <a:r>
+              <a:rPr lang="en-GB" dirty="0"/>
+              <a:t>Line following system</a:t>
+            </a:r>
+          </a:p>
+          <a:p>
+            <a:pPr lvl="1"/>
+            <a:r>
+              <a:rPr lang="en-GB" dirty="0"/>
+              <a:t>Motor speed conditional on sensor detection</a:t>
+            </a:r>
+          </a:p>
+          <a:p>
+            <a:pPr lvl="1"/>
+            <a:r>
+              <a:rPr lang="en-GB" dirty="0"/>
+              <a:t>Speed fading</a:t>
+            </a:r>
+          </a:p>
+          <a:p>
+            <a:pPr lvl="1"/>
+            <a:r>
+              <a:rPr lang="en-GB" dirty="0"/>
+              <a:t>Delay for allowing updated sensor reading inputs</a:t>
+            </a:r>
+          </a:p>
+          <a:p>
+            <a:pPr lvl="1"/>
+            <a:r>
+              <a:rPr lang="en-GB" dirty="0"/>
+              <a:t>Currently in Arduino</a:t>
+            </a:r>
+          </a:p>
+          <a:p>
+            <a:r>
+              <a:rPr lang="en-GB" dirty="0"/>
+              <a:t>Sensor detection tested</a:t>
+            </a:r>
+          </a:p>
+          <a:p>
+            <a:r>
+              <a:rPr lang="en-GB" dirty="0"/>
+              <a:t>Line following system tested to work</a:t>
+            </a:r>
           </a:p>
         </p:txBody>
       </p:sp>
@@ -4017,6 +4069,3514 @@
 </file>
 
 <file path=ppt/slides/slide7.xml><?xml version="1.0" encoding="utf-8"?>
+<p:sld xmlns:a="http://schemas.openxmlformats.org/drawingml/2006/main" xmlns:r="http://schemas.openxmlformats.org/officeDocument/2006/relationships" xmlns:p="http://schemas.openxmlformats.org/presentationml/2006/main">
+  <p:cSld>
+    <p:spTree>
+      <p:nvGrpSpPr>
+        <p:cNvPr id="1" name=""/>
+        <p:cNvGrpSpPr/>
+        <p:nvPr/>
+      </p:nvGrpSpPr>
+      <p:grpSpPr>
+        <a:xfrm>
+          <a:off x="0" y="0"/>
+          <a:ext cx="0" cy="0"/>
+          <a:chOff x="0" y="0"/>
+          <a:chExt cx="0" cy="0"/>
+        </a:xfrm>
+      </p:grpSpPr>
+      <p:sp>
+        <p:nvSpPr>
+          <p:cNvPr id="4" name="TextBox 3">
+            <a:extLst>
+              <a:ext uri="{FF2B5EF4-FFF2-40B4-BE49-F238E27FC236}">
+                <a16:creationId xmlns:a16="http://schemas.microsoft.com/office/drawing/2014/main" id="{23F7B452-C283-0CFF-B675-436933BC8EEA}"/>
+              </a:ext>
+            </a:extLst>
+          </p:cNvPr>
+          <p:cNvSpPr txBox="1"/>
+          <p:nvPr/>
+        </p:nvSpPr>
+        <p:spPr>
+          <a:xfrm>
+            <a:off x="86088" y="1166842"/>
+            <a:ext cx="6268177" cy="4524315"/>
+          </a:xfrm>
+          <a:prstGeom prst="rect">
+            <a:avLst/>
+          </a:prstGeom>
+          <a:noFill/>
+          <a:ln>
+            <a:solidFill>
+              <a:schemeClr val="tx1"/>
+            </a:solidFill>
+          </a:ln>
+        </p:spPr>
+        <p:txBody>
+          <a:bodyPr wrap="square">
+            <a:spAutoFit/>
+          </a:bodyPr>
+          <a:lstStyle/>
+          <a:p>
+            <a:r>
+              <a:rPr lang="en-GB" sz="1600" b="0" dirty="0">
+                <a:solidFill>
+                  <a:srgbClr val="00979D"/>
+                </a:solidFill>
+                <a:effectLst/>
+                <a:latin typeface="Consolas" panose="020B0609020204030204" pitchFamily="49" charset="0"/>
+              </a:rPr>
+              <a:t>void</a:t>
+            </a:r>
+            <a:r>
+              <a:rPr lang="en-GB" sz="1600" b="0" dirty="0">
+                <a:solidFill>
+                  <a:srgbClr val="4E5B61"/>
+                </a:solidFill>
+                <a:effectLst/>
+                <a:latin typeface="Consolas" panose="020B0609020204030204" pitchFamily="49" charset="0"/>
+              </a:rPr>
+              <a:t> </a:t>
+            </a:r>
+            <a:r>
+              <a:rPr lang="en-GB" sz="1600" b="0" dirty="0">
+                <a:solidFill>
+                  <a:srgbClr val="D35400"/>
+                </a:solidFill>
+                <a:effectLst/>
+                <a:latin typeface="Consolas" panose="020B0609020204030204" pitchFamily="49" charset="0"/>
+              </a:rPr>
+              <a:t>loop</a:t>
+            </a:r>
+            <a:r>
+              <a:rPr lang="en-GB" sz="1600" b="0" dirty="0">
+                <a:solidFill>
+                  <a:srgbClr val="434F54"/>
+                </a:solidFill>
+                <a:effectLst/>
+                <a:latin typeface="Consolas" panose="020B0609020204030204" pitchFamily="49" charset="0"/>
+              </a:rPr>
+              <a:t>()</a:t>
+            </a:r>
+            <a:r>
+              <a:rPr lang="en-GB" sz="1600" b="0" dirty="0">
+                <a:solidFill>
+                  <a:srgbClr val="4E5B61"/>
+                </a:solidFill>
+                <a:effectLst/>
+                <a:latin typeface="Consolas" panose="020B0609020204030204" pitchFamily="49" charset="0"/>
+              </a:rPr>
+              <a:t> </a:t>
+            </a:r>
+            <a:r>
+              <a:rPr lang="en-GB" sz="1600" b="0" dirty="0">
+                <a:solidFill>
+                  <a:srgbClr val="434F54"/>
+                </a:solidFill>
+                <a:effectLst/>
+                <a:latin typeface="Consolas" panose="020B0609020204030204" pitchFamily="49" charset="0"/>
+              </a:rPr>
+              <a:t>{</a:t>
+            </a:r>
+            <a:endParaRPr lang="en-GB" sz="1600" b="0" dirty="0">
+              <a:solidFill>
+                <a:srgbClr val="4E5B61"/>
+              </a:solidFill>
+              <a:effectLst/>
+              <a:latin typeface="Consolas" panose="020B0609020204030204" pitchFamily="49" charset="0"/>
+            </a:endParaRPr>
+          </a:p>
+          <a:p>
+            <a:r>
+              <a:rPr lang="en-GB" sz="1600" b="0" dirty="0">
+                <a:solidFill>
+                  <a:srgbClr val="95A5A6"/>
+                </a:solidFill>
+                <a:effectLst/>
+                <a:latin typeface="Consolas" panose="020B0609020204030204" pitchFamily="49" charset="0"/>
+              </a:rPr>
+              <a:t>    //</a:t>
+            </a:r>
+            <a:r>
+              <a:rPr lang="en-GB" sz="1600" b="0" dirty="0" err="1">
+                <a:solidFill>
+                  <a:srgbClr val="95A5A6"/>
+                </a:solidFill>
+                <a:effectLst/>
+                <a:latin typeface="Consolas" panose="020B0609020204030204" pitchFamily="49" charset="0"/>
+              </a:rPr>
+              <a:t>sensorValue</a:t>
+            </a:r>
+            <a:r>
+              <a:rPr lang="en-GB" sz="1600" b="0" dirty="0">
+                <a:solidFill>
+                  <a:srgbClr val="95A5A6"/>
+                </a:solidFill>
+                <a:effectLst/>
+                <a:latin typeface="Consolas" panose="020B0609020204030204" pitchFamily="49" charset="0"/>
+              </a:rPr>
+              <a:t> = </a:t>
+            </a:r>
+            <a:r>
+              <a:rPr lang="en-GB" sz="1600" b="0" dirty="0" err="1">
+                <a:solidFill>
+                  <a:srgbClr val="95A5A6"/>
+                </a:solidFill>
+                <a:effectLst/>
+                <a:latin typeface="Consolas" panose="020B0609020204030204" pitchFamily="49" charset="0"/>
+              </a:rPr>
+              <a:t>analogRead</a:t>
+            </a:r>
+            <a:r>
+              <a:rPr lang="en-GB" sz="1600" b="0" dirty="0">
+                <a:solidFill>
+                  <a:srgbClr val="95A5A6"/>
+                </a:solidFill>
+                <a:effectLst/>
+                <a:latin typeface="Consolas" panose="020B0609020204030204" pitchFamily="49" charset="0"/>
+              </a:rPr>
+              <a:t>(</a:t>
+            </a:r>
+            <a:r>
+              <a:rPr lang="en-GB" sz="1600" b="0" dirty="0" err="1">
+                <a:solidFill>
+                  <a:srgbClr val="95A5A6"/>
+                </a:solidFill>
+                <a:effectLst/>
+                <a:latin typeface="Consolas" panose="020B0609020204030204" pitchFamily="49" charset="0"/>
+              </a:rPr>
+              <a:t>signalPin</a:t>
+            </a:r>
+            <a:r>
+              <a:rPr lang="en-GB" sz="1600" b="0" dirty="0">
+                <a:solidFill>
+                  <a:srgbClr val="95A5A6"/>
+                </a:solidFill>
+                <a:effectLst/>
+                <a:latin typeface="Consolas" panose="020B0609020204030204" pitchFamily="49" charset="0"/>
+              </a:rPr>
+              <a:t>);</a:t>
+            </a:r>
+            <a:endParaRPr lang="en-GB" sz="1600" b="0" dirty="0">
+              <a:solidFill>
+                <a:srgbClr val="4E5B61"/>
+              </a:solidFill>
+              <a:effectLst/>
+              <a:latin typeface="Consolas" panose="020B0609020204030204" pitchFamily="49" charset="0"/>
+            </a:endParaRPr>
+          </a:p>
+          <a:p>
+            <a:r>
+              <a:rPr lang="en-GB" sz="1600" b="0" dirty="0">
+                <a:solidFill>
+                  <a:srgbClr val="4E5B61"/>
+                </a:solidFill>
+                <a:effectLst/>
+                <a:latin typeface="Consolas" panose="020B0609020204030204" pitchFamily="49" charset="0"/>
+              </a:rPr>
+              <a:t>    </a:t>
+            </a:r>
+            <a:r>
+              <a:rPr lang="en-GB" sz="1600" b="0" dirty="0" err="1">
+                <a:solidFill>
+                  <a:srgbClr val="4E5B61"/>
+                </a:solidFill>
+                <a:effectLst/>
+                <a:latin typeface="Consolas" panose="020B0609020204030204" pitchFamily="49" charset="0"/>
+              </a:rPr>
+              <a:t>sensorLeft</a:t>
+            </a:r>
+            <a:r>
+              <a:rPr lang="en-GB" sz="1600" b="0" dirty="0">
+                <a:solidFill>
+                  <a:srgbClr val="4E5B61"/>
+                </a:solidFill>
+                <a:effectLst/>
+                <a:latin typeface="Consolas" panose="020B0609020204030204" pitchFamily="49" charset="0"/>
+              </a:rPr>
+              <a:t> = </a:t>
+            </a:r>
+            <a:r>
+              <a:rPr lang="en-GB" sz="1600" b="0" dirty="0" err="1">
+                <a:solidFill>
+                  <a:srgbClr val="D35400"/>
+                </a:solidFill>
+                <a:effectLst/>
+                <a:latin typeface="Consolas" panose="020B0609020204030204" pitchFamily="49" charset="0"/>
+              </a:rPr>
+              <a:t>digitalRead</a:t>
+            </a:r>
+            <a:r>
+              <a:rPr lang="en-GB" sz="1600" b="0" dirty="0">
+                <a:solidFill>
+                  <a:srgbClr val="434F54"/>
+                </a:solidFill>
+                <a:effectLst/>
+                <a:latin typeface="Consolas" panose="020B0609020204030204" pitchFamily="49" charset="0"/>
+              </a:rPr>
+              <a:t>(</a:t>
+            </a:r>
+            <a:r>
+              <a:rPr lang="en-GB" sz="1600" b="0" dirty="0">
+                <a:solidFill>
+                  <a:srgbClr val="4E5B61"/>
+                </a:solidFill>
+                <a:effectLst/>
+                <a:latin typeface="Consolas" panose="020B0609020204030204" pitchFamily="49" charset="0"/>
+              </a:rPr>
+              <a:t>signalPin1</a:t>
+            </a:r>
+            <a:r>
+              <a:rPr lang="en-GB" sz="1600" b="0" dirty="0">
+                <a:solidFill>
+                  <a:srgbClr val="434F54"/>
+                </a:solidFill>
+                <a:effectLst/>
+                <a:latin typeface="Consolas" panose="020B0609020204030204" pitchFamily="49" charset="0"/>
+              </a:rPr>
+              <a:t>)</a:t>
+            </a:r>
+            <a:r>
+              <a:rPr lang="en-GB" sz="1600" b="0" dirty="0">
+                <a:solidFill>
+                  <a:srgbClr val="4E5B61"/>
+                </a:solidFill>
+                <a:effectLst/>
+                <a:latin typeface="Consolas" panose="020B0609020204030204" pitchFamily="49" charset="0"/>
+              </a:rPr>
+              <a:t>;</a:t>
+            </a:r>
+          </a:p>
+          <a:p>
+            <a:r>
+              <a:rPr lang="en-GB" sz="1600" b="0" dirty="0">
+                <a:solidFill>
+                  <a:srgbClr val="4E5B61"/>
+                </a:solidFill>
+                <a:effectLst/>
+                <a:latin typeface="Consolas" panose="020B0609020204030204" pitchFamily="49" charset="0"/>
+              </a:rPr>
+              <a:t>    </a:t>
+            </a:r>
+            <a:r>
+              <a:rPr lang="en-GB" sz="1600" b="0" dirty="0" err="1">
+                <a:solidFill>
+                  <a:srgbClr val="4E5B61"/>
+                </a:solidFill>
+                <a:effectLst/>
+                <a:latin typeface="Consolas" panose="020B0609020204030204" pitchFamily="49" charset="0"/>
+              </a:rPr>
+              <a:t>sensorRight</a:t>
+            </a:r>
+            <a:r>
+              <a:rPr lang="en-GB" sz="1600" b="0" dirty="0">
+                <a:solidFill>
+                  <a:srgbClr val="4E5B61"/>
+                </a:solidFill>
+                <a:effectLst/>
+                <a:latin typeface="Consolas" panose="020B0609020204030204" pitchFamily="49" charset="0"/>
+              </a:rPr>
+              <a:t> = </a:t>
+            </a:r>
+            <a:r>
+              <a:rPr lang="en-GB" sz="1600" b="0" dirty="0" err="1">
+                <a:solidFill>
+                  <a:srgbClr val="D35400"/>
+                </a:solidFill>
+                <a:effectLst/>
+                <a:latin typeface="Consolas" panose="020B0609020204030204" pitchFamily="49" charset="0"/>
+              </a:rPr>
+              <a:t>digitalRead</a:t>
+            </a:r>
+            <a:r>
+              <a:rPr lang="en-GB" sz="1600" b="0" dirty="0">
+                <a:solidFill>
+                  <a:srgbClr val="434F54"/>
+                </a:solidFill>
+                <a:effectLst/>
+                <a:latin typeface="Consolas" panose="020B0609020204030204" pitchFamily="49" charset="0"/>
+              </a:rPr>
+              <a:t>(</a:t>
+            </a:r>
+            <a:r>
+              <a:rPr lang="en-GB" sz="1600" b="0" dirty="0">
+                <a:solidFill>
+                  <a:srgbClr val="4E5B61"/>
+                </a:solidFill>
+                <a:effectLst/>
+                <a:latin typeface="Consolas" panose="020B0609020204030204" pitchFamily="49" charset="0"/>
+              </a:rPr>
+              <a:t>signalPin2</a:t>
+            </a:r>
+            <a:r>
+              <a:rPr lang="en-GB" sz="1600" b="0" dirty="0">
+                <a:solidFill>
+                  <a:srgbClr val="434F54"/>
+                </a:solidFill>
+                <a:effectLst/>
+                <a:latin typeface="Consolas" panose="020B0609020204030204" pitchFamily="49" charset="0"/>
+              </a:rPr>
+              <a:t>)</a:t>
+            </a:r>
+            <a:r>
+              <a:rPr lang="en-GB" sz="1600" b="0" dirty="0">
+                <a:solidFill>
+                  <a:srgbClr val="4E5B61"/>
+                </a:solidFill>
+                <a:effectLst/>
+                <a:latin typeface="Consolas" panose="020B0609020204030204" pitchFamily="49" charset="0"/>
+              </a:rPr>
+              <a:t>;</a:t>
+            </a:r>
+          </a:p>
+          <a:p>
+            <a:r>
+              <a:rPr lang="en-GB" sz="1600" b="0" dirty="0">
+                <a:solidFill>
+                  <a:srgbClr val="4E5B61"/>
+                </a:solidFill>
+                <a:effectLst/>
+                <a:latin typeface="Consolas" panose="020B0609020204030204" pitchFamily="49" charset="0"/>
+              </a:rPr>
+              <a:t>    </a:t>
+            </a:r>
+            <a:r>
+              <a:rPr lang="en-GB" sz="1600" b="0" dirty="0">
+                <a:solidFill>
+                  <a:srgbClr val="728E00"/>
+                </a:solidFill>
+                <a:effectLst/>
+                <a:latin typeface="Consolas" panose="020B0609020204030204" pitchFamily="49" charset="0"/>
+              </a:rPr>
+              <a:t>if</a:t>
+            </a:r>
+            <a:r>
+              <a:rPr lang="en-GB" sz="1600" b="0" dirty="0">
+                <a:solidFill>
+                  <a:srgbClr val="4E5B61"/>
+                </a:solidFill>
+                <a:effectLst/>
+                <a:latin typeface="Consolas" panose="020B0609020204030204" pitchFamily="49" charset="0"/>
+              </a:rPr>
+              <a:t> </a:t>
+            </a:r>
+            <a:r>
+              <a:rPr lang="en-GB" sz="1600" b="0" dirty="0">
+                <a:solidFill>
+                  <a:srgbClr val="434F54"/>
+                </a:solidFill>
+                <a:effectLst/>
+                <a:latin typeface="Consolas" panose="020B0609020204030204" pitchFamily="49" charset="0"/>
+              </a:rPr>
+              <a:t>((</a:t>
+            </a:r>
+            <a:r>
+              <a:rPr lang="en-GB" sz="1600" b="0" dirty="0">
+                <a:solidFill>
+                  <a:srgbClr val="4E5B61"/>
+                </a:solidFill>
+                <a:effectLst/>
+                <a:latin typeface="Consolas" panose="020B0609020204030204" pitchFamily="49" charset="0"/>
+              </a:rPr>
+              <a:t> </a:t>
+            </a:r>
+            <a:r>
+              <a:rPr lang="en-GB" sz="1600" b="0" dirty="0" err="1">
+                <a:solidFill>
+                  <a:srgbClr val="4E5B61"/>
+                </a:solidFill>
+                <a:effectLst/>
+                <a:latin typeface="Consolas" panose="020B0609020204030204" pitchFamily="49" charset="0"/>
+              </a:rPr>
+              <a:t>sensorLeft</a:t>
+            </a:r>
+            <a:r>
+              <a:rPr lang="en-GB" sz="1600" b="0" dirty="0">
+                <a:solidFill>
+                  <a:srgbClr val="4E5B61"/>
+                </a:solidFill>
+                <a:effectLst/>
+                <a:latin typeface="Consolas" panose="020B0609020204030204" pitchFamily="49" charset="0"/>
+              </a:rPr>
+              <a:t> &amp;&amp; </a:t>
+            </a:r>
+            <a:r>
+              <a:rPr lang="en-GB" sz="1600" b="0" dirty="0" err="1">
+                <a:solidFill>
+                  <a:srgbClr val="4E5B61"/>
+                </a:solidFill>
+                <a:effectLst/>
+                <a:latin typeface="Consolas" panose="020B0609020204030204" pitchFamily="49" charset="0"/>
+              </a:rPr>
+              <a:t>sensorRight</a:t>
+            </a:r>
+            <a:r>
+              <a:rPr lang="en-GB" sz="1600" b="0" dirty="0">
+                <a:solidFill>
+                  <a:srgbClr val="4E5B61"/>
+                </a:solidFill>
+                <a:effectLst/>
+                <a:latin typeface="Consolas" panose="020B0609020204030204" pitchFamily="49" charset="0"/>
+              </a:rPr>
+              <a:t> </a:t>
+            </a:r>
+            <a:r>
+              <a:rPr lang="en-GB" sz="1600" b="0" dirty="0">
+                <a:solidFill>
+                  <a:srgbClr val="434F54"/>
+                </a:solidFill>
+                <a:effectLst/>
+                <a:latin typeface="Consolas" panose="020B0609020204030204" pitchFamily="49" charset="0"/>
+              </a:rPr>
+              <a:t>)</a:t>
+            </a:r>
+            <a:r>
+              <a:rPr lang="en-GB" sz="1600" b="0" dirty="0">
+                <a:solidFill>
+                  <a:srgbClr val="4E5B61"/>
+                </a:solidFill>
+                <a:effectLst/>
+                <a:latin typeface="Consolas" panose="020B0609020204030204" pitchFamily="49" charset="0"/>
+              </a:rPr>
+              <a:t> == </a:t>
+            </a:r>
+            <a:r>
+              <a:rPr lang="en-GB" sz="1600" b="0" dirty="0">
+                <a:solidFill>
+                  <a:srgbClr val="005C5F"/>
+                </a:solidFill>
+                <a:effectLst/>
+                <a:latin typeface="Consolas" panose="020B0609020204030204" pitchFamily="49" charset="0"/>
+              </a:rPr>
+              <a:t>1</a:t>
+            </a:r>
+            <a:r>
+              <a:rPr lang="en-GB" sz="1600" b="0" dirty="0">
+                <a:solidFill>
+                  <a:srgbClr val="434F54"/>
+                </a:solidFill>
+                <a:effectLst/>
+                <a:latin typeface="Consolas" panose="020B0609020204030204" pitchFamily="49" charset="0"/>
+              </a:rPr>
+              <a:t>)</a:t>
+            </a:r>
+            <a:r>
+              <a:rPr lang="en-GB" sz="1600" b="0" dirty="0">
+                <a:solidFill>
+                  <a:srgbClr val="4E5B61"/>
+                </a:solidFill>
+                <a:effectLst/>
+                <a:latin typeface="Consolas" panose="020B0609020204030204" pitchFamily="49" charset="0"/>
+              </a:rPr>
+              <a:t> </a:t>
+            </a:r>
+            <a:r>
+              <a:rPr lang="en-GB" sz="1600" b="0" dirty="0">
+                <a:solidFill>
+                  <a:srgbClr val="434F54"/>
+                </a:solidFill>
+                <a:effectLst/>
+                <a:latin typeface="Consolas" panose="020B0609020204030204" pitchFamily="49" charset="0"/>
+              </a:rPr>
+              <a:t>{</a:t>
+            </a:r>
+            <a:endParaRPr lang="en-GB" sz="1600" b="0" dirty="0">
+              <a:solidFill>
+                <a:srgbClr val="4E5B61"/>
+              </a:solidFill>
+              <a:effectLst/>
+              <a:latin typeface="Consolas" panose="020B0609020204030204" pitchFamily="49" charset="0"/>
+            </a:endParaRPr>
+          </a:p>
+          <a:p>
+            <a:r>
+              <a:rPr lang="en-GB" sz="1600" b="0" dirty="0">
+                <a:solidFill>
+                  <a:srgbClr val="4E5B61"/>
+                </a:solidFill>
+                <a:effectLst/>
+                <a:latin typeface="Consolas" panose="020B0609020204030204" pitchFamily="49" charset="0"/>
+              </a:rPr>
+              <a:t>      </a:t>
+            </a:r>
+            <a:r>
+              <a:rPr lang="en-GB" sz="1600" b="0" dirty="0" err="1">
+                <a:solidFill>
+                  <a:srgbClr val="D35400"/>
+                </a:solidFill>
+                <a:effectLst/>
+                <a:latin typeface="Consolas" panose="020B0609020204030204" pitchFamily="49" charset="0"/>
+              </a:rPr>
+              <a:t>motorLeft</a:t>
+            </a:r>
+            <a:r>
+              <a:rPr lang="en-GB" sz="1600" b="0" dirty="0">
+                <a:solidFill>
+                  <a:srgbClr val="4E5B61"/>
+                </a:solidFill>
+                <a:effectLst/>
+                <a:latin typeface="Consolas" panose="020B0609020204030204" pitchFamily="49" charset="0"/>
+              </a:rPr>
+              <a:t>-&gt;</a:t>
+            </a:r>
+            <a:r>
+              <a:rPr lang="en-GB" sz="1600" b="0" dirty="0">
+                <a:solidFill>
+                  <a:srgbClr val="D35400"/>
+                </a:solidFill>
+                <a:effectLst/>
+                <a:latin typeface="Consolas" panose="020B0609020204030204" pitchFamily="49" charset="0"/>
+              </a:rPr>
+              <a:t>run</a:t>
+            </a:r>
+            <a:r>
+              <a:rPr lang="en-GB" sz="1600" b="0" dirty="0">
+                <a:solidFill>
+                  <a:srgbClr val="434F54"/>
+                </a:solidFill>
+                <a:effectLst/>
+                <a:latin typeface="Consolas" panose="020B0609020204030204" pitchFamily="49" charset="0"/>
+              </a:rPr>
+              <a:t>(</a:t>
+            </a:r>
+            <a:r>
+              <a:rPr lang="en-GB" sz="1600" b="0" dirty="0">
+                <a:solidFill>
+                  <a:srgbClr val="4E5B61"/>
+                </a:solidFill>
+                <a:effectLst/>
+                <a:latin typeface="Consolas" panose="020B0609020204030204" pitchFamily="49" charset="0"/>
+              </a:rPr>
+              <a:t>FORWARD</a:t>
+            </a:r>
+            <a:r>
+              <a:rPr lang="en-GB" sz="1600" b="0" dirty="0">
+                <a:solidFill>
+                  <a:srgbClr val="434F54"/>
+                </a:solidFill>
+                <a:effectLst/>
+                <a:latin typeface="Consolas" panose="020B0609020204030204" pitchFamily="49" charset="0"/>
+              </a:rPr>
+              <a:t>)</a:t>
+            </a:r>
+            <a:r>
+              <a:rPr lang="en-GB" sz="1600" b="0" dirty="0">
+                <a:solidFill>
+                  <a:srgbClr val="4E5B61"/>
+                </a:solidFill>
+                <a:effectLst/>
+                <a:latin typeface="Consolas" panose="020B0609020204030204" pitchFamily="49" charset="0"/>
+              </a:rPr>
+              <a:t>;</a:t>
+            </a:r>
+          </a:p>
+          <a:p>
+            <a:r>
+              <a:rPr lang="en-GB" sz="1600" b="0" dirty="0">
+                <a:solidFill>
+                  <a:srgbClr val="4E5B61"/>
+                </a:solidFill>
+                <a:effectLst/>
+                <a:latin typeface="Consolas" panose="020B0609020204030204" pitchFamily="49" charset="0"/>
+              </a:rPr>
+              <a:t>      </a:t>
+            </a:r>
+            <a:r>
+              <a:rPr lang="en-GB" sz="1600" b="0" dirty="0" err="1">
+                <a:solidFill>
+                  <a:srgbClr val="D35400"/>
+                </a:solidFill>
+                <a:effectLst/>
+                <a:latin typeface="Consolas" panose="020B0609020204030204" pitchFamily="49" charset="0"/>
+              </a:rPr>
+              <a:t>motorRight</a:t>
+            </a:r>
+            <a:r>
+              <a:rPr lang="en-GB" sz="1600" b="0" dirty="0">
+                <a:solidFill>
+                  <a:srgbClr val="4E5B61"/>
+                </a:solidFill>
+                <a:effectLst/>
+                <a:latin typeface="Consolas" panose="020B0609020204030204" pitchFamily="49" charset="0"/>
+              </a:rPr>
+              <a:t>-&gt;</a:t>
+            </a:r>
+            <a:r>
+              <a:rPr lang="en-GB" sz="1600" b="0" dirty="0">
+                <a:solidFill>
+                  <a:srgbClr val="D35400"/>
+                </a:solidFill>
+                <a:effectLst/>
+                <a:latin typeface="Consolas" panose="020B0609020204030204" pitchFamily="49" charset="0"/>
+              </a:rPr>
+              <a:t>run</a:t>
+            </a:r>
+            <a:r>
+              <a:rPr lang="en-GB" sz="1600" b="0" dirty="0">
+                <a:solidFill>
+                  <a:srgbClr val="434F54"/>
+                </a:solidFill>
+                <a:effectLst/>
+                <a:latin typeface="Consolas" panose="020B0609020204030204" pitchFamily="49" charset="0"/>
+              </a:rPr>
+              <a:t>(</a:t>
+            </a:r>
+            <a:r>
+              <a:rPr lang="en-GB" sz="1600" b="0" dirty="0">
+                <a:solidFill>
+                  <a:srgbClr val="4E5B61"/>
+                </a:solidFill>
+                <a:effectLst/>
+                <a:latin typeface="Consolas" panose="020B0609020204030204" pitchFamily="49" charset="0"/>
+              </a:rPr>
+              <a:t>FORWARD</a:t>
+            </a:r>
+            <a:r>
+              <a:rPr lang="en-GB" sz="1600" b="0" dirty="0">
+                <a:solidFill>
+                  <a:srgbClr val="434F54"/>
+                </a:solidFill>
+                <a:effectLst/>
+                <a:latin typeface="Consolas" panose="020B0609020204030204" pitchFamily="49" charset="0"/>
+              </a:rPr>
+              <a:t>)</a:t>
+            </a:r>
+            <a:r>
+              <a:rPr lang="en-GB" sz="1600" b="0" dirty="0">
+                <a:solidFill>
+                  <a:srgbClr val="4E5B61"/>
+                </a:solidFill>
+                <a:effectLst/>
+                <a:latin typeface="Consolas" panose="020B0609020204030204" pitchFamily="49" charset="0"/>
+              </a:rPr>
+              <a:t>;</a:t>
+            </a:r>
+          </a:p>
+          <a:p>
+            <a:r>
+              <a:rPr lang="en-GB" sz="1600" b="0" dirty="0">
+                <a:solidFill>
+                  <a:srgbClr val="4E5B61"/>
+                </a:solidFill>
+                <a:effectLst/>
+                <a:latin typeface="Consolas" panose="020B0609020204030204" pitchFamily="49" charset="0"/>
+              </a:rPr>
+              <a:t>    </a:t>
+            </a:r>
+            <a:r>
+              <a:rPr lang="en-GB" sz="1600" b="0" dirty="0">
+                <a:solidFill>
+                  <a:srgbClr val="434F54"/>
+                </a:solidFill>
+                <a:effectLst/>
+                <a:latin typeface="Consolas" panose="020B0609020204030204" pitchFamily="49" charset="0"/>
+              </a:rPr>
+              <a:t>}</a:t>
+            </a:r>
+            <a:r>
+              <a:rPr lang="en-GB" sz="1600" b="0" dirty="0">
+                <a:solidFill>
+                  <a:srgbClr val="4E5B61"/>
+                </a:solidFill>
+                <a:effectLst/>
+                <a:latin typeface="Consolas" panose="020B0609020204030204" pitchFamily="49" charset="0"/>
+              </a:rPr>
+              <a:t> </a:t>
+            </a:r>
+            <a:r>
+              <a:rPr lang="en-GB" sz="1600" b="0" dirty="0">
+                <a:solidFill>
+                  <a:srgbClr val="728E00"/>
+                </a:solidFill>
+                <a:effectLst/>
+                <a:latin typeface="Consolas" panose="020B0609020204030204" pitchFamily="49" charset="0"/>
+              </a:rPr>
+              <a:t>else</a:t>
+            </a:r>
+            <a:r>
+              <a:rPr lang="en-GB" sz="1600" b="0" dirty="0">
+                <a:solidFill>
+                  <a:srgbClr val="4E5B61"/>
+                </a:solidFill>
+                <a:effectLst/>
+                <a:latin typeface="Consolas" panose="020B0609020204030204" pitchFamily="49" charset="0"/>
+              </a:rPr>
+              <a:t> </a:t>
+            </a:r>
+            <a:r>
+              <a:rPr lang="en-GB" sz="1600" b="0" dirty="0">
+                <a:solidFill>
+                  <a:srgbClr val="728E00"/>
+                </a:solidFill>
+                <a:effectLst/>
+                <a:latin typeface="Consolas" panose="020B0609020204030204" pitchFamily="49" charset="0"/>
+              </a:rPr>
+              <a:t>if</a:t>
+            </a:r>
+            <a:r>
+              <a:rPr lang="en-GB" sz="1600" b="0" dirty="0">
+                <a:solidFill>
+                  <a:srgbClr val="4E5B61"/>
+                </a:solidFill>
+                <a:effectLst/>
+                <a:latin typeface="Consolas" panose="020B0609020204030204" pitchFamily="49" charset="0"/>
+              </a:rPr>
+              <a:t> </a:t>
+            </a:r>
+            <a:r>
+              <a:rPr lang="en-GB" sz="1600" b="0" dirty="0">
+                <a:solidFill>
+                  <a:srgbClr val="434F54"/>
+                </a:solidFill>
+                <a:effectLst/>
+                <a:latin typeface="Consolas" panose="020B0609020204030204" pitchFamily="49" charset="0"/>
+              </a:rPr>
+              <a:t>(</a:t>
+            </a:r>
+            <a:r>
+              <a:rPr lang="en-GB" sz="1600" b="0" dirty="0" err="1">
+                <a:solidFill>
+                  <a:srgbClr val="4E5B61"/>
+                </a:solidFill>
+                <a:effectLst/>
+                <a:latin typeface="Consolas" panose="020B0609020204030204" pitchFamily="49" charset="0"/>
+              </a:rPr>
+              <a:t>sensorLeft</a:t>
+            </a:r>
+            <a:r>
+              <a:rPr lang="en-GB" sz="1600" b="0" dirty="0">
+                <a:solidFill>
+                  <a:srgbClr val="4E5B61"/>
+                </a:solidFill>
+                <a:effectLst/>
+                <a:latin typeface="Consolas" panose="020B0609020204030204" pitchFamily="49" charset="0"/>
+              </a:rPr>
+              <a:t> == </a:t>
+            </a:r>
+            <a:r>
+              <a:rPr lang="en-GB" sz="1600" b="0" dirty="0">
+                <a:solidFill>
+                  <a:srgbClr val="005C5F"/>
+                </a:solidFill>
+                <a:effectLst/>
+                <a:latin typeface="Consolas" panose="020B0609020204030204" pitchFamily="49" charset="0"/>
+              </a:rPr>
+              <a:t>0</a:t>
+            </a:r>
+            <a:r>
+              <a:rPr lang="en-GB" sz="1600" b="0" dirty="0">
+                <a:solidFill>
+                  <a:srgbClr val="4E5B61"/>
+                </a:solidFill>
+                <a:effectLst/>
+                <a:latin typeface="Consolas" panose="020B0609020204030204" pitchFamily="49" charset="0"/>
+              </a:rPr>
+              <a:t> &amp;&amp; </a:t>
+            </a:r>
+            <a:r>
+              <a:rPr lang="en-GB" sz="1600" b="0" dirty="0" err="1">
+                <a:solidFill>
+                  <a:srgbClr val="4E5B61"/>
+                </a:solidFill>
+                <a:effectLst/>
+                <a:latin typeface="Consolas" panose="020B0609020204030204" pitchFamily="49" charset="0"/>
+              </a:rPr>
+              <a:t>sensorRight</a:t>
+            </a:r>
+            <a:r>
+              <a:rPr lang="en-GB" sz="1600" b="0" dirty="0">
+                <a:solidFill>
+                  <a:srgbClr val="4E5B61"/>
+                </a:solidFill>
+                <a:effectLst/>
+                <a:latin typeface="Consolas" panose="020B0609020204030204" pitchFamily="49" charset="0"/>
+              </a:rPr>
+              <a:t> == </a:t>
+            </a:r>
+            <a:r>
+              <a:rPr lang="en-GB" sz="1600" b="0" dirty="0">
+                <a:solidFill>
+                  <a:srgbClr val="005C5F"/>
+                </a:solidFill>
+                <a:effectLst/>
+                <a:latin typeface="Consolas" panose="020B0609020204030204" pitchFamily="49" charset="0"/>
+              </a:rPr>
+              <a:t>1</a:t>
+            </a:r>
+            <a:r>
+              <a:rPr lang="en-GB" sz="1600" b="0" dirty="0">
+                <a:solidFill>
+                  <a:srgbClr val="434F54"/>
+                </a:solidFill>
+                <a:effectLst/>
+                <a:latin typeface="Consolas" panose="020B0609020204030204" pitchFamily="49" charset="0"/>
+              </a:rPr>
+              <a:t>){</a:t>
+            </a:r>
+            <a:endParaRPr lang="en-GB" sz="1600" b="0" dirty="0">
+              <a:solidFill>
+                <a:srgbClr val="4E5B61"/>
+              </a:solidFill>
+              <a:effectLst/>
+              <a:latin typeface="Consolas" panose="020B0609020204030204" pitchFamily="49" charset="0"/>
+            </a:endParaRPr>
+          </a:p>
+          <a:p>
+            <a:r>
+              <a:rPr lang="en-GB" sz="1600" b="0" dirty="0">
+                <a:solidFill>
+                  <a:srgbClr val="4E5B61"/>
+                </a:solidFill>
+                <a:effectLst/>
+                <a:latin typeface="Consolas" panose="020B0609020204030204" pitchFamily="49" charset="0"/>
+              </a:rPr>
+              <a:t>      </a:t>
+            </a:r>
+            <a:r>
+              <a:rPr lang="en-GB" sz="1600" b="0" dirty="0" err="1">
+                <a:solidFill>
+                  <a:srgbClr val="D35400"/>
+                </a:solidFill>
+                <a:effectLst/>
+                <a:latin typeface="Consolas" panose="020B0609020204030204" pitchFamily="49" charset="0"/>
+              </a:rPr>
+              <a:t>motorLeft</a:t>
+            </a:r>
+            <a:r>
+              <a:rPr lang="en-GB" sz="1600" b="0" dirty="0">
+                <a:solidFill>
+                  <a:srgbClr val="4E5B61"/>
+                </a:solidFill>
+                <a:effectLst/>
+                <a:latin typeface="Consolas" panose="020B0609020204030204" pitchFamily="49" charset="0"/>
+              </a:rPr>
+              <a:t>-&gt;</a:t>
+            </a:r>
+            <a:r>
+              <a:rPr lang="en-GB" sz="1600" b="0" dirty="0">
+                <a:solidFill>
+                  <a:srgbClr val="D35400"/>
+                </a:solidFill>
+                <a:effectLst/>
+                <a:latin typeface="Consolas" panose="020B0609020204030204" pitchFamily="49" charset="0"/>
+              </a:rPr>
+              <a:t>run</a:t>
+            </a:r>
+            <a:r>
+              <a:rPr lang="en-GB" sz="1600" b="0" dirty="0">
+                <a:solidFill>
+                  <a:srgbClr val="434F54"/>
+                </a:solidFill>
+                <a:effectLst/>
+                <a:latin typeface="Consolas" panose="020B0609020204030204" pitchFamily="49" charset="0"/>
+              </a:rPr>
+              <a:t>(</a:t>
+            </a:r>
+            <a:r>
+              <a:rPr lang="en-GB" sz="1600" b="0" dirty="0">
+                <a:solidFill>
+                  <a:srgbClr val="4E5B61"/>
+                </a:solidFill>
+                <a:effectLst/>
+                <a:latin typeface="Consolas" panose="020B0609020204030204" pitchFamily="49" charset="0"/>
+              </a:rPr>
+              <a:t>RELEASE</a:t>
+            </a:r>
+            <a:r>
+              <a:rPr lang="en-GB" sz="1600" b="0" dirty="0">
+                <a:solidFill>
+                  <a:srgbClr val="434F54"/>
+                </a:solidFill>
+                <a:effectLst/>
+                <a:latin typeface="Consolas" panose="020B0609020204030204" pitchFamily="49" charset="0"/>
+              </a:rPr>
+              <a:t>)</a:t>
+            </a:r>
+            <a:r>
+              <a:rPr lang="en-GB" sz="1600" b="0" dirty="0">
+                <a:solidFill>
+                  <a:srgbClr val="4E5B61"/>
+                </a:solidFill>
+                <a:effectLst/>
+                <a:latin typeface="Consolas" panose="020B0609020204030204" pitchFamily="49" charset="0"/>
+              </a:rPr>
+              <a:t>;</a:t>
+            </a:r>
+          </a:p>
+          <a:p>
+            <a:r>
+              <a:rPr lang="en-GB" sz="1600" b="0" dirty="0">
+                <a:solidFill>
+                  <a:srgbClr val="4E5B61"/>
+                </a:solidFill>
+                <a:effectLst/>
+                <a:latin typeface="Consolas" panose="020B0609020204030204" pitchFamily="49" charset="0"/>
+              </a:rPr>
+              <a:t>      </a:t>
+            </a:r>
+            <a:r>
+              <a:rPr lang="en-GB" sz="1600" b="0" dirty="0" err="1">
+                <a:solidFill>
+                  <a:srgbClr val="D35400"/>
+                </a:solidFill>
+                <a:effectLst/>
+                <a:latin typeface="Consolas" panose="020B0609020204030204" pitchFamily="49" charset="0"/>
+              </a:rPr>
+              <a:t>motorRight</a:t>
+            </a:r>
+            <a:r>
+              <a:rPr lang="en-GB" sz="1600" b="0" dirty="0">
+                <a:solidFill>
+                  <a:srgbClr val="4E5B61"/>
+                </a:solidFill>
+                <a:effectLst/>
+                <a:latin typeface="Consolas" panose="020B0609020204030204" pitchFamily="49" charset="0"/>
+              </a:rPr>
+              <a:t>-&gt;</a:t>
+            </a:r>
+            <a:r>
+              <a:rPr lang="en-GB" sz="1600" b="0" dirty="0">
+                <a:solidFill>
+                  <a:srgbClr val="D35400"/>
+                </a:solidFill>
+                <a:effectLst/>
+                <a:latin typeface="Consolas" panose="020B0609020204030204" pitchFamily="49" charset="0"/>
+              </a:rPr>
+              <a:t>run</a:t>
+            </a:r>
+            <a:r>
+              <a:rPr lang="en-GB" sz="1600" b="0" dirty="0">
+                <a:solidFill>
+                  <a:srgbClr val="434F54"/>
+                </a:solidFill>
+                <a:effectLst/>
+                <a:latin typeface="Consolas" panose="020B0609020204030204" pitchFamily="49" charset="0"/>
+              </a:rPr>
+              <a:t>(</a:t>
+            </a:r>
+            <a:r>
+              <a:rPr lang="en-GB" sz="1600" b="0" dirty="0">
+                <a:solidFill>
+                  <a:srgbClr val="4E5B61"/>
+                </a:solidFill>
+                <a:effectLst/>
+                <a:latin typeface="Consolas" panose="020B0609020204030204" pitchFamily="49" charset="0"/>
+              </a:rPr>
+              <a:t>FORWARD</a:t>
+            </a:r>
+            <a:r>
+              <a:rPr lang="en-GB" sz="1600" b="0" dirty="0">
+                <a:solidFill>
+                  <a:srgbClr val="434F54"/>
+                </a:solidFill>
+                <a:effectLst/>
+                <a:latin typeface="Consolas" panose="020B0609020204030204" pitchFamily="49" charset="0"/>
+              </a:rPr>
+              <a:t>)</a:t>
+            </a:r>
+            <a:r>
+              <a:rPr lang="en-GB" sz="1600" b="0" dirty="0">
+                <a:solidFill>
+                  <a:srgbClr val="4E5B61"/>
+                </a:solidFill>
+                <a:effectLst/>
+                <a:latin typeface="Consolas" panose="020B0609020204030204" pitchFamily="49" charset="0"/>
+              </a:rPr>
+              <a:t>;</a:t>
+            </a:r>
+          </a:p>
+          <a:p>
+            <a:r>
+              <a:rPr lang="en-GB" sz="1600" b="0" dirty="0">
+                <a:solidFill>
+                  <a:srgbClr val="4E5B61"/>
+                </a:solidFill>
+                <a:effectLst/>
+                <a:latin typeface="Consolas" panose="020B0609020204030204" pitchFamily="49" charset="0"/>
+              </a:rPr>
+              <a:t>    </a:t>
+            </a:r>
+            <a:r>
+              <a:rPr lang="en-GB" sz="1600" b="0" dirty="0">
+                <a:solidFill>
+                  <a:srgbClr val="434F54"/>
+                </a:solidFill>
+                <a:effectLst/>
+                <a:latin typeface="Consolas" panose="020B0609020204030204" pitchFamily="49" charset="0"/>
+              </a:rPr>
+              <a:t>}</a:t>
+            </a:r>
+            <a:r>
+              <a:rPr lang="en-GB" sz="1600" b="0" dirty="0">
+                <a:solidFill>
+                  <a:srgbClr val="4E5B61"/>
+                </a:solidFill>
+                <a:effectLst/>
+                <a:latin typeface="Consolas" panose="020B0609020204030204" pitchFamily="49" charset="0"/>
+              </a:rPr>
+              <a:t> </a:t>
+            </a:r>
+            <a:r>
+              <a:rPr lang="en-GB" sz="1600" b="0" dirty="0">
+                <a:solidFill>
+                  <a:srgbClr val="728E00"/>
+                </a:solidFill>
+                <a:effectLst/>
+                <a:latin typeface="Consolas" panose="020B0609020204030204" pitchFamily="49" charset="0"/>
+              </a:rPr>
+              <a:t>else</a:t>
+            </a:r>
+            <a:r>
+              <a:rPr lang="en-GB" sz="1600" b="0" dirty="0">
+                <a:solidFill>
+                  <a:srgbClr val="4E5B61"/>
+                </a:solidFill>
+                <a:effectLst/>
+                <a:latin typeface="Consolas" panose="020B0609020204030204" pitchFamily="49" charset="0"/>
+              </a:rPr>
+              <a:t> </a:t>
+            </a:r>
+            <a:r>
+              <a:rPr lang="en-GB" sz="1600" b="0" dirty="0">
+                <a:solidFill>
+                  <a:srgbClr val="728E00"/>
+                </a:solidFill>
+                <a:effectLst/>
+                <a:latin typeface="Consolas" panose="020B0609020204030204" pitchFamily="49" charset="0"/>
+              </a:rPr>
+              <a:t>if</a:t>
+            </a:r>
+            <a:r>
+              <a:rPr lang="en-GB" sz="1600" b="0" dirty="0">
+                <a:solidFill>
+                  <a:srgbClr val="4E5B61"/>
+                </a:solidFill>
+                <a:effectLst/>
+                <a:latin typeface="Consolas" panose="020B0609020204030204" pitchFamily="49" charset="0"/>
+              </a:rPr>
+              <a:t> </a:t>
+            </a:r>
+            <a:r>
+              <a:rPr lang="en-GB" sz="1600" b="0" dirty="0">
+                <a:solidFill>
+                  <a:srgbClr val="434F54"/>
+                </a:solidFill>
+                <a:effectLst/>
+                <a:latin typeface="Consolas" panose="020B0609020204030204" pitchFamily="49" charset="0"/>
+              </a:rPr>
+              <a:t>(</a:t>
+            </a:r>
+            <a:r>
+              <a:rPr lang="en-GB" sz="1600" b="0" dirty="0" err="1">
+                <a:solidFill>
+                  <a:srgbClr val="4E5B61"/>
+                </a:solidFill>
+                <a:effectLst/>
+                <a:latin typeface="Consolas" panose="020B0609020204030204" pitchFamily="49" charset="0"/>
+              </a:rPr>
+              <a:t>sensorRight</a:t>
+            </a:r>
+            <a:r>
+              <a:rPr lang="en-GB" sz="1600" b="0" dirty="0">
+                <a:solidFill>
+                  <a:srgbClr val="4E5B61"/>
+                </a:solidFill>
+                <a:effectLst/>
+                <a:latin typeface="Consolas" panose="020B0609020204030204" pitchFamily="49" charset="0"/>
+              </a:rPr>
+              <a:t> == </a:t>
+            </a:r>
+            <a:r>
+              <a:rPr lang="en-GB" sz="1600" b="0" dirty="0">
+                <a:solidFill>
+                  <a:srgbClr val="005C5F"/>
+                </a:solidFill>
+                <a:effectLst/>
+                <a:latin typeface="Consolas" panose="020B0609020204030204" pitchFamily="49" charset="0"/>
+              </a:rPr>
+              <a:t>0</a:t>
+            </a:r>
+            <a:r>
+              <a:rPr lang="en-GB" sz="1600" b="0" dirty="0">
+                <a:solidFill>
+                  <a:srgbClr val="4E5B61"/>
+                </a:solidFill>
+                <a:effectLst/>
+                <a:latin typeface="Consolas" panose="020B0609020204030204" pitchFamily="49" charset="0"/>
+              </a:rPr>
+              <a:t> &amp;&amp; </a:t>
+            </a:r>
+            <a:r>
+              <a:rPr lang="en-GB" sz="1600" b="0" dirty="0" err="1">
+                <a:solidFill>
+                  <a:srgbClr val="4E5B61"/>
+                </a:solidFill>
+                <a:effectLst/>
+                <a:latin typeface="Consolas" panose="020B0609020204030204" pitchFamily="49" charset="0"/>
+              </a:rPr>
+              <a:t>sensorLeft</a:t>
+            </a:r>
+            <a:r>
+              <a:rPr lang="en-GB" sz="1600" b="0" dirty="0">
+                <a:solidFill>
+                  <a:srgbClr val="4E5B61"/>
+                </a:solidFill>
+                <a:effectLst/>
+                <a:latin typeface="Consolas" panose="020B0609020204030204" pitchFamily="49" charset="0"/>
+              </a:rPr>
+              <a:t> == </a:t>
+            </a:r>
+            <a:r>
+              <a:rPr lang="en-GB" sz="1600" b="0" dirty="0">
+                <a:solidFill>
+                  <a:srgbClr val="005C5F"/>
+                </a:solidFill>
+                <a:effectLst/>
+                <a:latin typeface="Consolas" panose="020B0609020204030204" pitchFamily="49" charset="0"/>
+              </a:rPr>
+              <a:t>1</a:t>
+            </a:r>
+            <a:r>
+              <a:rPr lang="en-GB" sz="1600" b="0" dirty="0">
+                <a:solidFill>
+                  <a:srgbClr val="434F54"/>
+                </a:solidFill>
+                <a:effectLst/>
+                <a:latin typeface="Consolas" panose="020B0609020204030204" pitchFamily="49" charset="0"/>
+              </a:rPr>
+              <a:t>){</a:t>
+            </a:r>
+            <a:endParaRPr lang="en-GB" sz="1600" b="0" dirty="0">
+              <a:solidFill>
+                <a:srgbClr val="4E5B61"/>
+              </a:solidFill>
+              <a:effectLst/>
+              <a:latin typeface="Consolas" panose="020B0609020204030204" pitchFamily="49" charset="0"/>
+            </a:endParaRPr>
+          </a:p>
+          <a:p>
+            <a:r>
+              <a:rPr lang="en-GB" sz="1600" b="0" dirty="0">
+                <a:solidFill>
+                  <a:srgbClr val="4E5B61"/>
+                </a:solidFill>
+                <a:effectLst/>
+                <a:latin typeface="Consolas" panose="020B0609020204030204" pitchFamily="49" charset="0"/>
+              </a:rPr>
+              <a:t>      </a:t>
+            </a:r>
+            <a:r>
+              <a:rPr lang="en-GB" sz="1600" b="0" dirty="0" err="1">
+                <a:solidFill>
+                  <a:srgbClr val="D35400"/>
+                </a:solidFill>
+                <a:effectLst/>
+                <a:latin typeface="Consolas" panose="020B0609020204030204" pitchFamily="49" charset="0"/>
+              </a:rPr>
+              <a:t>motorLeft</a:t>
+            </a:r>
+            <a:r>
+              <a:rPr lang="en-GB" sz="1600" b="0" dirty="0">
+                <a:solidFill>
+                  <a:srgbClr val="4E5B61"/>
+                </a:solidFill>
+                <a:effectLst/>
+                <a:latin typeface="Consolas" panose="020B0609020204030204" pitchFamily="49" charset="0"/>
+              </a:rPr>
+              <a:t>-&gt;</a:t>
+            </a:r>
+            <a:r>
+              <a:rPr lang="en-GB" sz="1600" b="0" dirty="0">
+                <a:solidFill>
+                  <a:srgbClr val="D35400"/>
+                </a:solidFill>
+                <a:effectLst/>
+                <a:latin typeface="Consolas" panose="020B0609020204030204" pitchFamily="49" charset="0"/>
+              </a:rPr>
+              <a:t>run</a:t>
+            </a:r>
+            <a:r>
+              <a:rPr lang="en-GB" sz="1600" b="0" dirty="0">
+                <a:solidFill>
+                  <a:srgbClr val="434F54"/>
+                </a:solidFill>
+                <a:effectLst/>
+                <a:latin typeface="Consolas" panose="020B0609020204030204" pitchFamily="49" charset="0"/>
+              </a:rPr>
+              <a:t>(</a:t>
+            </a:r>
+            <a:r>
+              <a:rPr lang="en-GB" sz="1600" b="0" dirty="0">
+                <a:solidFill>
+                  <a:srgbClr val="4E5B61"/>
+                </a:solidFill>
+                <a:effectLst/>
+                <a:latin typeface="Consolas" panose="020B0609020204030204" pitchFamily="49" charset="0"/>
+              </a:rPr>
+              <a:t>FORWARD</a:t>
+            </a:r>
+            <a:r>
+              <a:rPr lang="en-GB" sz="1600" b="0" dirty="0">
+                <a:solidFill>
+                  <a:srgbClr val="434F54"/>
+                </a:solidFill>
+                <a:effectLst/>
+                <a:latin typeface="Consolas" panose="020B0609020204030204" pitchFamily="49" charset="0"/>
+              </a:rPr>
+              <a:t>)</a:t>
+            </a:r>
+            <a:r>
+              <a:rPr lang="en-GB" sz="1600" b="0" dirty="0">
+                <a:solidFill>
+                  <a:srgbClr val="4E5B61"/>
+                </a:solidFill>
+                <a:effectLst/>
+                <a:latin typeface="Consolas" panose="020B0609020204030204" pitchFamily="49" charset="0"/>
+              </a:rPr>
+              <a:t>;</a:t>
+            </a:r>
+          </a:p>
+          <a:p>
+            <a:r>
+              <a:rPr lang="en-GB" sz="1600" b="0" dirty="0">
+                <a:solidFill>
+                  <a:srgbClr val="4E5B61"/>
+                </a:solidFill>
+                <a:effectLst/>
+                <a:latin typeface="Consolas" panose="020B0609020204030204" pitchFamily="49" charset="0"/>
+              </a:rPr>
+              <a:t>      </a:t>
+            </a:r>
+            <a:r>
+              <a:rPr lang="en-GB" sz="1600" b="0" dirty="0" err="1">
+                <a:solidFill>
+                  <a:srgbClr val="D35400"/>
+                </a:solidFill>
+                <a:effectLst/>
+                <a:latin typeface="Consolas" panose="020B0609020204030204" pitchFamily="49" charset="0"/>
+              </a:rPr>
+              <a:t>motorRight</a:t>
+            </a:r>
+            <a:r>
+              <a:rPr lang="en-GB" sz="1600" b="0" dirty="0">
+                <a:solidFill>
+                  <a:srgbClr val="4E5B61"/>
+                </a:solidFill>
+                <a:effectLst/>
+                <a:latin typeface="Consolas" panose="020B0609020204030204" pitchFamily="49" charset="0"/>
+              </a:rPr>
+              <a:t>-&gt;</a:t>
+            </a:r>
+            <a:r>
+              <a:rPr lang="en-GB" sz="1600" b="0" dirty="0">
+                <a:solidFill>
+                  <a:srgbClr val="D35400"/>
+                </a:solidFill>
+                <a:effectLst/>
+                <a:latin typeface="Consolas" panose="020B0609020204030204" pitchFamily="49" charset="0"/>
+              </a:rPr>
+              <a:t>run</a:t>
+            </a:r>
+            <a:r>
+              <a:rPr lang="en-GB" sz="1600" b="0" dirty="0">
+                <a:solidFill>
+                  <a:srgbClr val="434F54"/>
+                </a:solidFill>
+                <a:effectLst/>
+                <a:latin typeface="Consolas" panose="020B0609020204030204" pitchFamily="49" charset="0"/>
+              </a:rPr>
+              <a:t>(</a:t>
+            </a:r>
+            <a:r>
+              <a:rPr lang="en-GB" sz="1600" b="0" dirty="0">
+                <a:solidFill>
+                  <a:srgbClr val="4E5B61"/>
+                </a:solidFill>
+                <a:effectLst/>
+                <a:latin typeface="Consolas" panose="020B0609020204030204" pitchFamily="49" charset="0"/>
+              </a:rPr>
+              <a:t>RELEASE</a:t>
+            </a:r>
+            <a:r>
+              <a:rPr lang="en-GB" sz="1600" b="0" dirty="0">
+                <a:solidFill>
+                  <a:srgbClr val="434F54"/>
+                </a:solidFill>
+                <a:effectLst/>
+                <a:latin typeface="Consolas" panose="020B0609020204030204" pitchFamily="49" charset="0"/>
+              </a:rPr>
+              <a:t>)</a:t>
+            </a:r>
+            <a:r>
+              <a:rPr lang="en-GB" sz="1600" b="0" dirty="0">
+                <a:solidFill>
+                  <a:srgbClr val="4E5B61"/>
+                </a:solidFill>
+                <a:effectLst/>
+                <a:latin typeface="Consolas" panose="020B0609020204030204" pitchFamily="49" charset="0"/>
+              </a:rPr>
+              <a:t>;</a:t>
+            </a:r>
+          </a:p>
+          <a:p>
+            <a:r>
+              <a:rPr lang="en-GB" sz="1600" b="0" dirty="0">
+                <a:solidFill>
+                  <a:srgbClr val="4E5B61"/>
+                </a:solidFill>
+                <a:effectLst/>
+                <a:latin typeface="Consolas" panose="020B0609020204030204" pitchFamily="49" charset="0"/>
+              </a:rPr>
+              <a:t>    </a:t>
+            </a:r>
+            <a:r>
+              <a:rPr lang="en-GB" sz="1600" b="0" dirty="0">
+                <a:solidFill>
+                  <a:srgbClr val="434F54"/>
+                </a:solidFill>
+                <a:effectLst/>
+                <a:latin typeface="Consolas" panose="020B0609020204030204" pitchFamily="49" charset="0"/>
+              </a:rPr>
+              <a:t>}</a:t>
+            </a:r>
+            <a:r>
+              <a:rPr lang="en-GB" sz="1600" b="0" dirty="0">
+                <a:solidFill>
+                  <a:srgbClr val="4E5B61"/>
+                </a:solidFill>
+                <a:effectLst/>
+                <a:latin typeface="Consolas" panose="020B0609020204030204" pitchFamily="49" charset="0"/>
+              </a:rPr>
+              <a:t> </a:t>
+            </a:r>
+            <a:r>
+              <a:rPr lang="en-GB" sz="1600" b="0" dirty="0">
+                <a:solidFill>
+                  <a:srgbClr val="728E00"/>
+                </a:solidFill>
+                <a:effectLst/>
+                <a:latin typeface="Consolas" panose="020B0609020204030204" pitchFamily="49" charset="0"/>
+              </a:rPr>
+              <a:t>else</a:t>
+            </a:r>
+            <a:r>
+              <a:rPr lang="en-GB" sz="1600" b="0" dirty="0">
+                <a:solidFill>
+                  <a:srgbClr val="4E5B61"/>
+                </a:solidFill>
+                <a:effectLst/>
+                <a:latin typeface="Consolas" panose="020B0609020204030204" pitchFamily="49" charset="0"/>
+              </a:rPr>
+              <a:t> </a:t>
+            </a:r>
+            <a:r>
+              <a:rPr lang="en-GB" sz="1600" b="0" dirty="0">
+                <a:solidFill>
+                  <a:srgbClr val="728E00"/>
+                </a:solidFill>
+                <a:effectLst/>
+                <a:latin typeface="Consolas" panose="020B0609020204030204" pitchFamily="49" charset="0"/>
+              </a:rPr>
+              <a:t>if</a:t>
+            </a:r>
+            <a:r>
+              <a:rPr lang="en-GB" sz="1600" b="0" dirty="0">
+                <a:solidFill>
+                  <a:srgbClr val="4E5B61"/>
+                </a:solidFill>
+                <a:effectLst/>
+                <a:latin typeface="Consolas" panose="020B0609020204030204" pitchFamily="49" charset="0"/>
+              </a:rPr>
+              <a:t> </a:t>
+            </a:r>
+            <a:r>
+              <a:rPr lang="en-GB" sz="1600" b="0" dirty="0">
+                <a:solidFill>
+                  <a:srgbClr val="434F54"/>
+                </a:solidFill>
+                <a:effectLst/>
+                <a:latin typeface="Consolas" panose="020B0609020204030204" pitchFamily="49" charset="0"/>
+              </a:rPr>
+              <a:t>((</a:t>
+            </a:r>
+            <a:r>
+              <a:rPr lang="en-GB" sz="1600" b="0" dirty="0" err="1">
+                <a:solidFill>
+                  <a:srgbClr val="4E5B61"/>
+                </a:solidFill>
+                <a:effectLst/>
+                <a:latin typeface="Consolas" panose="020B0609020204030204" pitchFamily="49" charset="0"/>
+              </a:rPr>
+              <a:t>sensorLeft</a:t>
+            </a:r>
+            <a:r>
+              <a:rPr lang="en-GB" sz="1600" b="0" dirty="0">
+                <a:solidFill>
+                  <a:srgbClr val="4E5B61"/>
+                </a:solidFill>
+                <a:effectLst/>
+                <a:latin typeface="Consolas" panose="020B0609020204030204" pitchFamily="49" charset="0"/>
+              </a:rPr>
+              <a:t> &amp;&amp; </a:t>
+            </a:r>
+            <a:r>
+              <a:rPr lang="en-GB" sz="1600" b="0" dirty="0" err="1">
+                <a:solidFill>
+                  <a:srgbClr val="4E5B61"/>
+                </a:solidFill>
+                <a:effectLst/>
+                <a:latin typeface="Consolas" panose="020B0609020204030204" pitchFamily="49" charset="0"/>
+              </a:rPr>
+              <a:t>sensorRight</a:t>
+            </a:r>
+            <a:r>
+              <a:rPr lang="en-GB" sz="1600" b="0" dirty="0">
+                <a:solidFill>
+                  <a:srgbClr val="434F54"/>
+                </a:solidFill>
+                <a:effectLst/>
+                <a:latin typeface="Consolas" panose="020B0609020204030204" pitchFamily="49" charset="0"/>
+              </a:rPr>
+              <a:t>)</a:t>
+            </a:r>
+            <a:r>
+              <a:rPr lang="en-GB" sz="1600" b="0" dirty="0">
+                <a:solidFill>
+                  <a:srgbClr val="4E5B61"/>
+                </a:solidFill>
+                <a:effectLst/>
+                <a:latin typeface="Consolas" panose="020B0609020204030204" pitchFamily="49" charset="0"/>
+              </a:rPr>
+              <a:t> == </a:t>
+            </a:r>
+            <a:r>
+              <a:rPr lang="en-GB" sz="1600" b="0" dirty="0">
+                <a:solidFill>
+                  <a:srgbClr val="005C5F"/>
+                </a:solidFill>
+                <a:effectLst/>
+                <a:latin typeface="Consolas" panose="020B0609020204030204" pitchFamily="49" charset="0"/>
+              </a:rPr>
+              <a:t>0</a:t>
+            </a:r>
+            <a:r>
+              <a:rPr lang="en-GB" sz="1600" b="0" dirty="0">
+                <a:solidFill>
+                  <a:srgbClr val="434F54"/>
+                </a:solidFill>
+                <a:effectLst/>
+                <a:latin typeface="Consolas" panose="020B0609020204030204" pitchFamily="49" charset="0"/>
+              </a:rPr>
+              <a:t>)</a:t>
+            </a:r>
+            <a:r>
+              <a:rPr lang="en-GB" sz="1600" b="0" dirty="0">
+                <a:solidFill>
+                  <a:srgbClr val="4E5B61"/>
+                </a:solidFill>
+                <a:effectLst/>
+                <a:latin typeface="Consolas" panose="020B0609020204030204" pitchFamily="49" charset="0"/>
+              </a:rPr>
+              <a:t> </a:t>
+            </a:r>
+            <a:r>
+              <a:rPr lang="en-GB" sz="1600" b="0" dirty="0">
+                <a:solidFill>
+                  <a:srgbClr val="434F54"/>
+                </a:solidFill>
+                <a:effectLst/>
+                <a:latin typeface="Consolas" panose="020B0609020204030204" pitchFamily="49" charset="0"/>
+              </a:rPr>
+              <a:t>{</a:t>
+            </a:r>
+            <a:endParaRPr lang="en-GB" sz="1600" b="0" dirty="0">
+              <a:solidFill>
+                <a:srgbClr val="4E5B61"/>
+              </a:solidFill>
+              <a:effectLst/>
+              <a:latin typeface="Consolas" panose="020B0609020204030204" pitchFamily="49" charset="0"/>
+            </a:endParaRPr>
+          </a:p>
+          <a:p>
+            <a:r>
+              <a:rPr lang="en-GB" sz="1600" b="0" dirty="0">
+                <a:solidFill>
+                  <a:srgbClr val="4E5B61"/>
+                </a:solidFill>
+                <a:effectLst/>
+                <a:latin typeface="Consolas" panose="020B0609020204030204" pitchFamily="49" charset="0"/>
+              </a:rPr>
+              <a:t>      </a:t>
+            </a:r>
+            <a:r>
+              <a:rPr lang="en-GB" sz="1600" b="0" dirty="0" err="1">
+                <a:solidFill>
+                  <a:srgbClr val="D35400"/>
+                </a:solidFill>
+                <a:effectLst/>
+                <a:latin typeface="Consolas" panose="020B0609020204030204" pitchFamily="49" charset="0"/>
+              </a:rPr>
+              <a:t>motorLeft</a:t>
+            </a:r>
+            <a:r>
+              <a:rPr lang="en-GB" sz="1600" b="0" dirty="0">
+                <a:solidFill>
+                  <a:srgbClr val="4E5B61"/>
+                </a:solidFill>
+                <a:effectLst/>
+                <a:latin typeface="Consolas" panose="020B0609020204030204" pitchFamily="49" charset="0"/>
+              </a:rPr>
+              <a:t>-&gt;</a:t>
+            </a:r>
+            <a:r>
+              <a:rPr lang="en-GB" sz="1600" b="0" dirty="0">
+                <a:solidFill>
+                  <a:srgbClr val="D35400"/>
+                </a:solidFill>
+                <a:effectLst/>
+                <a:latin typeface="Consolas" panose="020B0609020204030204" pitchFamily="49" charset="0"/>
+              </a:rPr>
+              <a:t>run</a:t>
+            </a:r>
+            <a:r>
+              <a:rPr lang="en-GB" sz="1600" b="0" dirty="0">
+                <a:solidFill>
+                  <a:srgbClr val="434F54"/>
+                </a:solidFill>
+                <a:effectLst/>
+                <a:latin typeface="Consolas" panose="020B0609020204030204" pitchFamily="49" charset="0"/>
+              </a:rPr>
+              <a:t>(</a:t>
+            </a:r>
+            <a:r>
+              <a:rPr lang="en-GB" sz="1600" b="0" dirty="0">
+                <a:solidFill>
+                  <a:srgbClr val="4E5B61"/>
+                </a:solidFill>
+                <a:effectLst/>
+                <a:latin typeface="Consolas" panose="020B0609020204030204" pitchFamily="49" charset="0"/>
+              </a:rPr>
+              <a:t>RELEASE</a:t>
+            </a:r>
+            <a:r>
+              <a:rPr lang="en-GB" sz="1600" b="0" dirty="0">
+                <a:solidFill>
+                  <a:srgbClr val="434F54"/>
+                </a:solidFill>
+                <a:effectLst/>
+                <a:latin typeface="Consolas" panose="020B0609020204030204" pitchFamily="49" charset="0"/>
+              </a:rPr>
+              <a:t>)</a:t>
+            </a:r>
+            <a:r>
+              <a:rPr lang="en-GB" sz="1600" b="0" dirty="0">
+                <a:solidFill>
+                  <a:srgbClr val="4E5B61"/>
+                </a:solidFill>
+                <a:effectLst/>
+                <a:latin typeface="Consolas" panose="020B0609020204030204" pitchFamily="49" charset="0"/>
+              </a:rPr>
+              <a:t>;</a:t>
+            </a:r>
+          </a:p>
+          <a:p>
+            <a:r>
+              <a:rPr lang="en-GB" sz="1600" b="0" dirty="0">
+                <a:solidFill>
+                  <a:srgbClr val="4E5B61"/>
+                </a:solidFill>
+                <a:effectLst/>
+                <a:latin typeface="Consolas" panose="020B0609020204030204" pitchFamily="49" charset="0"/>
+              </a:rPr>
+              <a:t>      </a:t>
+            </a:r>
+            <a:r>
+              <a:rPr lang="en-GB" sz="1600" b="0" dirty="0" err="1">
+                <a:solidFill>
+                  <a:srgbClr val="D35400"/>
+                </a:solidFill>
+                <a:effectLst/>
+                <a:latin typeface="Consolas" panose="020B0609020204030204" pitchFamily="49" charset="0"/>
+              </a:rPr>
+              <a:t>motorRight</a:t>
+            </a:r>
+            <a:r>
+              <a:rPr lang="en-GB" sz="1600" b="0" dirty="0">
+                <a:solidFill>
+                  <a:srgbClr val="4E5B61"/>
+                </a:solidFill>
+                <a:effectLst/>
+                <a:latin typeface="Consolas" panose="020B0609020204030204" pitchFamily="49" charset="0"/>
+              </a:rPr>
+              <a:t>-&gt;</a:t>
+            </a:r>
+            <a:r>
+              <a:rPr lang="en-GB" sz="1600" b="0" dirty="0">
+                <a:solidFill>
+                  <a:srgbClr val="D35400"/>
+                </a:solidFill>
+                <a:effectLst/>
+                <a:latin typeface="Consolas" panose="020B0609020204030204" pitchFamily="49" charset="0"/>
+              </a:rPr>
+              <a:t>run</a:t>
+            </a:r>
+            <a:r>
+              <a:rPr lang="en-GB" sz="1600" b="0" dirty="0">
+                <a:solidFill>
+                  <a:srgbClr val="434F54"/>
+                </a:solidFill>
+                <a:effectLst/>
+                <a:latin typeface="Consolas" panose="020B0609020204030204" pitchFamily="49" charset="0"/>
+              </a:rPr>
+              <a:t>(</a:t>
+            </a:r>
+            <a:r>
+              <a:rPr lang="en-GB" sz="1600" b="0" dirty="0">
+                <a:solidFill>
+                  <a:srgbClr val="4E5B61"/>
+                </a:solidFill>
+                <a:effectLst/>
+                <a:latin typeface="Consolas" panose="020B0609020204030204" pitchFamily="49" charset="0"/>
+              </a:rPr>
+              <a:t>RELEASE</a:t>
+            </a:r>
+            <a:r>
+              <a:rPr lang="en-GB" sz="1600" b="0" dirty="0">
+                <a:solidFill>
+                  <a:srgbClr val="434F54"/>
+                </a:solidFill>
+                <a:effectLst/>
+                <a:latin typeface="Consolas" panose="020B0609020204030204" pitchFamily="49" charset="0"/>
+              </a:rPr>
+              <a:t>)</a:t>
+            </a:r>
+            <a:r>
+              <a:rPr lang="en-GB" sz="1600" b="0" dirty="0">
+                <a:solidFill>
+                  <a:srgbClr val="4E5B61"/>
+                </a:solidFill>
+                <a:effectLst/>
+                <a:latin typeface="Consolas" panose="020B0609020204030204" pitchFamily="49" charset="0"/>
+              </a:rPr>
+              <a:t>;</a:t>
+            </a:r>
+          </a:p>
+          <a:p>
+            <a:r>
+              <a:rPr lang="en-GB" sz="1600" b="0" dirty="0">
+                <a:solidFill>
+                  <a:srgbClr val="4E5B61"/>
+                </a:solidFill>
+                <a:effectLst/>
+                <a:latin typeface="Consolas" panose="020B0609020204030204" pitchFamily="49" charset="0"/>
+              </a:rPr>
+              <a:t>    </a:t>
+            </a:r>
+            <a:r>
+              <a:rPr lang="en-GB" sz="1600" b="0" dirty="0">
+                <a:solidFill>
+                  <a:srgbClr val="434F54"/>
+                </a:solidFill>
+                <a:effectLst/>
+                <a:latin typeface="Consolas" panose="020B0609020204030204" pitchFamily="49" charset="0"/>
+              </a:rPr>
+              <a:t>}</a:t>
+            </a:r>
+            <a:endParaRPr lang="en-GB" sz="1600" b="0" dirty="0">
+              <a:solidFill>
+                <a:srgbClr val="4E5B61"/>
+              </a:solidFill>
+              <a:effectLst/>
+              <a:latin typeface="Consolas" panose="020B0609020204030204" pitchFamily="49" charset="0"/>
+            </a:endParaRPr>
+          </a:p>
+          <a:p>
+            <a:r>
+              <a:rPr lang="en-GB" sz="1600" b="0" dirty="0">
+                <a:solidFill>
+                  <a:srgbClr val="434F54"/>
+                </a:solidFill>
+                <a:effectLst/>
+                <a:latin typeface="Consolas" panose="020B0609020204030204" pitchFamily="49" charset="0"/>
+              </a:rPr>
+              <a:t>}</a:t>
+            </a:r>
+            <a:endParaRPr lang="en-GB" sz="1600" b="0" dirty="0">
+              <a:solidFill>
+                <a:srgbClr val="4E5B61"/>
+              </a:solidFill>
+              <a:effectLst/>
+              <a:latin typeface="Consolas" panose="020B0609020204030204" pitchFamily="49" charset="0"/>
+            </a:endParaRPr>
+          </a:p>
+        </p:txBody>
+      </p:sp>
+      <p:sp>
+        <p:nvSpPr>
+          <p:cNvPr id="7" name="TextBox 6">
+            <a:extLst>
+              <a:ext uri="{FF2B5EF4-FFF2-40B4-BE49-F238E27FC236}">
+                <a16:creationId xmlns:a16="http://schemas.microsoft.com/office/drawing/2014/main" id="{3702FC00-18C9-75AB-686E-2FBCC527D540}"/>
+              </a:ext>
+            </a:extLst>
+          </p:cNvPr>
+          <p:cNvSpPr txBox="1"/>
+          <p:nvPr/>
+        </p:nvSpPr>
+        <p:spPr>
+          <a:xfrm>
+            <a:off x="172177" y="123110"/>
+            <a:ext cx="6096000" cy="769441"/>
+          </a:xfrm>
+          <a:prstGeom prst="rect">
+            <a:avLst/>
+          </a:prstGeom>
+          <a:noFill/>
+          <a:ln>
+            <a:solidFill>
+              <a:schemeClr val="tx1"/>
+            </a:solidFill>
+          </a:ln>
+        </p:spPr>
+        <p:txBody>
+          <a:bodyPr wrap="square" rtlCol="0">
+            <a:spAutoFit/>
+          </a:bodyPr>
+          <a:lstStyle/>
+          <a:p>
+            <a:pPr algn="ctr"/>
+            <a:r>
+              <a:rPr lang="en-GB" sz="4400" dirty="0"/>
+              <a:t>Sensor-motor interaction</a:t>
+            </a:r>
+          </a:p>
+        </p:txBody>
+      </p:sp>
+      <p:cxnSp>
+        <p:nvCxnSpPr>
+          <p:cNvPr id="9" name="Straight Arrow Connector 8">
+            <a:extLst>
+              <a:ext uri="{FF2B5EF4-FFF2-40B4-BE49-F238E27FC236}">
+                <a16:creationId xmlns:a16="http://schemas.microsoft.com/office/drawing/2014/main" id="{032A21AB-812E-9849-404F-92F58FFA0A5D}"/>
+              </a:ext>
+            </a:extLst>
+          </p:cNvPr>
+          <p:cNvCxnSpPr>
+            <a:stCxn id="7" idx="2"/>
+            <a:endCxn id="4" idx="0"/>
+          </p:cNvCxnSpPr>
+          <p:nvPr/>
+        </p:nvCxnSpPr>
+        <p:spPr>
+          <a:xfrm>
+            <a:off x="3220177" y="892551"/>
+            <a:ext cx="0" cy="274291"/>
+          </a:xfrm>
+          <a:prstGeom prst="straightConnector1">
+            <a:avLst/>
+          </a:prstGeom>
+          <a:ln>
+            <a:solidFill>
+              <a:schemeClr val="tx1"/>
+            </a:solidFill>
+            <a:tailEnd type="triangle"/>
+          </a:ln>
+        </p:spPr>
+        <p:style>
+          <a:lnRef idx="1">
+            <a:schemeClr val="accent1"/>
+          </a:lnRef>
+          <a:fillRef idx="0">
+            <a:schemeClr val="accent1"/>
+          </a:fillRef>
+          <a:effectRef idx="0">
+            <a:schemeClr val="accent1"/>
+          </a:effectRef>
+          <a:fontRef idx="minor">
+            <a:schemeClr val="tx1"/>
+          </a:fontRef>
+        </p:style>
+      </p:cxnSp>
+      <p:sp>
+        <p:nvSpPr>
+          <p:cNvPr id="13" name="TextBox 12">
+            <a:extLst>
+              <a:ext uri="{FF2B5EF4-FFF2-40B4-BE49-F238E27FC236}">
+                <a16:creationId xmlns:a16="http://schemas.microsoft.com/office/drawing/2014/main" id="{A0A6ABA5-5B1B-A4E3-F1FF-A654DFE6BFF4}"/>
+              </a:ext>
+            </a:extLst>
+          </p:cNvPr>
+          <p:cNvSpPr txBox="1"/>
+          <p:nvPr/>
+        </p:nvSpPr>
+        <p:spPr>
+          <a:xfrm>
+            <a:off x="6646268" y="1166842"/>
+            <a:ext cx="5339817" cy="4832092"/>
+          </a:xfrm>
+          <a:prstGeom prst="rect">
+            <a:avLst/>
+          </a:prstGeom>
+          <a:noFill/>
+          <a:ln>
+            <a:solidFill>
+              <a:schemeClr val="tx1"/>
+            </a:solidFill>
+          </a:ln>
+        </p:spPr>
+        <p:txBody>
+          <a:bodyPr wrap="square">
+            <a:spAutoFit/>
+          </a:bodyPr>
+          <a:lstStyle/>
+          <a:p>
+            <a:r>
+              <a:rPr lang="en-GB" sz="1400" b="0" dirty="0">
+                <a:solidFill>
+                  <a:srgbClr val="4E5B61"/>
+                </a:solidFill>
+                <a:effectLst/>
+                <a:latin typeface="Consolas" panose="020B0609020204030204" pitchFamily="49" charset="0"/>
+              </a:rPr>
+              <a:t>    </a:t>
+            </a:r>
+            <a:r>
+              <a:rPr lang="en-GB" sz="1400" b="0" dirty="0">
+                <a:solidFill>
+                  <a:srgbClr val="728E00"/>
+                </a:solidFill>
+                <a:effectLst/>
+                <a:latin typeface="Consolas" panose="020B0609020204030204" pitchFamily="49" charset="0"/>
+              </a:rPr>
+              <a:t>if</a:t>
+            </a:r>
+            <a:r>
+              <a:rPr lang="en-GB" sz="1400" b="0" dirty="0">
+                <a:solidFill>
+                  <a:srgbClr val="4E5B61"/>
+                </a:solidFill>
+                <a:effectLst/>
+                <a:latin typeface="Consolas" panose="020B0609020204030204" pitchFamily="49" charset="0"/>
+              </a:rPr>
+              <a:t> </a:t>
+            </a:r>
+            <a:r>
+              <a:rPr lang="en-GB" sz="1400" b="0" dirty="0">
+                <a:solidFill>
+                  <a:srgbClr val="434F54"/>
+                </a:solidFill>
+                <a:effectLst/>
+                <a:latin typeface="Consolas" panose="020B0609020204030204" pitchFamily="49" charset="0"/>
+              </a:rPr>
+              <a:t>(</a:t>
+            </a:r>
+            <a:r>
+              <a:rPr lang="en-GB" sz="1400" b="0" dirty="0">
+                <a:solidFill>
+                  <a:srgbClr val="4E5B61"/>
+                </a:solidFill>
+                <a:effectLst/>
+                <a:latin typeface="Consolas" panose="020B0609020204030204" pitchFamily="49" charset="0"/>
+              </a:rPr>
+              <a:t>sensorState1 == </a:t>
+            </a:r>
+            <a:r>
+              <a:rPr lang="en-GB" sz="1400" b="0" dirty="0">
+                <a:solidFill>
+                  <a:srgbClr val="005C5F"/>
+                </a:solidFill>
+                <a:effectLst/>
+                <a:latin typeface="Consolas" panose="020B0609020204030204" pitchFamily="49" charset="0"/>
+              </a:rPr>
+              <a:t>0</a:t>
+            </a:r>
+            <a:r>
+              <a:rPr lang="en-GB" sz="1400" b="0" dirty="0">
+                <a:solidFill>
+                  <a:srgbClr val="434F54"/>
+                </a:solidFill>
+                <a:effectLst/>
+                <a:latin typeface="Consolas" panose="020B0609020204030204" pitchFamily="49" charset="0"/>
+              </a:rPr>
+              <a:t>){</a:t>
+            </a:r>
+            <a:endParaRPr lang="en-GB" sz="1400" b="0" dirty="0">
+              <a:solidFill>
+                <a:srgbClr val="4E5B61"/>
+              </a:solidFill>
+              <a:effectLst/>
+              <a:latin typeface="Consolas" panose="020B0609020204030204" pitchFamily="49" charset="0"/>
+            </a:endParaRPr>
+          </a:p>
+          <a:p>
+            <a:r>
+              <a:rPr lang="en-GB" sz="1400" b="0" dirty="0">
+                <a:solidFill>
+                  <a:srgbClr val="4E5B61"/>
+                </a:solidFill>
+                <a:effectLst/>
+                <a:latin typeface="Consolas" panose="020B0609020204030204" pitchFamily="49" charset="0"/>
+              </a:rPr>
+              <a:t>      </a:t>
+            </a:r>
+            <a:r>
+              <a:rPr lang="en-GB" sz="1400" b="0" dirty="0">
+                <a:solidFill>
+                  <a:srgbClr val="D35400"/>
+                </a:solidFill>
+                <a:effectLst/>
+                <a:latin typeface="Consolas" panose="020B0609020204030204" pitchFamily="49" charset="0"/>
+              </a:rPr>
+              <a:t>myMotor1</a:t>
+            </a:r>
+            <a:r>
+              <a:rPr lang="en-GB" sz="1400" b="0" dirty="0">
+                <a:solidFill>
+                  <a:srgbClr val="4E5B61"/>
+                </a:solidFill>
+                <a:effectLst/>
+                <a:latin typeface="Consolas" panose="020B0609020204030204" pitchFamily="49" charset="0"/>
+              </a:rPr>
+              <a:t>-&gt;</a:t>
+            </a:r>
+            <a:r>
+              <a:rPr lang="en-GB" sz="1400" b="0" dirty="0">
+                <a:solidFill>
+                  <a:srgbClr val="D35400"/>
+                </a:solidFill>
+                <a:effectLst/>
+                <a:latin typeface="Consolas" panose="020B0609020204030204" pitchFamily="49" charset="0"/>
+              </a:rPr>
+              <a:t>run</a:t>
+            </a:r>
+            <a:r>
+              <a:rPr lang="en-GB" sz="1400" b="0" dirty="0">
+                <a:solidFill>
+                  <a:srgbClr val="434F54"/>
+                </a:solidFill>
+                <a:effectLst/>
+                <a:latin typeface="Consolas" panose="020B0609020204030204" pitchFamily="49" charset="0"/>
+              </a:rPr>
+              <a:t>(</a:t>
+            </a:r>
+            <a:r>
+              <a:rPr lang="en-GB" sz="1400" b="0" dirty="0">
+                <a:solidFill>
+                  <a:srgbClr val="4E5B61"/>
+                </a:solidFill>
+                <a:effectLst/>
+                <a:latin typeface="Consolas" panose="020B0609020204030204" pitchFamily="49" charset="0"/>
+              </a:rPr>
+              <a:t>FORWARD</a:t>
+            </a:r>
+            <a:r>
+              <a:rPr lang="en-GB" sz="1400" b="0" dirty="0">
+                <a:solidFill>
+                  <a:srgbClr val="434F54"/>
+                </a:solidFill>
+                <a:effectLst/>
+                <a:latin typeface="Consolas" panose="020B0609020204030204" pitchFamily="49" charset="0"/>
+              </a:rPr>
+              <a:t>)</a:t>
+            </a:r>
+            <a:r>
+              <a:rPr lang="en-GB" sz="1400" b="0" dirty="0">
+                <a:solidFill>
+                  <a:srgbClr val="4E5B61"/>
+                </a:solidFill>
+                <a:effectLst/>
+                <a:latin typeface="Consolas" panose="020B0609020204030204" pitchFamily="49" charset="0"/>
+              </a:rPr>
+              <a:t>;</a:t>
+            </a:r>
+          </a:p>
+          <a:p>
+            <a:r>
+              <a:rPr lang="en-GB" sz="1400" b="0" dirty="0">
+                <a:solidFill>
+                  <a:srgbClr val="4E5B61"/>
+                </a:solidFill>
+                <a:effectLst/>
+                <a:latin typeface="Consolas" panose="020B0609020204030204" pitchFamily="49" charset="0"/>
+              </a:rPr>
+              <a:t>      </a:t>
+            </a:r>
+            <a:r>
+              <a:rPr lang="en-GB" sz="1400" b="0" dirty="0">
+                <a:solidFill>
+                  <a:srgbClr val="728E00"/>
+                </a:solidFill>
+                <a:effectLst/>
+                <a:latin typeface="Consolas" panose="020B0609020204030204" pitchFamily="49" charset="0"/>
+              </a:rPr>
+              <a:t>for</a:t>
+            </a:r>
+            <a:r>
+              <a:rPr lang="en-GB" sz="1400" b="0" dirty="0">
+                <a:solidFill>
+                  <a:srgbClr val="434F54"/>
+                </a:solidFill>
+                <a:effectLst/>
+                <a:latin typeface="Consolas" panose="020B0609020204030204" pitchFamily="49" charset="0"/>
+              </a:rPr>
+              <a:t>(</a:t>
+            </a:r>
+            <a:r>
+              <a:rPr lang="en-GB" sz="1400" b="0" dirty="0" err="1">
+                <a:solidFill>
+                  <a:srgbClr val="4E5B61"/>
+                </a:solidFill>
+                <a:effectLst/>
+                <a:latin typeface="Consolas" panose="020B0609020204030204" pitchFamily="49" charset="0"/>
+              </a:rPr>
+              <a:t>i</a:t>
+            </a:r>
+            <a:r>
+              <a:rPr lang="en-GB" sz="1400" b="0" dirty="0">
+                <a:solidFill>
+                  <a:srgbClr val="4E5B61"/>
+                </a:solidFill>
+                <a:effectLst/>
+                <a:latin typeface="Consolas" panose="020B0609020204030204" pitchFamily="49" charset="0"/>
+              </a:rPr>
+              <a:t>=</a:t>
+            </a:r>
+            <a:r>
+              <a:rPr lang="en-GB" sz="1400" b="0" dirty="0">
+                <a:solidFill>
+                  <a:srgbClr val="005C5F"/>
+                </a:solidFill>
+                <a:effectLst/>
+                <a:latin typeface="Consolas" panose="020B0609020204030204" pitchFamily="49" charset="0"/>
+              </a:rPr>
+              <a:t>0</a:t>
+            </a:r>
+            <a:r>
+              <a:rPr lang="en-GB" sz="1400" b="0" dirty="0">
+                <a:solidFill>
+                  <a:srgbClr val="4E5B61"/>
+                </a:solidFill>
+                <a:effectLst/>
+                <a:latin typeface="Consolas" panose="020B0609020204030204" pitchFamily="49" charset="0"/>
+              </a:rPr>
+              <a:t>,i&lt;</a:t>
+            </a:r>
+            <a:r>
+              <a:rPr lang="en-GB" sz="1400" b="0" dirty="0">
+                <a:solidFill>
+                  <a:srgbClr val="005C5F"/>
+                </a:solidFill>
+                <a:effectLst/>
+                <a:latin typeface="Consolas" panose="020B0609020204030204" pitchFamily="49" charset="0"/>
+              </a:rPr>
+              <a:t>255</a:t>
+            </a:r>
+            <a:r>
+              <a:rPr lang="en-GB" sz="1400" b="0" dirty="0">
+                <a:solidFill>
+                  <a:srgbClr val="4E5B61"/>
+                </a:solidFill>
+                <a:effectLst/>
+                <a:latin typeface="Consolas" panose="020B0609020204030204" pitchFamily="49" charset="0"/>
+              </a:rPr>
+              <a:t>,i++</a:t>
+            </a:r>
+            <a:r>
+              <a:rPr lang="en-GB" sz="1400" b="0" dirty="0">
+                <a:solidFill>
+                  <a:srgbClr val="434F54"/>
+                </a:solidFill>
+                <a:effectLst/>
+                <a:latin typeface="Consolas" panose="020B0609020204030204" pitchFamily="49" charset="0"/>
+              </a:rPr>
+              <a:t>){</a:t>
+            </a:r>
+            <a:endParaRPr lang="en-GB" sz="1400" b="0" dirty="0">
+              <a:solidFill>
+                <a:srgbClr val="4E5B61"/>
+              </a:solidFill>
+              <a:effectLst/>
+              <a:latin typeface="Consolas" panose="020B0609020204030204" pitchFamily="49" charset="0"/>
+            </a:endParaRPr>
+          </a:p>
+          <a:p>
+            <a:r>
+              <a:rPr lang="en-GB" sz="1400" b="0" dirty="0">
+                <a:solidFill>
+                  <a:srgbClr val="4E5B61"/>
+                </a:solidFill>
+                <a:effectLst/>
+                <a:latin typeface="Consolas" panose="020B0609020204030204" pitchFamily="49" charset="0"/>
+              </a:rPr>
+              <a:t>        </a:t>
+            </a:r>
+            <a:r>
+              <a:rPr lang="en-GB" sz="1400" b="0" dirty="0">
+                <a:solidFill>
+                  <a:srgbClr val="D35400"/>
+                </a:solidFill>
+                <a:effectLst/>
+                <a:latin typeface="Consolas" panose="020B0609020204030204" pitchFamily="49" charset="0"/>
+              </a:rPr>
+              <a:t>myMotor1</a:t>
+            </a:r>
+            <a:r>
+              <a:rPr lang="en-GB" sz="1400" b="0" dirty="0">
+                <a:solidFill>
+                  <a:srgbClr val="4E5B61"/>
+                </a:solidFill>
+                <a:effectLst/>
+                <a:latin typeface="Consolas" panose="020B0609020204030204" pitchFamily="49" charset="0"/>
+              </a:rPr>
+              <a:t>-&gt;</a:t>
+            </a:r>
+            <a:r>
+              <a:rPr lang="en-GB" sz="1400" b="0" dirty="0" err="1">
+                <a:solidFill>
+                  <a:srgbClr val="D35400"/>
+                </a:solidFill>
+                <a:effectLst/>
+                <a:latin typeface="Consolas" panose="020B0609020204030204" pitchFamily="49" charset="0"/>
+              </a:rPr>
+              <a:t>setSpeed</a:t>
+            </a:r>
+            <a:r>
+              <a:rPr lang="en-GB" sz="1400" b="0" dirty="0">
+                <a:solidFill>
+                  <a:srgbClr val="434F54"/>
+                </a:solidFill>
+                <a:effectLst/>
+                <a:latin typeface="Consolas" panose="020B0609020204030204" pitchFamily="49" charset="0"/>
+              </a:rPr>
+              <a:t>(</a:t>
+            </a:r>
+            <a:r>
+              <a:rPr lang="en-GB" sz="1400" b="0" dirty="0" err="1">
+                <a:solidFill>
+                  <a:srgbClr val="4E5B61"/>
+                </a:solidFill>
+                <a:effectLst/>
+                <a:latin typeface="Consolas" panose="020B0609020204030204" pitchFamily="49" charset="0"/>
+              </a:rPr>
+              <a:t>i</a:t>
+            </a:r>
+            <a:r>
+              <a:rPr lang="en-GB" sz="1400" b="0" dirty="0">
+                <a:solidFill>
+                  <a:srgbClr val="434F54"/>
+                </a:solidFill>
+                <a:effectLst/>
+                <a:latin typeface="Consolas" panose="020B0609020204030204" pitchFamily="49" charset="0"/>
+              </a:rPr>
+              <a:t>)</a:t>
+            </a:r>
+            <a:r>
+              <a:rPr lang="en-GB" sz="1400" b="0" dirty="0">
+                <a:solidFill>
+                  <a:srgbClr val="4E5B61"/>
+                </a:solidFill>
+                <a:effectLst/>
+                <a:latin typeface="Consolas" panose="020B0609020204030204" pitchFamily="49" charset="0"/>
+              </a:rPr>
+              <a:t>;</a:t>
+            </a:r>
+          </a:p>
+          <a:p>
+            <a:r>
+              <a:rPr lang="en-GB" sz="1400" b="0" dirty="0">
+                <a:solidFill>
+                  <a:srgbClr val="4E5B61"/>
+                </a:solidFill>
+                <a:effectLst/>
+                <a:latin typeface="Consolas" panose="020B0609020204030204" pitchFamily="49" charset="0"/>
+              </a:rPr>
+              <a:t>        </a:t>
+            </a:r>
+            <a:r>
+              <a:rPr lang="en-GB" sz="1400" b="0" dirty="0">
+                <a:solidFill>
+                  <a:srgbClr val="D35400"/>
+                </a:solidFill>
+                <a:effectLst/>
+                <a:latin typeface="Consolas" panose="020B0609020204030204" pitchFamily="49" charset="0"/>
+              </a:rPr>
+              <a:t>delay</a:t>
+            </a:r>
+            <a:r>
+              <a:rPr lang="en-GB" sz="1400" b="0" dirty="0">
+                <a:solidFill>
+                  <a:srgbClr val="434F54"/>
+                </a:solidFill>
+                <a:effectLst/>
+                <a:latin typeface="Consolas" panose="020B0609020204030204" pitchFamily="49" charset="0"/>
+              </a:rPr>
+              <a:t>(</a:t>
+            </a:r>
+            <a:r>
+              <a:rPr lang="en-GB" sz="1400" b="0" dirty="0">
+                <a:solidFill>
+                  <a:srgbClr val="005C5F"/>
+                </a:solidFill>
+                <a:effectLst/>
+                <a:latin typeface="Consolas" panose="020B0609020204030204" pitchFamily="49" charset="0"/>
+              </a:rPr>
+              <a:t>10</a:t>
+            </a:r>
+            <a:r>
+              <a:rPr lang="en-GB" sz="1400" b="0" dirty="0">
+                <a:solidFill>
+                  <a:srgbClr val="434F54"/>
+                </a:solidFill>
+                <a:effectLst/>
+                <a:latin typeface="Consolas" panose="020B0609020204030204" pitchFamily="49" charset="0"/>
+              </a:rPr>
+              <a:t>)</a:t>
+            </a:r>
+            <a:r>
+              <a:rPr lang="en-GB" sz="1400" b="0" dirty="0">
+                <a:solidFill>
+                  <a:srgbClr val="4E5B61"/>
+                </a:solidFill>
+                <a:effectLst/>
+                <a:latin typeface="Consolas" panose="020B0609020204030204" pitchFamily="49" charset="0"/>
+              </a:rPr>
+              <a:t>;</a:t>
+            </a:r>
+          </a:p>
+          <a:p>
+            <a:r>
+              <a:rPr lang="en-GB" sz="1400" b="0" dirty="0">
+                <a:solidFill>
+                  <a:srgbClr val="4E5B61"/>
+                </a:solidFill>
+                <a:effectLst/>
+                <a:latin typeface="Consolas" panose="020B0609020204030204" pitchFamily="49" charset="0"/>
+              </a:rPr>
+              <a:t>      </a:t>
+            </a:r>
+            <a:r>
+              <a:rPr lang="en-GB" sz="1400" b="0" dirty="0">
+                <a:solidFill>
+                  <a:srgbClr val="434F54"/>
+                </a:solidFill>
+                <a:effectLst/>
+                <a:latin typeface="Consolas" panose="020B0609020204030204" pitchFamily="49" charset="0"/>
+              </a:rPr>
+              <a:t>}</a:t>
+            </a:r>
+            <a:endParaRPr lang="en-GB" sz="1400" b="0" dirty="0">
+              <a:solidFill>
+                <a:srgbClr val="4E5B61"/>
+              </a:solidFill>
+              <a:effectLst/>
+              <a:latin typeface="Consolas" panose="020B0609020204030204" pitchFamily="49" charset="0"/>
+            </a:endParaRPr>
+          </a:p>
+          <a:p>
+            <a:r>
+              <a:rPr lang="en-GB" sz="1400" b="0" dirty="0">
+                <a:solidFill>
+                  <a:srgbClr val="4E5B61"/>
+                </a:solidFill>
+                <a:effectLst/>
+                <a:latin typeface="Consolas" panose="020B0609020204030204" pitchFamily="49" charset="0"/>
+              </a:rPr>
+              <a:t>      </a:t>
+            </a:r>
+            <a:r>
+              <a:rPr lang="en-GB" sz="1400" b="0" dirty="0">
+                <a:solidFill>
+                  <a:srgbClr val="728E00"/>
+                </a:solidFill>
+                <a:effectLst/>
+                <a:latin typeface="Consolas" panose="020B0609020204030204" pitchFamily="49" charset="0"/>
+              </a:rPr>
+              <a:t>while</a:t>
+            </a:r>
+            <a:r>
+              <a:rPr lang="en-GB" sz="1400" b="0" dirty="0">
+                <a:solidFill>
+                  <a:srgbClr val="434F54"/>
+                </a:solidFill>
+                <a:effectLst/>
+                <a:latin typeface="Consolas" panose="020B0609020204030204" pitchFamily="49" charset="0"/>
+              </a:rPr>
+              <a:t>(</a:t>
+            </a:r>
+            <a:r>
+              <a:rPr lang="en-GB" sz="1400" b="0" dirty="0">
+                <a:solidFill>
+                  <a:srgbClr val="4E5B61"/>
+                </a:solidFill>
+                <a:effectLst/>
+                <a:latin typeface="Consolas" panose="020B0609020204030204" pitchFamily="49" charset="0"/>
+              </a:rPr>
+              <a:t>sensorState1 == </a:t>
+            </a:r>
+            <a:r>
+              <a:rPr lang="en-GB" sz="1400" b="0" dirty="0">
+                <a:solidFill>
+                  <a:srgbClr val="005C5F"/>
+                </a:solidFill>
+                <a:effectLst/>
+                <a:latin typeface="Consolas" panose="020B0609020204030204" pitchFamily="49" charset="0"/>
+              </a:rPr>
+              <a:t>0</a:t>
+            </a:r>
+            <a:r>
+              <a:rPr lang="en-GB" sz="1400" b="0" dirty="0">
+                <a:solidFill>
+                  <a:srgbClr val="434F54"/>
+                </a:solidFill>
+                <a:effectLst/>
+                <a:latin typeface="Consolas" panose="020B0609020204030204" pitchFamily="49" charset="0"/>
+              </a:rPr>
+              <a:t>){</a:t>
+            </a:r>
+            <a:endParaRPr lang="en-GB" sz="1400" b="0" dirty="0">
+              <a:solidFill>
+                <a:srgbClr val="4E5B61"/>
+              </a:solidFill>
+              <a:effectLst/>
+              <a:latin typeface="Consolas" panose="020B0609020204030204" pitchFamily="49" charset="0"/>
+            </a:endParaRPr>
+          </a:p>
+          <a:p>
+            <a:r>
+              <a:rPr lang="en-GB" sz="1400" b="0" dirty="0">
+                <a:solidFill>
+                  <a:srgbClr val="4E5B61"/>
+                </a:solidFill>
+                <a:effectLst/>
+                <a:latin typeface="Consolas" panose="020B0609020204030204" pitchFamily="49" charset="0"/>
+              </a:rPr>
+              <a:t>        </a:t>
+            </a:r>
+            <a:r>
+              <a:rPr lang="en-GB" sz="1400" b="0" dirty="0">
+                <a:solidFill>
+                  <a:srgbClr val="D35400"/>
+                </a:solidFill>
+                <a:effectLst/>
+                <a:latin typeface="Consolas" panose="020B0609020204030204" pitchFamily="49" charset="0"/>
+              </a:rPr>
+              <a:t>myMotor1</a:t>
+            </a:r>
+            <a:r>
+              <a:rPr lang="en-GB" sz="1400" b="0" dirty="0">
+                <a:solidFill>
+                  <a:srgbClr val="4E5B61"/>
+                </a:solidFill>
+                <a:effectLst/>
+                <a:latin typeface="Consolas" panose="020B0609020204030204" pitchFamily="49" charset="0"/>
+              </a:rPr>
+              <a:t>-&gt;</a:t>
+            </a:r>
+            <a:r>
+              <a:rPr lang="en-GB" sz="1400" b="0" dirty="0">
+                <a:solidFill>
+                  <a:srgbClr val="D35400"/>
+                </a:solidFill>
+                <a:effectLst/>
+                <a:latin typeface="Consolas" panose="020B0609020204030204" pitchFamily="49" charset="0"/>
+              </a:rPr>
+              <a:t>run</a:t>
+            </a:r>
+            <a:r>
+              <a:rPr lang="en-GB" sz="1400" b="0" dirty="0">
+                <a:solidFill>
+                  <a:srgbClr val="434F54"/>
+                </a:solidFill>
+                <a:effectLst/>
+                <a:latin typeface="Consolas" panose="020B0609020204030204" pitchFamily="49" charset="0"/>
+              </a:rPr>
+              <a:t>(</a:t>
+            </a:r>
+            <a:r>
+              <a:rPr lang="en-GB" sz="1400" b="0" dirty="0">
+                <a:solidFill>
+                  <a:srgbClr val="4E5B61"/>
+                </a:solidFill>
+                <a:effectLst/>
+                <a:latin typeface="Consolas" panose="020B0609020204030204" pitchFamily="49" charset="0"/>
+              </a:rPr>
+              <a:t>FORWARD</a:t>
+            </a:r>
+            <a:r>
+              <a:rPr lang="en-GB" sz="1400" b="0" dirty="0">
+                <a:solidFill>
+                  <a:srgbClr val="434F54"/>
+                </a:solidFill>
+                <a:effectLst/>
+                <a:latin typeface="Consolas" panose="020B0609020204030204" pitchFamily="49" charset="0"/>
+              </a:rPr>
+              <a:t>)</a:t>
+            </a:r>
+            <a:r>
+              <a:rPr lang="en-GB" sz="1400" b="0" dirty="0">
+                <a:solidFill>
+                  <a:srgbClr val="4E5B61"/>
+                </a:solidFill>
+                <a:effectLst/>
+                <a:latin typeface="Consolas" panose="020B0609020204030204" pitchFamily="49" charset="0"/>
+              </a:rPr>
+              <a:t>;</a:t>
+            </a:r>
+          </a:p>
+          <a:p>
+            <a:r>
+              <a:rPr lang="en-GB" sz="1400" b="0" dirty="0">
+                <a:solidFill>
+                  <a:srgbClr val="4E5B61"/>
+                </a:solidFill>
+                <a:effectLst/>
+                <a:latin typeface="Consolas" panose="020B0609020204030204" pitchFamily="49" charset="0"/>
+              </a:rPr>
+              <a:t>      </a:t>
+            </a:r>
+            <a:r>
+              <a:rPr lang="en-GB" sz="1400" b="0" dirty="0">
+                <a:solidFill>
+                  <a:srgbClr val="434F54"/>
+                </a:solidFill>
+                <a:effectLst/>
+                <a:latin typeface="Consolas" panose="020B0609020204030204" pitchFamily="49" charset="0"/>
+              </a:rPr>
+              <a:t>}</a:t>
+            </a:r>
+            <a:endParaRPr lang="en-GB" sz="1400" b="0" dirty="0">
+              <a:solidFill>
+                <a:srgbClr val="4E5B61"/>
+              </a:solidFill>
+              <a:effectLst/>
+              <a:latin typeface="Consolas" panose="020B0609020204030204" pitchFamily="49" charset="0"/>
+            </a:endParaRPr>
+          </a:p>
+          <a:p>
+            <a:r>
+              <a:rPr lang="en-GB" sz="1400" b="0" dirty="0">
+                <a:solidFill>
+                  <a:srgbClr val="4E5B61"/>
+                </a:solidFill>
+                <a:effectLst/>
+                <a:latin typeface="Consolas" panose="020B0609020204030204" pitchFamily="49" charset="0"/>
+              </a:rPr>
+              <a:t>  </a:t>
+            </a:r>
+            <a:r>
+              <a:rPr lang="en-GB" sz="1400" b="0" dirty="0">
+                <a:solidFill>
+                  <a:srgbClr val="434F54"/>
+                </a:solidFill>
+                <a:effectLst/>
+                <a:latin typeface="Consolas" panose="020B0609020204030204" pitchFamily="49" charset="0"/>
+              </a:rPr>
+              <a:t>}</a:t>
+            </a:r>
+            <a:endParaRPr lang="en-GB" sz="1400" b="0" dirty="0">
+              <a:solidFill>
+                <a:srgbClr val="4E5B61"/>
+              </a:solidFill>
+              <a:effectLst/>
+              <a:latin typeface="Consolas" panose="020B0609020204030204" pitchFamily="49" charset="0"/>
+            </a:endParaRPr>
+          </a:p>
+          <a:p>
+            <a:r>
+              <a:rPr lang="en-GB" sz="1400" b="0" dirty="0">
+                <a:solidFill>
+                  <a:srgbClr val="4E5B61"/>
+                </a:solidFill>
+                <a:effectLst/>
+                <a:latin typeface="Consolas" panose="020B0609020204030204" pitchFamily="49" charset="0"/>
+              </a:rPr>
+              <a:t>    </a:t>
+            </a:r>
+            <a:r>
+              <a:rPr lang="en-GB" sz="1400" b="0" dirty="0">
+                <a:solidFill>
+                  <a:srgbClr val="434F54"/>
+                </a:solidFill>
+                <a:effectLst/>
+                <a:latin typeface="Consolas" panose="020B0609020204030204" pitchFamily="49" charset="0"/>
+              </a:rPr>
+              <a:t>}</a:t>
+            </a:r>
+            <a:r>
+              <a:rPr lang="en-GB" sz="1400" b="0" dirty="0">
+                <a:solidFill>
+                  <a:srgbClr val="728E00"/>
+                </a:solidFill>
+                <a:effectLst/>
+                <a:latin typeface="Consolas" panose="020B0609020204030204" pitchFamily="49" charset="0"/>
+              </a:rPr>
+              <a:t>else</a:t>
+            </a:r>
+            <a:r>
+              <a:rPr lang="en-GB" sz="1400" b="0" dirty="0">
+                <a:solidFill>
+                  <a:srgbClr val="4E5B61"/>
+                </a:solidFill>
+                <a:effectLst/>
+                <a:latin typeface="Consolas" panose="020B0609020204030204" pitchFamily="49" charset="0"/>
+              </a:rPr>
+              <a:t> </a:t>
+            </a:r>
+            <a:r>
+              <a:rPr lang="en-GB" sz="1400" b="0" dirty="0">
+                <a:solidFill>
+                  <a:srgbClr val="434F54"/>
+                </a:solidFill>
+                <a:effectLst/>
+                <a:latin typeface="Consolas" panose="020B0609020204030204" pitchFamily="49" charset="0"/>
+              </a:rPr>
+              <a:t>{</a:t>
+            </a:r>
+            <a:endParaRPr lang="en-GB" sz="1400" b="0" dirty="0">
+              <a:solidFill>
+                <a:srgbClr val="4E5B61"/>
+              </a:solidFill>
+              <a:effectLst/>
+              <a:latin typeface="Consolas" panose="020B0609020204030204" pitchFamily="49" charset="0"/>
+            </a:endParaRPr>
+          </a:p>
+          <a:p>
+            <a:r>
+              <a:rPr lang="en-GB" sz="1400" b="0" dirty="0">
+                <a:solidFill>
+                  <a:srgbClr val="4E5B61"/>
+                </a:solidFill>
+                <a:effectLst/>
+                <a:latin typeface="Consolas" panose="020B0609020204030204" pitchFamily="49" charset="0"/>
+              </a:rPr>
+              <a:t>      </a:t>
+            </a:r>
+            <a:r>
+              <a:rPr lang="en-GB" sz="1400" b="0" dirty="0">
+                <a:solidFill>
+                  <a:srgbClr val="D35400"/>
+                </a:solidFill>
+                <a:effectLst/>
+                <a:latin typeface="Consolas" panose="020B0609020204030204" pitchFamily="49" charset="0"/>
+              </a:rPr>
+              <a:t>myMotor1</a:t>
+            </a:r>
+            <a:r>
+              <a:rPr lang="en-GB" sz="1400" b="0" dirty="0">
+                <a:solidFill>
+                  <a:srgbClr val="4E5B61"/>
+                </a:solidFill>
+                <a:effectLst/>
+                <a:latin typeface="Consolas" panose="020B0609020204030204" pitchFamily="49" charset="0"/>
+              </a:rPr>
+              <a:t>-&gt;</a:t>
+            </a:r>
+            <a:r>
+              <a:rPr lang="en-GB" sz="1400" b="0" dirty="0">
+                <a:solidFill>
+                  <a:srgbClr val="D35400"/>
+                </a:solidFill>
+                <a:effectLst/>
+                <a:latin typeface="Consolas" panose="020B0609020204030204" pitchFamily="49" charset="0"/>
+              </a:rPr>
+              <a:t>run</a:t>
+            </a:r>
+            <a:r>
+              <a:rPr lang="en-GB" sz="1400" b="0" dirty="0">
+                <a:solidFill>
+                  <a:srgbClr val="434F54"/>
+                </a:solidFill>
+                <a:effectLst/>
+                <a:latin typeface="Consolas" panose="020B0609020204030204" pitchFamily="49" charset="0"/>
+              </a:rPr>
+              <a:t>(</a:t>
+            </a:r>
+            <a:r>
+              <a:rPr lang="en-GB" sz="1400" b="0" dirty="0">
+                <a:solidFill>
+                  <a:srgbClr val="4E5B61"/>
+                </a:solidFill>
+                <a:effectLst/>
+                <a:latin typeface="Consolas" panose="020B0609020204030204" pitchFamily="49" charset="0"/>
+              </a:rPr>
+              <a:t>RELEASE</a:t>
+            </a:r>
+            <a:r>
+              <a:rPr lang="en-GB" sz="1400" b="0" dirty="0">
+                <a:solidFill>
+                  <a:srgbClr val="434F54"/>
+                </a:solidFill>
+                <a:effectLst/>
+                <a:latin typeface="Consolas" panose="020B0609020204030204" pitchFamily="49" charset="0"/>
+              </a:rPr>
+              <a:t>)</a:t>
+            </a:r>
+            <a:r>
+              <a:rPr lang="en-GB" sz="1400" b="0" dirty="0">
+                <a:solidFill>
+                  <a:srgbClr val="4E5B61"/>
+                </a:solidFill>
+                <a:effectLst/>
+                <a:latin typeface="Consolas" panose="020B0609020204030204" pitchFamily="49" charset="0"/>
+              </a:rPr>
+              <a:t>;</a:t>
+            </a:r>
+          </a:p>
+          <a:p>
+            <a:r>
+              <a:rPr lang="en-GB" sz="1400" b="0" dirty="0">
+                <a:solidFill>
+                  <a:srgbClr val="4E5B61"/>
+                </a:solidFill>
+                <a:effectLst/>
+                <a:latin typeface="Consolas" panose="020B0609020204030204" pitchFamily="49" charset="0"/>
+              </a:rPr>
+              <a:t>    </a:t>
+            </a:r>
+            <a:r>
+              <a:rPr lang="en-GB" sz="1400" b="0" dirty="0">
+                <a:solidFill>
+                  <a:srgbClr val="434F54"/>
+                </a:solidFill>
+                <a:effectLst/>
+                <a:latin typeface="Consolas" panose="020B0609020204030204" pitchFamily="49" charset="0"/>
+              </a:rPr>
+              <a:t>}</a:t>
+            </a:r>
+            <a:endParaRPr lang="en-GB" sz="1400" b="0" dirty="0">
+              <a:solidFill>
+                <a:srgbClr val="4E5B61"/>
+              </a:solidFill>
+              <a:effectLst/>
+              <a:latin typeface="Consolas" panose="020B0609020204030204" pitchFamily="49" charset="0"/>
+            </a:endParaRPr>
+          </a:p>
+          <a:p>
+            <a:r>
+              <a:rPr lang="en-GB" sz="1400" b="0" dirty="0">
+                <a:solidFill>
+                  <a:srgbClr val="4E5B61"/>
+                </a:solidFill>
+                <a:effectLst/>
+                <a:latin typeface="Consolas" panose="020B0609020204030204" pitchFamily="49" charset="0"/>
+              </a:rPr>
+              <a:t>    sensorState2 = </a:t>
+            </a:r>
+            <a:r>
+              <a:rPr lang="en-GB" sz="1400" b="0" dirty="0" err="1">
+                <a:solidFill>
+                  <a:srgbClr val="D35400"/>
+                </a:solidFill>
+                <a:effectLst/>
+                <a:latin typeface="Consolas" panose="020B0609020204030204" pitchFamily="49" charset="0"/>
+              </a:rPr>
+              <a:t>digitalRead</a:t>
+            </a:r>
+            <a:r>
+              <a:rPr lang="en-GB" sz="1400" b="0" dirty="0">
+                <a:solidFill>
+                  <a:srgbClr val="434F54"/>
+                </a:solidFill>
+                <a:effectLst/>
+                <a:latin typeface="Consolas" panose="020B0609020204030204" pitchFamily="49" charset="0"/>
+              </a:rPr>
+              <a:t>(</a:t>
+            </a:r>
+            <a:r>
+              <a:rPr lang="en-GB" sz="1400" b="0" dirty="0">
+                <a:solidFill>
+                  <a:srgbClr val="4E5B61"/>
+                </a:solidFill>
+                <a:effectLst/>
+                <a:latin typeface="Consolas" panose="020B0609020204030204" pitchFamily="49" charset="0"/>
+              </a:rPr>
+              <a:t>signalPin2</a:t>
+            </a:r>
+            <a:r>
+              <a:rPr lang="en-GB" sz="1400" b="0" dirty="0">
+                <a:solidFill>
+                  <a:srgbClr val="434F54"/>
+                </a:solidFill>
+                <a:effectLst/>
+                <a:latin typeface="Consolas" panose="020B0609020204030204" pitchFamily="49" charset="0"/>
+              </a:rPr>
+              <a:t>)</a:t>
+            </a:r>
+            <a:r>
+              <a:rPr lang="en-GB" sz="1400" b="0" dirty="0">
+                <a:solidFill>
+                  <a:srgbClr val="4E5B61"/>
+                </a:solidFill>
+                <a:effectLst/>
+                <a:latin typeface="Consolas" panose="020B0609020204030204" pitchFamily="49" charset="0"/>
+              </a:rPr>
+              <a:t>;</a:t>
+            </a:r>
+          </a:p>
+          <a:p>
+            <a:r>
+              <a:rPr lang="en-GB" sz="1400" b="0" dirty="0">
+                <a:solidFill>
+                  <a:srgbClr val="4E5B61"/>
+                </a:solidFill>
+                <a:effectLst/>
+                <a:latin typeface="Consolas" panose="020B0609020204030204" pitchFamily="49" charset="0"/>
+              </a:rPr>
+              <a:t>    </a:t>
+            </a:r>
+            <a:r>
+              <a:rPr lang="en-GB" sz="1400" b="0" dirty="0" err="1">
+                <a:solidFill>
+                  <a:srgbClr val="D35400"/>
+                </a:solidFill>
+                <a:effectLst/>
+                <a:latin typeface="Consolas" panose="020B0609020204030204" pitchFamily="49" charset="0"/>
+              </a:rPr>
+              <a:t>Serial</a:t>
+            </a:r>
+            <a:r>
+              <a:rPr lang="en-GB" sz="1400" b="0" dirty="0" err="1">
+                <a:solidFill>
+                  <a:srgbClr val="4E5B61"/>
+                </a:solidFill>
+                <a:effectLst/>
+                <a:latin typeface="Consolas" panose="020B0609020204030204" pitchFamily="49" charset="0"/>
+              </a:rPr>
+              <a:t>.</a:t>
+            </a:r>
+            <a:r>
+              <a:rPr lang="en-GB" sz="1400" b="0" dirty="0" err="1">
+                <a:solidFill>
+                  <a:srgbClr val="D35400"/>
+                </a:solidFill>
+                <a:effectLst/>
+                <a:latin typeface="Consolas" panose="020B0609020204030204" pitchFamily="49" charset="0"/>
+              </a:rPr>
+              <a:t>println</a:t>
+            </a:r>
+            <a:r>
+              <a:rPr lang="en-GB" sz="1400" b="0" dirty="0">
+                <a:solidFill>
+                  <a:srgbClr val="434F54"/>
+                </a:solidFill>
+                <a:effectLst/>
+                <a:latin typeface="Consolas" panose="020B0609020204030204" pitchFamily="49" charset="0"/>
+              </a:rPr>
+              <a:t>(</a:t>
+            </a:r>
+            <a:r>
+              <a:rPr lang="en-GB" sz="1400" b="0" dirty="0">
+                <a:solidFill>
+                  <a:srgbClr val="4E5B61"/>
+                </a:solidFill>
+                <a:effectLst/>
+                <a:latin typeface="Consolas" panose="020B0609020204030204" pitchFamily="49" charset="0"/>
+              </a:rPr>
+              <a:t>sensorState2</a:t>
+            </a:r>
+            <a:r>
+              <a:rPr lang="en-GB" sz="1400" b="0" dirty="0">
+                <a:solidFill>
+                  <a:srgbClr val="434F54"/>
+                </a:solidFill>
+                <a:effectLst/>
+                <a:latin typeface="Consolas" panose="020B0609020204030204" pitchFamily="49" charset="0"/>
+              </a:rPr>
+              <a:t>)</a:t>
+            </a:r>
+            <a:r>
+              <a:rPr lang="en-GB" sz="1400" b="0" dirty="0">
+                <a:solidFill>
+                  <a:srgbClr val="4E5B61"/>
+                </a:solidFill>
+                <a:effectLst/>
+                <a:latin typeface="Consolas" panose="020B0609020204030204" pitchFamily="49" charset="0"/>
+              </a:rPr>
+              <a:t>;</a:t>
+            </a:r>
+          </a:p>
+          <a:p>
+            <a:r>
+              <a:rPr lang="en-GB" sz="1400" b="0" dirty="0">
+                <a:solidFill>
+                  <a:srgbClr val="4E5B61"/>
+                </a:solidFill>
+                <a:effectLst/>
+                <a:latin typeface="Consolas" panose="020B0609020204030204" pitchFamily="49" charset="0"/>
+              </a:rPr>
+              <a:t>    </a:t>
+            </a:r>
+            <a:r>
+              <a:rPr lang="en-GB" sz="1400" b="0" dirty="0">
+                <a:solidFill>
+                  <a:srgbClr val="728E00"/>
+                </a:solidFill>
+                <a:effectLst/>
+                <a:latin typeface="Consolas" panose="020B0609020204030204" pitchFamily="49" charset="0"/>
+              </a:rPr>
+              <a:t>if</a:t>
+            </a:r>
+            <a:r>
+              <a:rPr lang="en-GB" sz="1400" b="0" dirty="0">
+                <a:solidFill>
+                  <a:srgbClr val="4E5B61"/>
+                </a:solidFill>
+                <a:effectLst/>
+                <a:latin typeface="Consolas" panose="020B0609020204030204" pitchFamily="49" charset="0"/>
+              </a:rPr>
+              <a:t> </a:t>
+            </a:r>
+            <a:r>
+              <a:rPr lang="en-GB" sz="1400" b="0" dirty="0">
+                <a:solidFill>
+                  <a:srgbClr val="434F54"/>
+                </a:solidFill>
+                <a:effectLst/>
+                <a:latin typeface="Consolas" panose="020B0609020204030204" pitchFamily="49" charset="0"/>
+              </a:rPr>
+              <a:t>(</a:t>
+            </a:r>
+            <a:r>
+              <a:rPr lang="en-GB" sz="1400" b="0" dirty="0">
+                <a:solidFill>
+                  <a:srgbClr val="4E5B61"/>
+                </a:solidFill>
+                <a:effectLst/>
+                <a:latin typeface="Consolas" panose="020B0609020204030204" pitchFamily="49" charset="0"/>
+              </a:rPr>
+              <a:t>sensorState2 == </a:t>
+            </a:r>
+            <a:r>
+              <a:rPr lang="en-GB" sz="1400" b="0" dirty="0">
+                <a:solidFill>
+                  <a:srgbClr val="005C5F"/>
+                </a:solidFill>
+                <a:effectLst/>
+                <a:latin typeface="Consolas" panose="020B0609020204030204" pitchFamily="49" charset="0"/>
+              </a:rPr>
+              <a:t>0</a:t>
+            </a:r>
+            <a:r>
+              <a:rPr lang="en-GB" sz="1400" b="0" dirty="0">
+                <a:solidFill>
+                  <a:srgbClr val="434F54"/>
+                </a:solidFill>
+                <a:effectLst/>
+                <a:latin typeface="Consolas" panose="020B0609020204030204" pitchFamily="49" charset="0"/>
+              </a:rPr>
+              <a:t>){</a:t>
+            </a:r>
+            <a:endParaRPr lang="en-GB" sz="1400" b="0" dirty="0">
+              <a:solidFill>
+                <a:srgbClr val="4E5B61"/>
+              </a:solidFill>
+              <a:effectLst/>
+              <a:latin typeface="Consolas" panose="020B0609020204030204" pitchFamily="49" charset="0"/>
+            </a:endParaRPr>
+          </a:p>
+          <a:p>
+            <a:r>
+              <a:rPr lang="en-GB" sz="1400" b="0" dirty="0">
+                <a:solidFill>
+                  <a:srgbClr val="4E5B61"/>
+                </a:solidFill>
+                <a:effectLst/>
+                <a:latin typeface="Consolas" panose="020B0609020204030204" pitchFamily="49" charset="0"/>
+              </a:rPr>
+              <a:t>      </a:t>
+            </a:r>
+            <a:r>
+              <a:rPr lang="en-GB" sz="1400" b="0" dirty="0">
+                <a:solidFill>
+                  <a:srgbClr val="D35400"/>
+                </a:solidFill>
+                <a:effectLst/>
+                <a:latin typeface="Consolas" panose="020B0609020204030204" pitchFamily="49" charset="0"/>
+              </a:rPr>
+              <a:t>myMotor2</a:t>
+            </a:r>
+            <a:r>
+              <a:rPr lang="en-GB" sz="1400" b="0" dirty="0">
+                <a:solidFill>
+                  <a:srgbClr val="4E5B61"/>
+                </a:solidFill>
+                <a:effectLst/>
+                <a:latin typeface="Consolas" panose="020B0609020204030204" pitchFamily="49" charset="0"/>
+              </a:rPr>
+              <a:t>-&gt;</a:t>
+            </a:r>
+            <a:r>
+              <a:rPr lang="en-GB" sz="1400" b="0" dirty="0">
+                <a:solidFill>
+                  <a:srgbClr val="D35400"/>
+                </a:solidFill>
+                <a:effectLst/>
+                <a:latin typeface="Consolas" panose="020B0609020204030204" pitchFamily="49" charset="0"/>
+              </a:rPr>
+              <a:t>run</a:t>
+            </a:r>
+            <a:r>
+              <a:rPr lang="en-GB" sz="1400" b="0" dirty="0">
+                <a:solidFill>
+                  <a:srgbClr val="434F54"/>
+                </a:solidFill>
+                <a:effectLst/>
+                <a:latin typeface="Consolas" panose="020B0609020204030204" pitchFamily="49" charset="0"/>
+              </a:rPr>
+              <a:t>(</a:t>
+            </a:r>
+            <a:r>
+              <a:rPr lang="en-GB" sz="1400" b="0" dirty="0">
+                <a:solidFill>
+                  <a:srgbClr val="4E5B61"/>
+                </a:solidFill>
+                <a:effectLst/>
+                <a:latin typeface="Consolas" panose="020B0609020204030204" pitchFamily="49" charset="0"/>
+              </a:rPr>
+              <a:t>FORWARD</a:t>
+            </a:r>
+            <a:r>
+              <a:rPr lang="en-GB" sz="1400" b="0" dirty="0">
+                <a:solidFill>
+                  <a:srgbClr val="434F54"/>
+                </a:solidFill>
+                <a:effectLst/>
+                <a:latin typeface="Consolas" panose="020B0609020204030204" pitchFamily="49" charset="0"/>
+              </a:rPr>
+              <a:t>)</a:t>
+            </a:r>
+            <a:r>
+              <a:rPr lang="en-GB" sz="1400" b="0" dirty="0">
+                <a:solidFill>
+                  <a:srgbClr val="4E5B61"/>
+                </a:solidFill>
+                <a:effectLst/>
+                <a:latin typeface="Consolas" panose="020B0609020204030204" pitchFamily="49" charset="0"/>
+              </a:rPr>
+              <a:t>;</a:t>
+            </a:r>
+          </a:p>
+          <a:p>
+            <a:r>
+              <a:rPr lang="en-GB" sz="1400" b="0" dirty="0">
+                <a:solidFill>
+                  <a:srgbClr val="4E5B61"/>
+                </a:solidFill>
+                <a:effectLst/>
+                <a:latin typeface="Consolas" panose="020B0609020204030204" pitchFamily="49" charset="0"/>
+              </a:rPr>
+              <a:t>      </a:t>
+            </a:r>
+            <a:r>
+              <a:rPr lang="en-GB" sz="1400" b="0" dirty="0">
+                <a:solidFill>
+                  <a:srgbClr val="728E00"/>
+                </a:solidFill>
+                <a:effectLst/>
+                <a:latin typeface="Consolas" panose="020B0609020204030204" pitchFamily="49" charset="0"/>
+              </a:rPr>
+              <a:t>for</a:t>
+            </a:r>
+            <a:r>
+              <a:rPr lang="en-GB" sz="1400" b="0" dirty="0">
+                <a:solidFill>
+                  <a:srgbClr val="434F54"/>
+                </a:solidFill>
+                <a:effectLst/>
+                <a:latin typeface="Consolas" panose="020B0609020204030204" pitchFamily="49" charset="0"/>
+              </a:rPr>
+              <a:t>(</a:t>
+            </a:r>
+            <a:r>
+              <a:rPr lang="en-GB" sz="1400" b="0" dirty="0" err="1">
+                <a:solidFill>
+                  <a:srgbClr val="4E5B61"/>
+                </a:solidFill>
+                <a:effectLst/>
+                <a:latin typeface="Consolas" panose="020B0609020204030204" pitchFamily="49" charset="0"/>
+              </a:rPr>
+              <a:t>i</a:t>
+            </a:r>
+            <a:r>
+              <a:rPr lang="en-GB" sz="1400" b="0" dirty="0">
+                <a:solidFill>
+                  <a:srgbClr val="4E5B61"/>
+                </a:solidFill>
+                <a:effectLst/>
+                <a:latin typeface="Consolas" panose="020B0609020204030204" pitchFamily="49" charset="0"/>
+              </a:rPr>
+              <a:t>=</a:t>
+            </a:r>
+            <a:r>
+              <a:rPr lang="en-GB" sz="1400" b="0" dirty="0">
+                <a:solidFill>
+                  <a:srgbClr val="005C5F"/>
+                </a:solidFill>
+                <a:effectLst/>
+                <a:latin typeface="Consolas" panose="020B0609020204030204" pitchFamily="49" charset="0"/>
+              </a:rPr>
+              <a:t>0</a:t>
+            </a:r>
+            <a:r>
+              <a:rPr lang="en-GB" sz="1400" b="0" dirty="0">
+                <a:solidFill>
+                  <a:srgbClr val="4E5B61"/>
+                </a:solidFill>
+                <a:effectLst/>
+                <a:latin typeface="Consolas" panose="020B0609020204030204" pitchFamily="49" charset="0"/>
+              </a:rPr>
+              <a:t>,i&lt;</a:t>
+            </a:r>
+            <a:r>
+              <a:rPr lang="en-GB" sz="1400" b="0" dirty="0">
+                <a:solidFill>
+                  <a:srgbClr val="005C5F"/>
+                </a:solidFill>
+                <a:effectLst/>
+                <a:latin typeface="Consolas" panose="020B0609020204030204" pitchFamily="49" charset="0"/>
+              </a:rPr>
+              <a:t>255</a:t>
+            </a:r>
+            <a:r>
+              <a:rPr lang="en-GB" sz="1400" b="0" dirty="0">
+                <a:solidFill>
+                  <a:srgbClr val="4E5B61"/>
+                </a:solidFill>
+                <a:effectLst/>
+                <a:latin typeface="Consolas" panose="020B0609020204030204" pitchFamily="49" charset="0"/>
+              </a:rPr>
+              <a:t>,i++</a:t>
+            </a:r>
+            <a:r>
+              <a:rPr lang="en-GB" sz="1400" b="0" dirty="0">
+                <a:solidFill>
+                  <a:srgbClr val="434F54"/>
+                </a:solidFill>
+                <a:effectLst/>
+                <a:latin typeface="Consolas" panose="020B0609020204030204" pitchFamily="49" charset="0"/>
+              </a:rPr>
+              <a:t>){</a:t>
+            </a:r>
+            <a:endParaRPr lang="en-GB" sz="1400" b="0" dirty="0">
+              <a:solidFill>
+                <a:srgbClr val="4E5B61"/>
+              </a:solidFill>
+              <a:effectLst/>
+              <a:latin typeface="Consolas" panose="020B0609020204030204" pitchFamily="49" charset="0"/>
+            </a:endParaRPr>
+          </a:p>
+          <a:p>
+            <a:r>
+              <a:rPr lang="en-GB" sz="1400" b="0" dirty="0">
+                <a:solidFill>
+                  <a:srgbClr val="4E5B61"/>
+                </a:solidFill>
+                <a:effectLst/>
+                <a:latin typeface="Consolas" panose="020B0609020204030204" pitchFamily="49" charset="0"/>
+              </a:rPr>
+              <a:t>        </a:t>
+            </a:r>
+            <a:r>
+              <a:rPr lang="en-GB" sz="1400" b="0" dirty="0">
+                <a:solidFill>
+                  <a:srgbClr val="D35400"/>
+                </a:solidFill>
+                <a:effectLst/>
+                <a:latin typeface="Consolas" panose="020B0609020204030204" pitchFamily="49" charset="0"/>
+              </a:rPr>
+              <a:t>myMotor2</a:t>
+            </a:r>
+            <a:r>
+              <a:rPr lang="en-GB" sz="1400" b="0" dirty="0">
+                <a:solidFill>
+                  <a:srgbClr val="4E5B61"/>
+                </a:solidFill>
+                <a:effectLst/>
+                <a:latin typeface="Consolas" panose="020B0609020204030204" pitchFamily="49" charset="0"/>
+              </a:rPr>
+              <a:t>-&gt;</a:t>
+            </a:r>
+            <a:r>
+              <a:rPr lang="en-GB" sz="1400" b="0" dirty="0" err="1">
+                <a:solidFill>
+                  <a:srgbClr val="D35400"/>
+                </a:solidFill>
+                <a:effectLst/>
+                <a:latin typeface="Consolas" panose="020B0609020204030204" pitchFamily="49" charset="0"/>
+              </a:rPr>
+              <a:t>setSpeed</a:t>
+            </a:r>
+            <a:r>
+              <a:rPr lang="en-GB" sz="1400" b="0" dirty="0">
+                <a:solidFill>
+                  <a:srgbClr val="434F54"/>
+                </a:solidFill>
+                <a:effectLst/>
+                <a:latin typeface="Consolas" panose="020B0609020204030204" pitchFamily="49" charset="0"/>
+              </a:rPr>
+              <a:t>(</a:t>
+            </a:r>
+            <a:r>
+              <a:rPr lang="en-GB" sz="1400" b="0" dirty="0" err="1">
+                <a:solidFill>
+                  <a:srgbClr val="4E5B61"/>
+                </a:solidFill>
+                <a:effectLst/>
+                <a:latin typeface="Consolas" panose="020B0609020204030204" pitchFamily="49" charset="0"/>
+              </a:rPr>
+              <a:t>i</a:t>
+            </a:r>
+            <a:r>
+              <a:rPr lang="en-GB" sz="1400" b="0" dirty="0">
+                <a:solidFill>
+                  <a:srgbClr val="434F54"/>
+                </a:solidFill>
+                <a:effectLst/>
+                <a:latin typeface="Consolas" panose="020B0609020204030204" pitchFamily="49" charset="0"/>
+              </a:rPr>
+              <a:t>)</a:t>
+            </a:r>
+            <a:r>
+              <a:rPr lang="en-GB" sz="1400" b="0" dirty="0">
+                <a:solidFill>
+                  <a:srgbClr val="4E5B61"/>
+                </a:solidFill>
+                <a:effectLst/>
+                <a:latin typeface="Consolas" panose="020B0609020204030204" pitchFamily="49" charset="0"/>
+              </a:rPr>
+              <a:t>;</a:t>
+            </a:r>
+          </a:p>
+          <a:p>
+            <a:r>
+              <a:rPr lang="en-GB" sz="1400" b="0" dirty="0">
+                <a:solidFill>
+                  <a:srgbClr val="4E5B61"/>
+                </a:solidFill>
+                <a:effectLst/>
+                <a:latin typeface="Consolas" panose="020B0609020204030204" pitchFamily="49" charset="0"/>
+              </a:rPr>
+              <a:t>        </a:t>
+            </a:r>
+            <a:r>
+              <a:rPr lang="en-GB" sz="1400" b="0" dirty="0">
+                <a:solidFill>
+                  <a:srgbClr val="D35400"/>
+                </a:solidFill>
+                <a:effectLst/>
+                <a:latin typeface="Consolas" panose="020B0609020204030204" pitchFamily="49" charset="0"/>
+              </a:rPr>
+              <a:t>delay</a:t>
+            </a:r>
+            <a:r>
+              <a:rPr lang="en-GB" sz="1400" b="0" dirty="0">
+                <a:solidFill>
+                  <a:srgbClr val="434F54"/>
+                </a:solidFill>
+                <a:effectLst/>
+                <a:latin typeface="Consolas" panose="020B0609020204030204" pitchFamily="49" charset="0"/>
+              </a:rPr>
+              <a:t>(</a:t>
+            </a:r>
+            <a:r>
+              <a:rPr lang="en-GB" sz="1400" b="0" dirty="0">
+                <a:solidFill>
+                  <a:srgbClr val="005C5F"/>
+                </a:solidFill>
+                <a:effectLst/>
+                <a:latin typeface="Consolas" panose="020B0609020204030204" pitchFamily="49" charset="0"/>
+              </a:rPr>
+              <a:t>10</a:t>
+            </a:r>
+            <a:r>
+              <a:rPr lang="en-GB" sz="1400" b="0" dirty="0">
+                <a:solidFill>
+                  <a:srgbClr val="434F54"/>
+                </a:solidFill>
+                <a:effectLst/>
+                <a:latin typeface="Consolas" panose="020B0609020204030204" pitchFamily="49" charset="0"/>
+              </a:rPr>
+              <a:t>)</a:t>
+            </a:r>
+            <a:r>
+              <a:rPr lang="en-GB" sz="1400" b="0" dirty="0">
+                <a:solidFill>
+                  <a:srgbClr val="4E5B61"/>
+                </a:solidFill>
+                <a:effectLst/>
+                <a:latin typeface="Consolas" panose="020B0609020204030204" pitchFamily="49" charset="0"/>
+              </a:rPr>
+              <a:t>;</a:t>
+            </a:r>
+          </a:p>
+          <a:p>
+            <a:r>
+              <a:rPr lang="en-GB" sz="1400" b="0" dirty="0">
+                <a:solidFill>
+                  <a:srgbClr val="4E5B61"/>
+                </a:solidFill>
+                <a:effectLst/>
+                <a:latin typeface="Consolas" panose="020B0609020204030204" pitchFamily="49" charset="0"/>
+              </a:rPr>
+              <a:t>      </a:t>
+            </a:r>
+            <a:r>
+              <a:rPr lang="en-GB" sz="1400" b="0" dirty="0">
+                <a:solidFill>
+                  <a:srgbClr val="434F54"/>
+                </a:solidFill>
+                <a:effectLst/>
+                <a:latin typeface="Consolas" panose="020B0609020204030204" pitchFamily="49" charset="0"/>
+              </a:rPr>
+              <a:t>}</a:t>
+            </a:r>
+            <a:endParaRPr lang="en-GB" sz="1400" b="0" dirty="0">
+              <a:solidFill>
+                <a:srgbClr val="4E5B61"/>
+              </a:solidFill>
+              <a:effectLst/>
+              <a:latin typeface="Consolas" panose="020B0609020204030204" pitchFamily="49" charset="0"/>
+            </a:endParaRPr>
+          </a:p>
+          <a:p>
+            <a:r>
+              <a:rPr lang="en-GB" sz="1400" b="0" dirty="0">
+                <a:solidFill>
+                  <a:srgbClr val="4E5B61"/>
+                </a:solidFill>
+                <a:effectLst/>
+                <a:latin typeface="Consolas" panose="020B0609020204030204" pitchFamily="49" charset="0"/>
+              </a:rPr>
+              <a:t>}</a:t>
+            </a:r>
+          </a:p>
+        </p:txBody>
+      </p:sp>
+      <p:sp>
+        <p:nvSpPr>
+          <p:cNvPr id="14" name="TextBox 13">
+            <a:extLst>
+              <a:ext uri="{FF2B5EF4-FFF2-40B4-BE49-F238E27FC236}">
+                <a16:creationId xmlns:a16="http://schemas.microsoft.com/office/drawing/2014/main" id="{86C24C69-8E4C-EE3A-B4A1-B123AA287681}"/>
+              </a:ext>
+            </a:extLst>
+          </p:cNvPr>
+          <p:cNvSpPr txBox="1"/>
+          <p:nvPr/>
+        </p:nvSpPr>
+        <p:spPr>
+          <a:xfrm>
+            <a:off x="8224499" y="123110"/>
+            <a:ext cx="2183355" cy="769441"/>
+          </a:xfrm>
+          <a:prstGeom prst="rect">
+            <a:avLst/>
+          </a:prstGeom>
+          <a:noFill/>
+          <a:ln>
+            <a:solidFill>
+              <a:schemeClr val="tx1"/>
+            </a:solidFill>
+          </a:ln>
+        </p:spPr>
+        <p:txBody>
+          <a:bodyPr wrap="none" rtlCol="0">
+            <a:spAutoFit/>
+          </a:bodyPr>
+          <a:lstStyle/>
+          <a:p>
+            <a:pPr algn="ctr"/>
+            <a:r>
+              <a:rPr lang="en-GB" sz="4400" dirty="0"/>
+              <a:t>“Fading”</a:t>
+            </a:r>
+          </a:p>
+        </p:txBody>
+      </p:sp>
+      <p:cxnSp>
+        <p:nvCxnSpPr>
+          <p:cNvPr id="16" name="Straight Arrow Connector 15">
+            <a:extLst>
+              <a:ext uri="{FF2B5EF4-FFF2-40B4-BE49-F238E27FC236}">
+                <a16:creationId xmlns:a16="http://schemas.microsoft.com/office/drawing/2014/main" id="{8DDEA377-8419-7B43-BC11-2FA0EE23DD03}"/>
+              </a:ext>
+            </a:extLst>
+          </p:cNvPr>
+          <p:cNvCxnSpPr>
+            <a:cxnSpLocks/>
+            <a:stCxn id="14" idx="2"/>
+            <a:endCxn id="13" idx="0"/>
+          </p:cNvCxnSpPr>
+          <p:nvPr/>
+        </p:nvCxnSpPr>
+        <p:spPr>
+          <a:xfrm>
+            <a:off x="9316177" y="892551"/>
+            <a:ext cx="0" cy="274291"/>
+          </a:xfrm>
+          <a:prstGeom prst="straightConnector1">
+            <a:avLst/>
+          </a:prstGeom>
+          <a:ln>
+            <a:solidFill>
+              <a:schemeClr val="tx1"/>
+            </a:solidFill>
+            <a:tailEnd type="triangle"/>
+          </a:ln>
+        </p:spPr>
+        <p:style>
+          <a:lnRef idx="1">
+            <a:schemeClr val="accent1"/>
+          </a:lnRef>
+          <a:fillRef idx="0">
+            <a:schemeClr val="accent1"/>
+          </a:fillRef>
+          <a:effectRef idx="0">
+            <a:schemeClr val="accent1"/>
+          </a:effectRef>
+          <a:fontRef idx="minor">
+            <a:schemeClr val="tx1"/>
+          </a:fontRef>
+        </p:style>
+      </p:cxnSp>
+    </p:spTree>
+    <p:extLst>
+      <p:ext uri="{BB962C8B-B14F-4D97-AF65-F5344CB8AC3E}">
+        <p14:creationId xmlns:p14="http://schemas.microsoft.com/office/powerpoint/2010/main" val="106856391"/>
+      </p:ext>
+    </p:extLst>
+  </p:cSld>
+  <p:clrMapOvr>
+    <a:masterClrMapping/>
+  </p:clrMapOvr>
+</p:sld>
+</file>
+
+<file path=ppt/slides/slide8.xml><?xml version="1.0" encoding="utf-8"?>
+<p:sld xmlns:a="http://schemas.openxmlformats.org/drawingml/2006/main" xmlns:r="http://schemas.openxmlformats.org/officeDocument/2006/relationships" xmlns:p="http://schemas.openxmlformats.org/presentationml/2006/main">
+  <p:cSld>
+    <p:spTree>
+      <p:nvGrpSpPr>
+        <p:cNvPr id="1" name=""/>
+        <p:cNvGrpSpPr/>
+        <p:nvPr/>
+      </p:nvGrpSpPr>
+      <p:grpSpPr>
+        <a:xfrm>
+          <a:off x="0" y="0"/>
+          <a:ext cx="0" cy="0"/>
+          <a:chOff x="0" y="0"/>
+          <a:chExt cx="0" cy="0"/>
+        </a:xfrm>
+      </p:grpSpPr>
+      <p:sp>
+        <p:nvSpPr>
+          <p:cNvPr id="2" name="Title 1">
+            <a:extLst>
+              <a:ext uri="{FF2B5EF4-FFF2-40B4-BE49-F238E27FC236}">
+                <a16:creationId xmlns:a16="http://schemas.microsoft.com/office/drawing/2014/main" id="{F8B973CB-10F6-4155-F25A-650C72DFAD66}"/>
+              </a:ext>
+            </a:extLst>
+          </p:cNvPr>
+          <p:cNvSpPr>
+            <a:spLocks noGrp="1"/>
+          </p:cNvSpPr>
+          <p:nvPr>
+            <p:ph type="title"/>
+          </p:nvPr>
+        </p:nvSpPr>
+        <p:spPr/>
+        <p:txBody>
+          <a:bodyPr/>
+          <a:lstStyle/>
+          <a:p>
+            <a:r>
+              <a:rPr lang="en-GB" dirty="0"/>
+              <a:t>Software (future) </a:t>
+            </a:r>
+          </a:p>
+        </p:txBody>
+      </p:sp>
+      <p:sp>
+        <p:nvSpPr>
+          <p:cNvPr id="3" name="Content Placeholder 2">
+            <a:extLst>
+              <a:ext uri="{FF2B5EF4-FFF2-40B4-BE49-F238E27FC236}">
+                <a16:creationId xmlns:a16="http://schemas.microsoft.com/office/drawing/2014/main" id="{B7C20D63-4B02-9BCE-2F73-8B8A6C6CA462}"/>
+              </a:ext>
+            </a:extLst>
+          </p:cNvPr>
+          <p:cNvSpPr>
+            <a:spLocks noGrp="1"/>
+          </p:cNvSpPr>
+          <p:nvPr>
+            <p:ph idx="1"/>
+          </p:nvPr>
+        </p:nvSpPr>
+        <p:spPr/>
+        <p:txBody>
+          <a:bodyPr/>
+          <a:lstStyle/>
+          <a:p>
+            <a:r>
+              <a:rPr lang="en-GB" dirty="0"/>
+              <a:t>Ultrasonic sensor for wall/block detection (no white line)</a:t>
+            </a:r>
+          </a:p>
+          <a:p>
+            <a:r>
+              <a:rPr lang="en-GB" dirty="0"/>
+              <a:t>Python + </a:t>
+            </a:r>
+            <a:r>
+              <a:rPr lang="en-GB" dirty="0" err="1"/>
+              <a:t>PySerial</a:t>
+            </a:r>
+            <a:r>
+              <a:rPr lang="en-GB" dirty="0"/>
+              <a:t> for greater allowed code complexity</a:t>
+            </a:r>
+          </a:p>
+          <a:p>
+            <a:r>
+              <a:rPr lang="en-GB" dirty="0"/>
+              <a:t>Implementation of context</a:t>
+            </a:r>
+          </a:p>
+          <a:p>
+            <a:r>
+              <a:rPr lang="en-GB" dirty="0"/>
+              <a:t>Redundancies</a:t>
+            </a:r>
+          </a:p>
+          <a:p>
+            <a:r>
+              <a:rPr lang="en-GB" dirty="0"/>
+              <a:t>Conditions for transportation based on block type</a:t>
+            </a:r>
+          </a:p>
+          <a:p>
+            <a:r>
+              <a:rPr lang="en-GB" dirty="0"/>
+              <a:t>Further testing for all of the above</a:t>
+            </a:r>
+          </a:p>
+        </p:txBody>
+      </p:sp>
+    </p:spTree>
+    <p:extLst>
+      <p:ext uri="{BB962C8B-B14F-4D97-AF65-F5344CB8AC3E}">
+        <p14:creationId xmlns:p14="http://schemas.microsoft.com/office/powerpoint/2010/main" val="4162873845"/>
+      </p:ext>
+    </p:extLst>
+  </p:cSld>
+  <p:clrMapOvr>
+    <a:masterClrMapping/>
+  </p:clrMapOvr>
+</p:sld>
+</file>
+
+<file path=ppt/slides/slide9.xml><?xml version="1.0" encoding="utf-8"?>
 <p:sld xmlns:a="http://schemas.openxmlformats.org/drawingml/2006/main" xmlns:r="http://schemas.openxmlformats.org/officeDocument/2006/relationships" xmlns:p="http://schemas.openxmlformats.org/presentationml/2006/main">
   <p:cSld>
     <p:spTree>

--- a/Documentation/IDP_first_presentation.pptx
+++ b/Documentation/IDP_first_presentation.pptx
@@ -9,9 +9,12 @@
     <p:sldId id="257" r:id="rId3"/>
     <p:sldId id="262" r:id="rId4"/>
     <p:sldId id="258" r:id="rId5"/>
-    <p:sldId id="259" r:id="rId6"/>
-    <p:sldId id="260" r:id="rId7"/>
-    <p:sldId id="261" r:id="rId8"/>
+    <p:sldId id="265" r:id="rId6"/>
+    <p:sldId id="259" r:id="rId7"/>
+    <p:sldId id="263" r:id="rId8"/>
+    <p:sldId id="264" r:id="rId9"/>
+    <p:sldId id="260" r:id="rId10"/>
+    <p:sldId id="261" r:id="rId11"/>
   </p:sldIdLst>
   <p:sldSz cx="12192000" cy="6858000"/>
   <p:notesSz cx="6858000" cy="9144000"/>
@@ -110,6 +113,11 @@
       </a:defRPr>
     </a:lvl9pPr>
   </p:defaultTextStyle>
+  <p:extLst>
+    <p:ext uri="{EFAFB233-063F-42B5-8137-9DF3F51BA10A}">
+      <p15:sldGuideLst xmlns:p15="http://schemas.microsoft.com/office/powerpoint/2012/main"/>
+    </p:ext>
+  </p:extLst>
 </p:presentation>
 </file>
 
@@ -123,7 +131,10 @@
 <p1510:revInfo xmlns:a="http://schemas.openxmlformats.org/drawingml/2006/main" xmlns:r="http://schemas.openxmlformats.org/officeDocument/2006/relationships" xmlns:p1510="http://schemas.microsoft.com/office/powerpoint/2015/10/main">
   <p1510:revLst>
     <p1510:client id="{6FCC70FC-EC8B-2988-CDAE-2ECB65F3C54B}" v="6" dt="2022-11-07T18:05:58.190"/>
+    <p1510:client id="{87D67CB0-CE1F-A8A7-8E0D-3389A00EE266}" v="604" dt="2022-11-08T00:37:34.849"/>
+    <p1510:client id="{9A6EF4FF-F7FB-DFB2-9D88-F7D6A6BFA379}" v="249" dt="2022-11-08T08:50:16.723"/>
     <p1510:client id="{B264BEC1-18C8-B844-9B8B-FCD4F684209D}" v="306" dt="2022-11-07T18:34:16.383"/>
+    <p1510:client id="{EBC1DD8E-5334-4CA0-B425-88767AB853A2}" v="307" dt="2022-11-07T22:25:09.039"/>
   </p1510:revLst>
 </p1510:revInfo>
 </file>
@@ -161,6 +172,337 @@
       </pc:sldChg>
     </pc:docChg>
   </pc:docChgLst>
+  <pc:docChgLst>
+    <pc:chgData name="Luke Waddell" userId="S::lcw50@cam.ac.uk::85c18176-63f4-4f2c-aca2-1e76f9046a06" providerId="AD" clId="Web-{9A6EF4FF-F7FB-DFB2-9D88-F7D6A6BFA379}"/>
+    <pc:docChg chg="modSld">
+      <pc:chgData name="Luke Waddell" userId="S::lcw50@cam.ac.uk::85c18176-63f4-4f2c-aca2-1e76f9046a06" providerId="AD" clId="Web-{9A6EF4FF-F7FB-DFB2-9D88-F7D6A6BFA379}" dt="2022-11-08T08:50:16.723" v="246" actId="20577"/>
+      <pc:docMkLst>
+        <pc:docMk/>
+      </pc:docMkLst>
+      <pc:sldChg chg="modSp">
+        <pc:chgData name="Luke Waddell" userId="S::lcw50@cam.ac.uk::85c18176-63f4-4f2c-aca2-1e76f9046a06" providerId="AD" clId="Web-{9A6EF4FF-F7FB-DFB2-9D88-F7D6A6BFA379}" dt="2022-11-08T08:50:16.723" v="246" actId="20577"/>
+        <pc:sldMkLst>
+          <pc:docMk/>
+          <pc:sldMk cId="600784486" sldId="260"/>
+        </pc:sldMkLst>
+        <pc:spChg chg="mod">
+          <ac:chgData name="Luke Waddell" userId="S::lcw50@cam.ac.uk::85c18176-63f4-4f2c-aca2-1e76f9046a06" providerId="AD" clId="Web-{9A6EF4FF-F7FB-DFB2-9D88-F7D6A6BFA379}" dt="2022-11-08T08:19:51.343" v="135" actId="20577"/>
+          <ac:spMkLst>
+            <pc:docMk/>
+            <pc:sldMk cId="600784486" sldId="260"/>
+            <ac:spMk id="2" creationId="{DDB25880-F11F-9DBE-EE7F-77B714C2A598}"/>
+          </ac:spMkLst>
+        </pc:spChg>
+        <pc:spChg chg="mod">
+          <ac:chgData name="Luke Waddell" userId="S::lcw50@cam.ac.uk::85c18176-63f4-4f2c-aca2-1e76f9046a06" providerId="AD" clId="Web-{9A6EF4FF-F7FB-DFB2-9D88-F7D6A6BFA379}" dt="2022-11-08T08:50:16.723" v="246" actId="20577"/>
+          <ac:spMkLst>
+            <pc:docMk/>
+            <pc:sldMk cId="600784486" sldId="260"/>
+            <ac:spMk id="3" creationId="{57720FCC-76FA-1EDE-6801-1F5F336A09EC}"/>
+          </ac:spMkLst>
+        </pc:spChg>
+      </pc:sldChg>
+      <pc:sldChg chg="modSp">
+        <pc:chgData name="Luke Waddell" userId="S::lcw50@cam.ac.uk::85c18176-63f4-4f2c-aca2-1e76f9046a06" providerId="AD" clId="Web-{9A6EF4FF-F7FB-DFB2-9D88-F7D6A6BFA379}" dt="2022-11-08T08:07:57.729" v="54" actId="20577"/>
+        <pc:sldMkLst>
+          <pc:docMk/>
+          <pc:sldMk cId="3902653275" sldId="263"/>
+        </pc:sldMkLst>
+        <pc:spChg chg="mod">
+          <ac:chgData name="Luke Waddell" userId="S::lcw50@cam.ac.uk::85c18176-63f4-4f2c-aca2-1e76f9046a06" providerId="AD" clId="Web-{9A6EF4FF-F7FB-DFB2-9D88-F7D6A6BFA379}" dt="2022-11-08T08:07:57.729" v="54" actId="20577"/>
+          <ac:spMkLst>
+            <pc:docMk/>
+            <pc:sldMk cId="3902653275" sldId="263"/>
+            <ac:spMk id="3" creationId="{3758ACD3-6689-0BB0-C91D-8006FE0EA770}"/>
+          </ac:spMkLst>
+        </pc:spChg>
+      </pc:sldChg>
+    </pc:docChg>
+  </pc:docChgLst>
+  <pc:docChgLst>
+    <pc:chgData name="Tianjia Liu" userId="S::tl578@cam.ac.uk::75fc6a08-b2db-4c91-9eb1-8e3275fbaf46" providerId="AD" clId="Web-{EBC1DD8E-5334-4CA0-B425-88767AB853A2}"/>
+    <pc:docChg chg="addSld modSld">
+      <pc:chgData name="Tianjia Liu" userId="S::tl578@cam.ac.uk::75fc6a08-b2db-4c91-9eb1-8e3275fbaf46" providerId="AD" clId="Web-{EBC1DD8E-5334-4CA0-B425-88767AB853A2}" dt="2022-11-07T22:25:09.039" v="303" actId="20577"/>
+      <pc:docMkLst>
+        <pc:docMk/>
+      </pc:docMkLst>
+      <pc:sldChg chg="modSp new">
+        <pc:chgData name="Tianjia Liu" userId="S::tl578@cam.ac.uk::75fc6a08-b2db-4c91-9eb1-8e3275fbaf46" providerId="AD" clId="Web-{EBC1DD8E-5334-4CA0-B425-88767AB853A2}" dt="2022-11-07T22:25:09.039" v="303" actId="20577"/>
+        <pc:sldMkLst>
+          <pc:docMk/>
+          <pc:sldMk cId="3902653275" sldId="263"/>
+        </pc:sldMkLst>
+        <pc:spChg chg="mod">
+          <ac:chgData name="Tianjia Liu" userId="S::tl578@cam.ac.uk::75fc6a08-b2db-4c91-9eb1-8e3275fbaf46" providerId="AD" clId="Web-{EBC1DD8E-5334-4CA0-B425-88767AB853A2}" dt="2022-11-07T21:23:38.726" v="153" actId="20577"/>
+          <ac:spMkLst>
+            <pc:docMk/>
+            <pc:sldMk cId="3902653275" sldId="263"/>
+            <ac:spMk id="2" creationId="{95AD0912-5823-DFD2-F6CA-8EF0EC420BDF}"/>
+          </ac:spMkLst>
+        </pc:spChg>
+        <pc:spChg chg="mod">
+          <ac:chgData name="Tianjia Liu" userId="S::tl578@cam.ac.uk::75fc6a08-b2db-4c91-9eb1-8e3275fbaf46" providerId="AD" clId="Web-{EBC1DD8E-5334-4CA0-B425-88767AB853A2}" dt="2022-11-07T22:25:09.039" v="303" actId="20577"/>
+          <ac:spMkLst>
+            <pc:docMk/>
+            <pc:sldMk cId="3902653275" sldId="263"/>
+            <ac:spMk id="3" creationId="{3758ACD3-6689-0BB0-C91D-8006FE0EA770}"/>
+          </ac:spMkLst>
+        </pc:spChg>
+      </pc:sldChg>
+      <pc:sldChg chg="addSp delSp modSp new mod setBg">
+        <pc:chgData name="Tianjia Liu" userId="S::tl578@cam.ac.uk::75fc6a08-b2db-4c91-9eb1-8e3275fbaf46" providerId="AD" clId="Web-{EBC1DD8E-5334-4CA0-B425-88767AB853A2}" dt="2022-11-07T21:27:06.841" v="180" actId="20577"/>
+        <pc:sldMkLst>
+          <pc:docMk/>
+          <pc:sldMk cId="618762301" sldId="264"/>
+        </pc:sldMkLst>
+        <pc:spChg chg="mod">
+          <ac:chgData name="Tianjia Liu" userId="S::tl578@cam.ac.uk::75fc6a08-b2db-4c91-9eb1-8e3275fbaf46" providerId="AD" clId="Web-{EBC1DD8E-5334-4CA0-B425-88767AB853A2}" dt="2022-11-07T21:27:06.841" v="180" actId="20577"/>
+          <ac:spMkLst>
+            <pc:docMk/>
+            <pc:sldMk cId="618762301" sldId="264"/>
+            <ac:spMk id="2" creationId="{2D693B92-A5E4-1664-D0F2-0A2433371D17}"/>
+          </ac:spMkLst>
+        </pc:spChg>
+        <pc:spChg chg="add del mod">
+          <ac:chgData name="Tianjia Liu" userId="S::tl578@cam.ac.uk::75fc6a08-b2db-4c91-9eb1-8e3275fbaf46" providerId="AD" clId="Web-{EBC1DD8E-5334-4CA0-B425-88767AB853A2}" dt="2022-11-07T21:26:53.137" v="172" actId="20577"/>
+          <ac:spMkLst>
+            <pc:docMk/>
+            <pc:sldMk cId="618762301" sldId="264"/>
+            <ac:spMk id="3" creationId="{C3CDD2D2-8B0D-2B07-FDF0-1E1E440A8477}"/>
+          </ac:spMkLst>
+        </pc:spChg>
+        <pc:spChg chg="add del">
+          <ac:chgData name="Tianjia Liu" userId="S::tl578@cam.ac.uk::75fc6a08-b2db-4c91-9eb1-8e3275fbaf46" providerId="AD" clId="Web-{EBC1DD8E-5334-4CA0-B425-88767AB853A2}" dt="2022-11-07T21:25:04.525" v="159"/>
+          <ac:spMkLst>
+            <pc:docMk/>
+            <pc:sldMk cId="618762301" sldId="264"/>
+            <ac:spMk id="12" creationId="{A59D69FB-9DA8-45F0-A355-D3FE58E3BCF5}"/>
+          </ac:spMkLst>
+        </pc:spChg>
+        <pc:spChg chg="add del">
+          <ac:chgData name="Tianjia Liu" userId="S::tl578@cam.ac.uk::75fc6a08-b2db-4c91-9eb1-8e3275fbaf46" providerId="AD" clId="Web-{EBC1DD8E-5334-4CA0-B425-88767AB853A2}" dt="2022-11-07T21:25:04.525" v="159"/>
+          <ac:spMkLst>
+            <pc:docMk/>
+            <pc:sldMk cId="618762301" sldId="264"/>
+            <ac:spMk id="14" creationId="{A5271697-90F1-4A23-8EF2-0179F2EAFACB}"/>
+          </ac:spMkLst>
+        </pc:spChg>
+        <pc:spChg chg="add del">
+          <ac:chgData name="Tianjia Liu" userId="S::tl578@cam.ac.uk::75fc6a08-b2db-4c91-9eb1-8e3275fbaf46" providerId="AD" clId="Web-{EBC1DD8E-5334-4CA0-B425-88767AB853A2}" dt="2022-11-07T21:25:04.525" v="159"/>
+          <ac:spMkLst>
+            <pc:docMk/>
+            <pc:sldMk cId="618762301" sldId="264"/>
+            <ac:spMk id="16" creationId="{9D800584-727A-48CF-8223-244AD9717CAA}"/>
+          </ac:spMkLst>
+        </pc:spChg>
+        <pc:spChg chg="add del">
+          <ac:chgData name="Tianjia Liu" userId="S::tl578@cam.ac.uk::75fc6a08-b2db-4c91-9eb1-8e3275fbaf46" providerId="AD" clId="Web-{EBC1DD8E-5334-4CA0-B425-88767AB853A2}" dt="2022-11-07T21:25:04.525" v="159"/>
+          <ac:spMkLst>
+            <pc:docMk/>
+            <pc:sldMk cId="618762301" sldId="264"/>
+            <ac:spMk id="40" creationId="{D9F5512A-48E1-4C07-B75E-3CCC517B6804}"/>
+          </ac:spMkLst>
+        </pc:spChg>
+        <pc:grpChg chg="add del">
+          <ac:chgData name="Tianjia Liu" userId="S::tl578@cam.ac.uk::75fc6a08-b2db-4c91-9eb1-8e3275fbaf46" providerId="AD" clId="Web-{EBC1DD8E-5334-4CA0-B425-88767AB853A2}" dt="2022-11-07T21:25:04.525" v="159"/>
+          <ac:grpSpMkLst>
+            <pc:docMk/>
+            <pc:sldMk cId="618762301" sldId="264"/>
+            <ac:grpSpMk id="18" creationId="{A050C9B1-9793-4ED0-9883-0876E4BA0543}"/>
+          </ac:grpSpMkLst>
+        </pc:grpChg>
+        <pc:graphicFrameChg chg="add del mod ord modGraphic">
+          <ac:chgData name="Tianjia Liu" userId="S::tl578@cam.ac.uk::75fc6a08-b2db-4c91-9eb1-8e3275fbaf46" providerId="AD" clId="Web-{EBC1DD8E-5334-4CA0-B425-88767AB853A2}" dt="2022-11-07T21:24:30.665" v="156"/>
+          <ac:graphicFrameMkLst>
+            <pc:docMk/>
+            <pc:sldMk cId="618762301" sldId="264"/>
+            <ac:graphicFrameMk id="5" creationId="{EB027FBA-4980-4DBD-69AA-DEFCA6ACDE0A}"/>
+          </ac:graphicFrameMkLst>
+        </pc:graphicFrameChg>
+        <pc:graphicFrameChg chg="add del mod ord modGraphic">
+          <ac:chgData name="Tianjia Liu" userId="S::tl578@cam.ac.uk::75fc6a08-b2db-4c91-9eb1-8e3275fbaf46" providerId="AD" clId="Web-{EBC1DD8E-5334-4CA0-B425-88767AB853A2}" dt="2022-11-07T21:25:14.228" v="160"/>
+          <ac:graphicFrameMkLst>
+            <pc:docMk/>
+            <pc:sldMk cId="618762301" sldId="264"/>
+            <ac:graphicFrameMk id="7" creationId="{C69713B9-9FBD-D761-F9BA-144B63A4671A}"/>
+          </ac:graphicFrameMkLst>
+        </pc:graphicFrameChg>
+        <pc:graphicFrameChg chg="add del mod ord modGraphic">
+          <ac:chgData name="Tianjia Liu" userId="S::tl578@cam.ac.uk::75fc6a08-b2db-4c91-9eb1-8e3275fbaf46" providerId="AD" clId="Web-{EBC1DD8E-5334-4CA0-B425-88767AB853A2}" dt="2022-11-07T21:25:24.119" v="162"/>
+          <ac:graphicFrameMkLst>
+            <pc:docMk/>
+            <pc:sldMk cId="618762301" sldId="264"/>
+            <ac:graphicFrameMk id="9" creationId="{C4314693-259E-AC9A-6B4D-9F0520015449}"/>
+          </ac:graphicFrameMkLst>
+        </pc:graphicFrameChg>
+      </pc:sldChg>
+    </pc:docChg>
+  </pc:docChgLst>
+  <pc:docChgLst>
+    <pc:chgData name="Taewoong Kang" userId="S::tk594@cam.ac.uk::3ad23fed-7149-45ae-a5c1-e8a78eadd66a" providerId="AD" clId="Web-{87D67CB0-CE1F-A8A7-8E0D-3389A00EE266}"/>
+    <pc:docChg chg="addSld modSld">
+      <pc:chgData name="Taewoong Kang" userId="S::tk594@cam.ac.uk::3ad23fed-7149-45ae-a5c1-e8a78eadd66a" providerId="AD" clId="Web-{87D67CB0-CE1F-A8A7-8E0D-3389A00EE266}" dt="2022-11-08T00:37:34.177" v="600" actId="20577"/>
+      <pc:docMkLst>
+        <pc:docMk/>
+      </pc:docMkLst>
+      <pc:sldChg chg="addSp modSp">
+        <pc:chgData name="Taewoong Kang" userId="S::tk594@cam.ac.uk::3ad23fed-7149-45ae-a5c1-e8a78eadd66a" providerId="AD" clId="Web-{87D67CB0-CE1F-A8A7-8E0D-3389A00EE266}" dt="2022-11-08T00:13:40.772" v="280" actId="14100"/>
+        <pc:sldMkLst>
+          <pc:docMk/>
+          <pc:sldMk cId="2147013650" sldId="258"/>
+        </pc:sldMkLst>
+        <pc:spChg chg="mod">
+          <ac:chgData name="Taewoong Kang" userId="S::tk594@cam.ac.uk::3ad23fed-7149-45ae-a5c1-e8a78eadd66a" providerId="AD" clId="Web-{87D67CB0-CE1F-A8A7-8E0D-3389A00EE266}" dt="2022-11-08T00:11:44.779" v="253" actId="20577"/>
+          <ac:spMkLst>
+            <pc:docMk/>
+            <pc:sldMk cId="2147013650" sldId="258"/>
+            <ac:spMk id="3" creationId="{CBC0DC69-63AA-007D-199E-037FBC803F65}"/>
+          </ac:spMkLst>
+        </pc:spChg>
+        <pc:picChg chg="add mod">
+          <ac:chgData name="Taewoong Kang" userId="S::tk594@cam.ac.uk::3ad23fed-7149-45ae-a5c1-e8a78eadd66a" providerId="AD" clId="Web-{87D67CB0-CE1F-A8A7-8E0D-3389A00EE266}" dt="2022-11-08T00:13:40.772" v="280" actId="14100"/>
+          <ac:picMkLst>
+            <pc:docMk/>
+            <pc:sldMk cId="2147013650" sldId="258"/>
+            <ac:picMk id="4" creationId="{61860414-7F9F-B974-FFE2-409E30D79DAA}"/>
+          </ac:picMkLst>
+        </pc:picChg>
+      </pc:sldChg>
+      <pc:sldChg chg="addSp delSp modSp mod setBg addAnim">
+        <pc:chgData name="Taewoong Kang" userId="S::tk594@cam.ac.uk::3ad23fed-7149-45ae-a5c1-e8a78eadd66a" providerId="AD" clId="Web-{87D67CB0-CE1F-A8A7-8E0D-3389A00EE266}" dt="2022-11-08T00:20:55.196" v="284"/>
+        <pc:sldMkLst>
+          <pc:docMk/>
+          <pc:sldMk cId="1673703915" sldId="261"/>
+        </pc:sldMkLst>
+        <pc:spChg chg="mod">
+          <ac:chgData name="Taewoong Kang" userId="S::tk594@cam.ac.uk::3ad23fed-7149-45ae-a5c1-e8a78eadd66a" providerId="AD" clId="Web-{87D67CB0-CE1F-A8A7-8E0D-3389A00EE266}" dt="2022-11-08T00:06:21.015" v="173"/>
+          <ac:spMkLst>
+            <pc:docMk/>
+            <pc:sldMk cId="1673703915" sldId="261"/>
+            <ac:spMk id="2" creationId="{A7AF7145-D73B-5F92-EA55-5B817E1AEF09}"/>
+          </ac:spMkLst>
+        </pc:spChg>
+        <pc:spChg chg="mod">
+          <ac:chgData name="Taewoong Kang" userId="S::tk594@cam.ac.uk::3ad23fed-7149-45ae-a5c1-e8a78eadd66a" providerId="AD" clId="Web-{87D67CB0-CE1F-A8A7-8E0D-3389A00EE266}" dt="2022-11-08T00:06:21.015" v="173"/>
+          <ac:spMkLst>
+            <pc:docMk/>
+            <pc:sldMk cId="1673703915" sldId="261"/>
+            <ac:spMk id="3" creationId="{5CACB3B9-A820-12ED-E561-48B55B26D430}"/>
+          </ac:spMkLst>
+        </pc:spChg>
+        <pc:spChg chg="add del">
+          <ac:chgData name="Taewoong Kang" userId="S::tk594@cam.ac.uk::3ad23fed-7149-45ae-a5c1-e8a78eadd66a" providerId="AD" clId="Web-{87D67CB0-CE1F-A8A7-8E0D-3389A00EE266}" dt="2022-11-08T00:20:55.196" v="284"/>
+          <ac:spMkLst>
+            <pc:docMk/>
+            <pc:sldMk cId="1673703915" sldId="261"/>
+            <ac:spMk id="11" creationId="{87CC2527-562A-4F69-B487-4371E5B243E7}"/>
+          </ac:spMkLst>
+        </pc:spChg>
+        <pc:spChg chg="add">
+          <ac:chgData name="Taewoong Kang" userId="S::tk594@cam.ac.uk::3ad23fed-7149-45ae-a5c1-e8a78eadd66a" providerId="AD" clId="Web-{87D67CB0-CE1F-A8A7-8E0D-3389A00EE266}" dt="2022-11-08T00:20:55.196" v="284"/>
+          <ac:spMkLst>
+            <pc:docMk/>
+            <pc:sldMk cId="1673703915" sldId="261"/>
+            <ac:spMk id="18" creationId="{87CC2527-562A-4F69-B487-4371E5B243E7}"/>
+          </ac:spMkLst>
+        </pc:spChg>
+        <pc:picChg chg="add del mod">
+          <ac:chgData name="Taewoong Kang" userId="S::tk594@cam.ac.uk::3ad23fed-7149-45ae-a5c1-e8a78eadd66a" providerId="AD" clId="Web-{87D67CB0-CE1F-A8A7-8E0D-3389A00EE266}" dt="2022-11-07T23:46:22.271" v="2"/>
+          <ac:picMkLst>
+            <pc:docMk/>
+            <pc:sldMk cId="1673703915" sldId="261"/>
+            <ac:picMk id="4" creationId="{C8701EEF-8925-59F9-F01A-C09B2388FE76}"/>
+          </ac:picMkLst>
+        </pc:picChg>
+        <pc:picChg chg="del">
+          <ac:chgData name="Taewoong Kang" userId="S::tk594@cam.ac.uk::3ad23fed-7149-45ae-a5c1-e8a78eadd66a" providerId="AD" clId="Web-{87D67CB0-CE1F-A8A7-8E0D-3389A00EE266}" dt="2022-11-07T23:45:58.989" v="0"/>
+          <ac:picMkLst>
+            <pc:docMk/>
+            <pc:sldMk cId="1673703915" sldId="261"/>
+            <ac:picMk id="5" creationId="{6BFE75A5-A7D0-82FF-9252-A5ADE4DF528E}"/>
+          </ac:picMkLst>
+        </pc:picChg>
+        <pc:picChg chg="add del mod ord">
+          <ac:chgData name="Taewoong Kang" userId="S::tk594@cam.ac.uk::3ad23fed-7149-45ae-a5c1-e8a78eadd66a" providerId="AD" clId="Web-{87D67CB0-CE1F-A8A7-8E0D-3389A00EE266}" dt="2022-11-08T00:14:40.152" v="282"/>
+          <ac:picMkLst>
+            <pc:docMk/>
+            <pc:sldMk cId="1673703915" sldId="261"/>
+            <ac:picMk id="6" creationId="{02EAEFA8-A286-931F-B1E6-6A121187AF8F}"/>
+          </ac:picMkLst>
+        </pc:picChg>
+        <pc:picChg chg="add mod ord">
+          <ac:chgData name="Taewoong Kang" userId="S::tk594@cam.ac.uk::3ad23fed-7149-45ae-a5c1-e8a78eadd66a" providerId="AD" clId="Web-{87D67CB0-CE1F-A8A7-8E0D-3389A00EE266}" dt="2022-11-08T00:20:55.196" v="284"/>
+          <ac:picMkLst>
+            <pc:docMk/>
+            <pc:sldMk cId="1673703915" sldId="261"/>
+            <ac:picMk id="7" creationId="{6AABDB6B-CB28-DDF2-9914-BA18A9B044FE}"/>
+          </ac:picMkLst>
+        </pc:picChg>
+        <pc:cxnChg chg="add del">
+          <ac:chgData name="Taewoong Kang" userId="S::tk594@cam.ac.uk::3ad23fed-7149-45ae-a5c1-e8a78eadd66a" providerId="AD" clId="Web-{87D67CB0-CE1F-A8A7-8E0D-3389A00EE266}" dt="2022-11-08T00:20:55.196" v="284"/>
+          <ac:cxnSpMkLst>
+            <pc:docMk/>
+            <pc:sldMk cId="1673703915" sldId="261"/>
+            <ac:cxnSpMk id="13" creationId="{BCDAEC91-5BCE-4B55-9CC0-43EF94CB734B}"/>
+          </ac:cxnSpMkLst>
+        </pc:cxnChg>
+        <pc:cxnChg chg="add">
+          <ac:chgData name="Taewoong Kang" userId="S::tk594@cam.ac.uk::3ad23fed-7149-45ae-a5c1-e8a78eadd66a" providerId="AD" clId="Web-{87D67CB0-CE1F-A8A7-8E0D-3389A00EE266}" dt="2022-11-08T00:20:55.196" v="284"/>
+          <ac:cxnSpMkLst>
+            <pc:docMk/>
+            <pc:sldMk cId="1673703915" sldId="261"/>
+            <ac:cxnSpMk id="20" creationId="{BCDAEC91-5BCE-4B55-9CC0-43EF94CB734B}"/>
+          </ac:cxnSpMkLst>
+        </pc:cxnChg>
+      </pc:sldChg>
+      <pc:sldChg chg="addSp delSp modSp">
+        <pc:chgData name="Taewoong Kang" userId="S::tk594@cam.ac.uk::3ad23fed-7149-45ae-a5c1-e8a78eadd66a" providerId="AD" clId="Web-{87D67CB0-CE1F-A8A7-8E0D-3389A00EE266}" dt="2022-11-08T00:13:19.865" v="274"/>
+        <pc:sldMkLst>
+          <pc:docMk/>
+          <pc:sldMk cId="3902653275" sldId="263"/>
+        </pc:sldMkLst>
+        <pc:picChg chg="add del mod">
+          <ac:chgData name="Taewoong Kang" userId="S::tk594@cam.ac.uk::3ad23fed-7149-45ae-a5c1-e8a78eadd66a" providerId="AD" clId="Web-{87D67CB0-CE1F-A8A7-8E0D-3389A00EE266}" dt="2022-11-08T00:13:19.865" v="274"/>
+          <ac:picMkLst>
+            <pc:docMk/>
+            <pc:sldMk cId="3902653275" sldId="263"/>
+            <ac:picMk id="5" creationId="{EBD045FE-46B2-2C0E-43B0-EF215EFB78B4}"/>
+          </ac:picMkLst>
+        </pc:picChg>
+      </pc:sldChg>
+      <pc:sldChg chg="addSp delSp modSp new">
+        <pc:chgData name="Taewoong Kang" userId="S::tk594@cam.ac.uk::3ad23fed-7149-45ae-a5c1-e8a78eadd66a" providerId="AD" clId="Web-{87D67CB0-CE1F-A8A7-8E0D-3389A00EE266}" dt="2022-11-08T00:37:34.177" v="600" actId="20577"/>
+        <pc:sldMkLst>
+          <pc:docMk/>
+          <pc:sldMk cId="2650647369" sldId="265"/>
+        </pc:sldMkLst>
+        <pc:spChg chg="mod">
+          <ac:chgData name="Taewoong Kang" userId="S::tk594@cam.ac.uk::3ad23fed-7149-45ae-a5c1-e8a78eadd66a" providerId="AD" clId="Web-{87D67CB0-CE1F-A8A7-8E0D-3389A00EE266}" dt="2022-11-08T00:12:02.983" v="256" actId="20577"/>
+          <ac:spMkLst>
+            <pc:docMk/>
+            <pc:sldMk cId="2650647369" sldId="265"/>
+            <ac:spMk id="2" creationId="{8AD420C5-E69A-5D4B-2C70-86F7EEE68A73}"/>
+          </ac:spMkLst>
+        </pc:spChg>
+        <pc:spChg chg="mod">
+          <ac:chgData name="Taewoong Kang" userId="S::tk594@cam.ac.uk::3ad23fed-7149-45ae-a5c1-e8a78eadd66a" providerId="AD" clId="Web-{87D67CB0-CE1F-A8A7-8E0D-3389A00EE266}" dt="2022-11-08T00:37:34.177" v="600" actId="20577"/>
+          <ac:spMkLst>
+            <pc:docMk/>
+            <pc:sldMk cId="2650647369" sldId="265"/>
+            <ac:spMk id="3" creationId="{A016CE9B-69F4-DB32-6EBB-011383B768FA}"/>
+          </ac:spMkLst>
+        </pc:spChg>
+        <pc:picChg chg="add del mod">
+          <ac:chgData name="Taewoong Kang" userId="S::tk594@cam.ac.uk::3ad23fed-7149-45ae-a5c1-e8a78eadd66a" providerId="AD" clId="Web-{87D67CB0-CE1F-A8A7-8E0D-3389A00EE266}" dt="2022-11-08T00:13:43.162" v="281"/>
+          <ac:picMkLst>
+            <pc:docMk/>
+            <pc:sldMk cId="2650647369" sldId="265"/>
+            <ac:picMk id="4" creationId="{C25BE617-D813-8848-B8D6-C20A40AD390E}"/>
+          </ac:picMkLst>
+        </pc:picChg>
+      </pc:sldChg>
+    </pc:docChg>
+  </pc:docChgLst>
 </pc:chgInfo>
 </file>
 
@@ -311,7 +653,7 @@
           <a:p>
             <a:fld id="{D56C7B0D-8D28-6846-A426-FC4C8B5A8602}" type="datetimeFigureOut">
               <a:rPr lang="en-GB" smtClean="0"/>
-              <a:t>07/11/2022</a:t>
+              <a:t>08/11/2022</a:t>
             </a:fld>
             <a:endParaRPr lang="en-GB"/>
           </a:p>
@@ -509,7 +851,7 @@
           <a:p>
             <a:fld id="{D56C7B0D-8D28-6846-A426-FC4C8B5A8602}" type="datetimeFigureOut">
               <a:rPr lang="en-GB" smtClean="0"/>
-              <a:t>07/11/2022</a:t>
+              <a:t>08/11/2022</a:t>
             </a:fld>
             <a:endParaRPr lang="en-GB"/>
           </a:p>
@@ -717,7 +1059,7 @@
           <a:p>
             <a:fld id="{D56C7B0D-8D28-6846-A426-FC4C8B5A8602}" type="datetimeFigureOut">
               <a:rPr lang="en-GB" smtClean="0"/>
-              <a:t>07/11/2022</a:t>
+              <a:t>08/11/2022</a:t>
             </a:fld>
             <a:endParaRPr lang="en-GB"/>
           </a:p>
@@ -915,7 +1257,7 @@
           <a:p>
             <a:fld id="{D56C7B0D-8D28-6846-A426-FC4C8B5A8602}" type="datetimeFigureOut">
               <a:rPr lang="en-GB" smtClean="0"/>
-              <a:t>07/11/2022</a:t>
+              <a:t>08/11/2022</a:t>
             </a:fld>
             <a:endParaRPr lang="en-GB"/>
           </a:p>
@@ -1190,7 +1532,7 @@
           <a:p>
             <a:fld id="{D56C7B0D-8D28-6846-A426-FC4C8B5A8602}" type="datetimeFigureOut">
               <a:rPr lang="en-GB" smtClean="0"/>
-              <a:t>07/11/2022</a:t>
+              <a:t>08/11/2022</a:t>
             </a:fld>
             <a:endParaRPr lang="en-GB"/>
           </a:p>
@@ -1455,7 +1797,7 @@
           <a:p>
             <a:fld id="{D56C7B0D-8D28-6846-A426-FC4C8B5A8602}" type="datetimeFigureOut">
               <a:rPr lang="en-GB" smtClean="0"/>
-              <a:t>07/11/2022</a:t>
+              <a:t>08/11/2022</a:t>
             </a:fld>
             <a:endParaRPr lang="en-GB"/>
           </a:p>
@@ -1867,7 +2209,7 @@
           <a:p>
             <a:fld id="{D56C7B0D-8D28-6846-A426-FC4C8B5A8602}" type="datetimeFigureOut">
               <a:rPr lang="en-GB" smtClean="0"/>
-              <a:t>07/11/2022</a:t>
+              <a:t>08/11/2022</a:t>
             </a:fld>
             <a:endParaRPr lang="en-GB"/>
           </a:p>
@@ -2008,7 +2350,7 @@
           <a:p>
             <a:fld id="{D56C7B0D-8D28-6846-A426-FC4C8B5A8602}" type="datetimeFigureOut">
               <a:rPr lang="en-GB" smtClean="0"/>
-              <a:t>07/11/2022</a:t>
+              <a:t>08/11/2022</a:t>
             </a:fld>
             <a:endParaRPr lang="en-GB"/>
           </a:p>
@@ -2121,7 +2463,7 @@
           <a:p>
             <a:fld id="{D56C7B0D-8D28-6846-A426-FC4C8B5A8602}" type="datetimeFigureOut">
               <a:rPr lang="en-GB" smtClean="0"/>
-              <a:t>07/11/2022</a:t>
+              <a:t>08/11/2022</a:t>
             </a:fld>
             <a:endParaRPr lang="en-GB"/>
           </a:p>
@@ -2432,7 +2774,7 @@
           <a:p>
             <a:fld id="{D56C7B0D-8D28-6846-A426-FC4C8B5A8602}" type="datetimeFigureOut">
               <a:rPr lang="en-GB" smtClean="0"/>
-              <a:t>07/11/2022</a:t>
+              <a:t>08/11/2022</a:t>
             </a:fld>
             <a:endParaRPr lang="en-GB"/>
           </a:p>
@@ -2720,7 +3062,7 @@
           <a:p>
             <a:fld id="{D56C7B0D-8D28-6846-A426-FC4C8B5A8602}" type="datetimeFigureOut">
               <a:rPr lang="en-GB" smtClean="0"/>
-              <a:t>07/11/2022</a:t>
+              <a:t>08/11/2022</a:t>
             </a:fld>
             <a:endParaRPr lang="en-GB"/>
           </a:p>
@@ -2961,7 +3303,7 @@
           <a:p>
             <a:fld id="{D56C7B0D-8D28-6846-A426-FC4C8B5A8602}" type="datetimeFigureOut">
               <a:rPr lang="en-GB" smtClean="0"/>
-              <a:t>07/11/2022</a:t>
+              <a:t>08/11/2022</a:t>
             </a:fld>
             <a:endParaRPr lang="en-GB"/>
           </a:p>
@@ -3400,21 +3742,16 @@
           <a:lstStyle/>
           <a:p>
             <a:r>
-              <a:rPr lang="en-GB" dirty="0"/>
+              <a:rPr lang="en-GB"/>
               <a:t>IDP Group M212</a:t>
             </a:r>
             <a:br>
-              <a:rPr lang="en-GB" dirty="0"/>
+              <a:rPr lang="en-GB"/>
             </a:br>
             <a:r>
-              <a:rPr lang="en-GB" dirty="0"/>
-              <a:t>First Presentation </a:t>
-            </a:r>
-            <a:r>
-              <a:rPr lang="en-GB"/>
-              <a:t>08/11/22</a:t>
-            </a:r>
-            <a:endParaRPr lang="en-GB" dirty="0"/>
+              <a:rPr lang="en-GB"/>
+              <a:t>First Presentation 08/11/22</a:t>
+            </a:r>
           </a:p>
         </p:txBody>
       </p:sp>
@@ -3440,19 +3777,19 @@
           <a:lstStyle/>
           <a:p>
             <a:r>
-              <a:rPr lang="en-GB" dirty="0"/>
+              <a:rPr lang="en-GB"/>
               <a:t>Mechanical: Tae and Ginny</a:t>
             </a:r>
           </a:p>
           <a:p>
             <a:r>
-              <a:rPr lang="en-GB" dirty="0"/>
+              <a:rPr lang="en-GB"/>
               <a:t>Electrical: TJ and Will</a:t>
             </a:r>
           </a:p>
           <a:p>
             <a:r>
-              <a:rPr lang="en-GB" dirty="0"/>
+              <a:rPr lang="en-GB"/>
               <a:t>Software: Lev, Luke and Talha</a:t>
             </a:r>
           </a:p>
@@ -3468,6 +3805,437 @@
   <p:clrMapOvr>
     <a:masterClrMapping/>
   </p:clrMapOvr>
+</p:sld>
+</file>
+
+<file path=ppt/slides/slide10.xml><?xml version="1.0" encoding="utf-8"?>
+<p:sld xmlns:a="http://schemas.openxmlformats.org/drawingml/2006/main" xmlns:r="http://schemas.openxmlformats.org/officeDocument/2006/relationships" xmlns:p="http://schemas.openxmlformats.org/presentationml/2006/main">
+  <p:cSld>
+    <p:bg>
+      <p:bgPr>
+        <a:solidFill>
+          <a:schemeClr val="bg1"/>
+        </a:solidFill>
+        <a:effectLst/>
+      </p:bgPr>
+    </p:bg>
+    <p:spTree>
+      <p:nvGrpSpPr>
+        <p:cNvPr id="1" name=""/>
+        <p:cNvGrpSpPr/>
+        <p:nvPr/>
+      </p:nvGrpSpPr>
+      <p:grpSpPr>
+        <a:xfrm>
+          <a:off x="0" y="0"/>
+          <a:ext cx="0" cy="0"/>
+          <a:chOff x="0" y="0"/>
+          <a:chExt cx="0" cy="0"/>
+        </a:xfrm>
+      </p:grpSpPr>
+      <p:pic>
+        <p:nvPicPr>
+          <p:cNvPr id="7" name="Picture 7">
+            <a:extLst>
+              <a:ext uri="{FF2B5EF4-FFF2-40B4-BE49-F238E27FC236}">
+                <a16:creationId xmlns:a16="http://schemas.microsoft.com/office/drawing/2014/main" id="{6AABDB6B-CB28-DDF2-9914-BA18A9B044FE}"/>
+              </a:ext>
+            </a:extLst>
+          </p:cNvPr>
+          <p:cNvPicPr>
+            <a:picLocks noChangeAspect="1"/>
+          </p:cNvPicPr>
+          <p:nvPr/>
+        </p:nvPicPr>
+        <p:blipFill rotWithShape="1">
+          <a:blip r:embed="rId2"/>
+          <a:srcRect t="2976" b="22024"/>
+          <a:stretch/>
+        </p:blipFill>
+        <p:spPr>
+          <a:xfrm>
+            <a:off x="20" y="10"/>
+            <a:ext cx="12191980" cy="6857990"/>
+          </a:xfrm>
+          <a:prstGeom prst="rect">
+            <a:avLst/>
+          </a:prstGeom>
+        </p:spPr>
+      </p:pic>
+      <p:sp>
+        <p:nvSpPr>
+          <p:cNvPr id="18" name="Freeform 5">
+            <a:extLst>
+              <a:ext uri="{FF2B5EF4-FFF2-40B4-BE49-F238E27FC236}">
+                <a16:creationId xmlns:a16="http://schemas.microsoft.com/office/drawing/2014/main" id="{87CC2527-562A-4F69-B487-4371E5B243E7}"/>
+              </a:ext>
+              <a:ext uri="{C183D7F6-B498-43B3-948B-1728B52AA6E4}">
+                <adec:decorative xmlns:adec="http://schemas.microsoft.com/office/drawing/2017/decorative" val="1"/>
+              </a:ext>
+            </a:extLst>
+          </p:cNvPr>
+          <p:cNvSpPr>
+            <a:spLocks noGrp="1" noRot="1" noChangeAspect="1" noMove="1" noResize="1" noEditPoints="1" noAdjustHandles="1" noChangeArrowheads="1" noChangeShapeType="1" noTextEdit="1"/>
+          </p:cNvSpPr>
+          <p:nvPr>
+            <p:extLst>
+              <p:ext uri="{386F3935-93C4-4BCD-93E2-E3B085C9AB24}">
+                <p16:designElem xmlns:p16="http://schemas.microsoft.com/office/powerpoint/2015/main" val="1"/>
+              </p:ext>
+            </p:extLst>
+          </p:nvPr>
+        </p:nvSpPr>
+        <p:spPr bwMode="grayWhite">
+          <a:xfrm>
+            <a:off x="7488621" y="2277613"/>
+            <a:ext cx="4703379" cy="4580387"/>
+          </a:xfrm>
+          <a:custGeom>
+            <a:avLst/>
+            <a:gdLst>
+              <a:gd name="T0" fmla="*/ 1333 w 1333"/>
+              <a:gd name="T1" fmla="*/ 1031 h 1298"/>
+              <a:gd name="T2" fmla="*/ 1333 w 1333"/>
+              <a:gd name="T3" fmla="*/ 380 h 1298"/>
+              <a:gd name="T4" fmla="*/ 706 w 1333"/>
+              <a:gd name="T5" fmla="*/ 0 h 1298"/>
+              <a:gd name="T6" fmla="*/ 0 w 1333"/>
+              <a:gd name="T7" fmla="*/ 706 h 1298"/>
+              <a:gd name="T8" fmla="*/ 323 w 1333"/>
+              <a:gd name="T9" fmla="*/ 1298 h 1298"/>
+              <a:gd name="T10" fmla="*/ 1090 w 1333"/>
+              <a:gd name="T11" fmla="*/ 1298 h 1298"/>
+              <a:gd name="T12" fmla="*/ 1333 w 1333"/>
+              <a:gd name="T13" fmla="*/ 1031 h 1298"/>
+            </a:gdLst>
+            <a:ahLst/>
+            <a:cxnLst>
+              <a:cxn ang="0">
+                <a:pos x="T0" y="T1"/>
+              </a:cxn>
+              <a:cxn ang="0">
+                <a:pos x="T2" y="T3"/>
+              </a:cxn>
+              <a:cxn ang="0">
+                <a:pos x="T4" y="T5"/>
+              </a:cxn>
+              <a:cxn ang="0">
+                <a:pos x="T6" y="T7"/>
+              </a:cxn>
+              <a:cxn ang="0">
+                <a:pos x="T8" y="T9"/>
+              </a:cxn>
+              <a:cxn ang="0">
+                <a:pos x="T10" y="T11"/>
+              </a:cxn>
+              <a:cxn ang="0">
+                <a:pos x="T12" y="T13"/>
+              </a:cxn>
+            </a:cxnLst>
+            <a:rect l="0" t="0" r="r" b="b"/>
+            <a:pathLst>
+              <a:path w="1333" h="1298">
+                <a:moveTo>
+                  <a:pt x="1333" y="1031"/>
+                </a:moveTo>
+                <a:cubicBezTo>
+                  <a:pt x="1333" y="380"/>
+                  <a:pt x="1333" y="380"/>
+                  <a:pt x="1333" y="380"/>
+                </a:cubicBezTo>
+                <a:cubicBezTo>
+                  <a:pt x="1215" y="154"/>
+                  <a:pt x="979" y="0"/>
+                  <a:pt x="706" y="0"/>
+                </a:cubicBezTo>
+                <a:cubicBezTo>
+                  <a:pt x="317" y="0"/>
+                  <a:pt x="0" y="316"/>
+                  <a:pt x="0" y="706"/>
+                </a:cubicBezTo>
+                <a:cubicBezTo>
+                  <a:pt x="0" y="954"/>
+                  <a:pt x="129" y="1172"/>
+                  <a:pt x="323" y="1298"/>
+                </a:cubicBezTo>
+                <a:cubicBezTo>
+                  <a:pt x="1090" y="1298"/>
+                  <a:pt x="1090" y="1298"/>
+                  <a:pt x="1090" y="1298"/>
+                </a:cubicBezTo>
+                <a:cubicBezTo>
+                  <a:pt x="1193" y="1232"/>
+                  <a:pt x="1276" y="1140"/>
+                  <a:pt x="1333" y="1031"/>
+                </a:cubicBezTo>
+                <a:close/>
+              </a:path>
+            </a:pathLst>
+          </a:custGeom>
+          <a:solidFill>
+            <a:schemeClr val="bg1">
+              <a:alpha val="70000"/>
+            </a:schemeClr>
+          </a:solidFill>
+          <a:ln w="50800" cap="sq" cmpd="dbl">
+            <a:noFill/>
+            <a:miter lim="800000"/>
+          </a:ln>
+          <a:effectLst/>
+        </p:spPr>
+        <p:txBody>
+          <a:bodyPr vert="horz" lIns="91440" tIns="45720" rIns="91440" bIns="45720" rtlCol="0" anchor="t">
+            <a:normAutofit/>
+          </a:bodyPr>
+          <a:lstStyle/>
+          <a:p>
+            <a:pPr algn="ctr">
+              <a:spcAft>
+                <a:spcPts val="1000"/>
+              </a:spcAft>
+              <a:buClr>
+                <a:schemeClr val="tx1"/>
+              </a:buClr>
+              <a:buSzPct val="100000"/>
+              <a:buFont typeface="Arial"/>
+              <a:buNone/>
+            </a:pPr>
+            <a:endParaRPr lang="en-US" sz="1600" cap="all"/>
+          </a:p>
+        </p:txBody>
+      </p:sp>
+      <p:sp>
+        <p:nvSpPr>
+          <p:cNvPr id="2" name="Title 1">
+            <a:extLst>
+              <a:ext uri="{FF2B5EF4-FFF2-40B4-BE49-F238E27FC236}">
+                <a16:creationId xmlns:a16="http://schemas.microsoft.com/office/drawing/2014/main" id="{A7AF7145-D73B-5F92-EA55-5B817E1AEF09}"/>
+              </a:ext>
+            </a:extLst>
+          </p:cNvPr>
+          <p:cNvSpPr>
+            <a:spLocks noGrp="1"/>
+          </p:cNvSpPr>
+          <p:nvPr>
+            <p:ph type="title"/>
+          </p:nvPr>
+        </p:nvSpPr>
+        <p:spPr>
+          <a:xfrm>
+            <a:off x="8022021" y="3231931"/>
+            <a:ext cx="3852041" cy="1834056"/>
+          </a:xfrm>
+        </p:spPr>
+        <p:txBody>
+          <a:bodyPr vert="horz" lIns="91440" tIns="45720" rIns="91440" bIns="45720" rtlCol="0" anchor="b">
+            <a:normAutofit/>
+          </a:bodyPr>
+          <a:lstStyle/>
+          <a:p>
+            <a:pPr algn="ctr"/>
+            <a:r>
+              <a:rPr lang="en-US" sz="4000"/>
+              <a:t>Conclusion</a:t>
+            </a:r>
+          </a:p>
+        </p:txBody>
+      </p:sp>
+      <p:sp>
+        <p:nvSpPr>
+          <p:cNvPr id="3" name="Content Placeholder 2">
+            <a:extLst>
+              <a:ext uri="{FF2B5EF4-FFF2-40B4-BE49-F238E27FC236}">
+                <a16:creationId xmlns:a16="http://schemas.microsoft.com/office/drawing/2014/main" id="{5CACB3B9-A820-12ED-E561-48B55B26D430}"/>
+              </a:ext>
+            </a:extLst>
+          </p:cNvPr>
+          <p:cNvSpPr>
+            <a:spLocks noGrp="1"/>
+          </p:cNvSpPr>
+          <p:nvPr>
+            <p:ph idx="1"/>
+          </p:nvPr>
+        </p:nvSpPr>
+        <p:spPr>
+          <a:xfrm>
+            <a:off x="7782910" y="5242675"/>
+            <a:ext cx="4330262" cy="683284"/>
+          </a:xfrm>
+        </p:spPr>
+        <p:txBody>
+          <a:bodyPr vert="horz" lIns="91440" tIns="45720" rIns="91440" bIns="45720" rtlCol="0">
+            <a:normAutofit/>
+          </a:bodyPr>
+          <a:lstStyle/>
+          <a:p>
+            <a:pPr marL="0" indent="0" algn="ctr">
+              <a:buNone/>
+            </a:pPr>
+            <a:r>
+              <a:rPr lang="en-US" sz="2000"/>
+              <a:t>In conclusion, we are going to be the best team</a:t>
+            </a:r>
+          </a:p>
+        </p:txBody>
+      </p:sp>
+      <p:cxnSp>
+        <p:nvCxnSpPr>
+          <p:cNvPr id="20" name="Straight Connector 19">
+            <a:extLst>
+              <a:ext uri="{FF2B5EF4-FFF2-40B4-BE49-F238E27FC236}">
+                <a16:creationId xmlns:a16="http://schemas.microsoft.com/office/drawing/2014/main" id="{BCDAEC91-5BCE-4B55-9CC0-43EF94CB734B}"/>
+              </a:ext>
+              <a:ext uri="{C183D7F6-B498-43B3-948B-1728B52AA6E4}">
+                <adec:decorative xmlns:adec="http://schemas.microsoft.com/office/drawing/2017/decorative" val="1"/>
+              </a:ext>
+            </a:extLst>
+          </p:cNvPr>
+          <p:cNvCxnSpPr>
+            <a:cxnSpLocks noGrp="1" noRot="1" noChangeAspect="1" noMove="1" noResize="1" noEditPoints="1" noAdjustHandles="1" noChangeArrowheads="1" noChangeShapeType="1"/>
+          </p:cNvCxnSpPr>
+          <p:nvPr>
+            <p:extLst>
+              <p:ext uri="{386F3935-93C4-4BCD-93E2-E3B085C9AB24}">
+                <p16:designElem xmlns:p16="http://schemas.microsoft.com/office/powerpoint/2015/main" val="1"/>
+              </p:ext>
+            </p:extLst>
+          </p:nvPr>
+        </p:nvCxnSpPr>
+        <p:spPr>
+          <a:xfrm>
+            <a:off x="9480331" y="5123793"/>
+            <a:ext cx="935420" cy="0"/>
+          </a:xfrm>
+          <a:prstGeom prst="line">
+            <a:avLst/>
+          </a:prstGeom>
+          <a:ln w="25400" cap="sq">
+            <a:solidFill>
+              <a:schemeClr val="tx1">
+                <a:lumMod val="85000"/>
+                <a:lumOff val="15000"/>
+              </a:schemeClr>
+            </a:solidFill>
+            <a:bevel/>
+          </a:ln>
+        </p:spPr>
+        <p:style>
+          <a:lnRef idx="1">
+            <a:schemeClr val="accent1"/>
+          </a:lnRef>
+          <a:fillRef idx="0">
+            <a:schemeClr val="accent1"/>
+          </a:fillRef>
+          <a:effectRef idx="0">
+            <a:schemeClr val="accent1"/>
+          </a:effectRef>
+          <a:fontRef idx="minor">
+            <a:schemeClr val="tx1"/>
+          </a:fontRef>
+        </p:style>
+      </p:cxnSp>
+    </p:spTree>
+    <p:extLst>
+      <p:ext uri="{BB962C8B-B14F-4D97-AF65-F5344CB8AC3E}">
+        <p14:creationId xmlns:p14="http://schemas.microsoft.com/office/powerpoint/2010/main" val="1673703915"/>
+      </p:ext>
+    </p:extLst>
+  </p:cSld>
+  <p:clrMapOvr>
+    <a:masterClrMapping/>
+  </p:clrMapOvr>
+  <p:timing>
+    <p:tnLst>
+      <p:par>
+        <p:cTn id="1" dur="indefinite" restart="never" nodeType="tmRoot">
+          <p:childTnLst>
+            <p:seq concurrent="1" nextAc="seek">
+              <p:cTn id="2" dur="indefinite" nodeType="mainSeq">
+                <p:childTnLst>
+                  <p:par>
+                    <p:cTn id="3" fill="hold">
+                      <p:stCondLst>
+                        <p:cond delay="indefinite"/>
+                        <p:cond evt="onBegin" delay="0">
+                          <p:tn val="2"/>
+                        </p:cond>
+                      </p:stCondLst>
+                      <p:childTnLst>
+                        <p:par>
+                          <p:cTn id="4" fill="hold">
+                            <p:stCondLst>
+                              <p:cond delay="0"/>
+                            </p:stCondLst>
+                            <p:childTnLst>
+                              <p:par>
+                                <p:cTn id="5" presetID="10" presetClass="entr" presetSubtype="0" fill="hold" grpId="0" nodeType="withEffect">
+                                  <p:stCondLst>
+                                    <p:cond delay="1000"/>
+                                  </p:stCondLst>
+                                  <p:iterate>
+                                    <p:tmPct val="10000"/>
+                                  </p:iterate>
+                                  <p:childTnLst>
+                                    <p:set>
+                                      <p:cBhvr>
+                                        <p:cTn id="6" dur="1" fill="hold">
+                                          <p:stCondLst>
+                                            <p:cond delay="0"/>
+                                          </p:stCondLst>
+                                        </p:cTn>
+                                        <p:tgtEl>
+                                          <p:spTgt spid="2"/>
+                                        </p:tgtEl>
+                                        <p:attrNameLst>
+                                          <p:attrName>style.visibility</p:attrName>
+                                        </p:attrNameLst>
+                                      </p:cBhvr>
+                                      <p:to>
+                                        <p:strVal val="visible"/>
+                                      </p:to>
+                                    </p:set>
+                                    <p:animEffect transition="in" filter="fade">
+                                      <p:cBhvr>
+                                        <p:cTn id="7" dur="700"/>
+                                        <p:tgtEl>
+                                          <p:spTgt spid="2"/>
+                                        </p:tgtEl>
+                                      </p:cBhvr>
+                                    </p:animEffect>
+                                  </p:childTnLst>
+                                </p:cTn>
+                              </p:par>
+                            </p:childTnLst>
+                          </p:cTn>
+                        </p:par>
+                      </p:childTnLst>
+                    </p:cTn>
+                  </p:par>
+                </p:childTnLst>
+              </p:cTn>
+              <p:prevCondLst>
+                <p:cond evt="onPrev" delay="0">
+                  <p:tgtEl>
+                    <p:sldTgt/>
+                  </p:tgtEl>
+                </p:cond>
+              </p:prevCondLst>
+              <p:nextCondLst>
+                <p:cond evt="onNext" delay="0">
+                  <p:tgtEl>
+                    <p:sldTgt/>
+                  </p:tgtEl>
+                </p:cond>
+              </p:nextCondLst>
+            </p:seq>
+          </p:childTnLst>
+        </p:cTn>
+      </p:par>
+    </p:tnLst>
+    <p:bldLst>
+      <p:bldP spid="2" grpId="0"/>
+    </p:bldLst>
+  </p:timing>
 </p:sld>
 </file>
 
@@ -3510,7 +4278,7 @@
           <a:lstStyle/>
           <a:p>
             <a:r>
-              <a:rPr lang="en-GB" dirty="0"/>
+              <a:rPr lang="en-GB"/>
               <a:t>Plan</a:t>
             </a:r>
           </a:p>
@@ -3542,7 +4310,7 @@
               <a:buAutoNum type="arabicPeriod"/>
             </a:pPr>
             <a:r>
-              <a:rPr lang="en-GB" dirty="0"/>
+              <a:rPr lang="en-GB"/>
               <a:t>Build first iteration out of cardboard that can move</a:t>
             </a:r>
           </a:p>
@@ -3552,7 +4320,7 @@
               <a:buAutoNum type="arabicPeriod"/>
             </a:pPr>
             <a:r>
-              <a:rPr lang="en-GB" dirty="0"/>
+              <a:rPr lang="en-GB"/>
               <a:t>Follow a line on the table</a:t>
             </a:r>
           </a:p>
@@ -3562,7 +4330,7 @@
               <a:buAutoNum type="arabicPeriod"/>
             </a:pPr>
             <a:r>
-              <a:rPr lang="en-GB" dirty="0"/>
+              <a:rPr lang="en-GB"/>
               <a:t>Turn at junctions</a:t>
             </a:r>
           </a:p>
@@ -3572,7 +4340,7 @@
               <a:buAutoNum type="arabicPeriod"/>
             </a:pPr>
             <a:r>
-              <a:rPr lang="en-GB" dirty="0"/>
+              <a:rPr lang="en-GB"/>
               <a:t>Deal with the ramp/ tunnel</a:t>
             </a:r>
           </a:p>
@@ -3582,7 +4350,7 @@
               <a:buAutoNum type="arabicPeriod"/>
             </a:pPr>
             <a:r>
-              <a:rPr lang="en-GB" dirty="0"/>
+              <a:rPr lang="en-GB"/>
               <a:t>Be able to pick up and move with a block</a:t>
             </a:r>
           </a:p>
@@ -3592,7 +4360,7 @@
               <a:buAutoNum type="arabicPeriod"/>
             </a:pPr>
             <a:r>
-              <a:rPr lang="en-GB" dirty="0"/>
+              <a:rPr lang="en-GB"/>
               <a:t>Be able to locate blocks</a:t>
             </a:r>
           </a:p>
@@ -3602,7 +4370,7 @@
               <a:buAutoNum type="arabicPeriod"/>
             </a:pPr>
             <a:r>
-              <a:rPr lang="en-GB" dirty="0"/>
+              <a:rPr lang="en-GB"/>
               <a:t>Be able to sort blocks</a:t>
             </a:r>
           </a:p>
@@ -3612,12 +4380,12 @@
               <a:buAutoNum type="arabicPeriod"/>
             </a:pPr>
             <a:r>
-              <a:rPr lang="en-GB" dirty="0"/>
+              <a:rPr lang="en-GB"/>
               <a:t>Be able to do all that reliably</a:t>
             </a:r>
           </a:p>
           <a:p>
-            <a:endParaRPr lang="en-GB" dirty="0"/>
+            <a:endParaRPr lang="en-GB"/>
           </a:p>
         </p:txBody>
       </p:sp>
@@ -3678,14 +4446,14 @@
           <a:lstStyle/>
           <a:p>
             <a:r>
-              <a:rPr lang="en-GB" dirty="0"/>
+              <a:rPr lang="en-GB"/>
               <a:t>Gantt</a:t>
             </a:r>
             <a:br>
-              <a:rPr lang="en-GB" dirty="0"/>
+              <a:rPr lang="en-GB"/>
             </a:br>
             <a:r>
-              <a:rPr lang="en-GB" dirty="0"/>
+              <a:rPr lang="en-GB"/>
               <a:t>Chart</a:t>
             </a:r>
           </a:p>
@@ -3771,7 +4539,7 @@
           <a:lstStyle/>
           <a:p>
             <a:r>
-              <a:rPr lang="en-GB" dirty="0"/>
+              <a:rPr lang="en-GB"/>
               <a:t>Mechanical</a:t>
             </a:r>
           </a:p>
@@ -3795,13 +4563,167 @@
         </p:nvSpPr>
         <p:spPr/>
         <p:txBody>
-          <a:bodyPr/>
-          <a:lstStyle/>
-          <a:p>
-            <a:endParaRPr lang="en-GB"/>
-          </a:p>
-        </p:txBody>
-      </p:sp>
+          <a:bodyPr vert="horz" lIns="91440" tIns="45720" rIns="91440" bIns="45720" rtlCol="0" anchor="t">
+            <a:normAutofit/>
+          </a:bodyPr>
+          <a:lstStyle/>
+          <a:p>
+            <a:r>
+              <a:rPr lang="en-US" altLang="zh-CN">
+                <a:ea typeface="等线"/>
+                <a:cs typeface="+mn-lt"/>
+              </a:rPr>
+              <a:t>Tasks</a:t>
+            </a:r>
+          </a:p>
+          <a:p>
+            <a:pPr lvl="1"/>
+            <a:r>
+              <a:rPr lang="en-US" altLang="zh-CN">
+                <a:ea typeface="等线"/>
+                <a:cs typeface="+mn-lt"/>
+              </a:rPr>
+              <a:t>Making general shape of the robot</a:t>
+            </a:r>
+          </a:p>
+          <a:p>
+            <a:pPr lvl="1"/>
+            <a:r>
+              <a:rPr lang="en-US" altLang="zh-CN">
+                <a:ea typeface="等线"/>
+                <a:cs typeface="+mn-lt"/>
+              </a:rPr>
+              <a:t>Locating and fixing motors of the wheels</a:t>
+            </a:r>
+          </a:p>
+          <a:p>
+            <a:pPr lvl="1"/>
+            <a:r>
+              <a:rPr lang="en-US" altLang="zh-CN">
+                <a:ea typeface="等线"/>
+                <a:cs typeface="Calibri"/>
+              </a:rPr>
+              <a:t>Designing grabbing hands</a:t>
+            </a:r>
+          </a:p>
+          <a:p>
+            <a:pPr lvl="1"/>
+            <a:r>
+              <a:rPr lang="en-US" altLang="zh-CN">
+                <a:ea typeface="等线"/>
+                <a:cs typeface="Calibri"/>
+              </a:rPr>
+              <a:t>Designing grabbing mechanism with a servo and gears</a:t>
+            </a:r>
+          </a:p>
+          <a:p>
+            <a:pPr lvl="1"/>
+            <a:r>
+              <a:rPr lang="en-US" altLang="zh-CN">
+                <a:ea typeface="等线"/>
+                <a:cs typeface="Calibri"/>
+              </a:rPr>
+              <a:t>Locating and fixing ultrasound sensor</a:t>
+            </a:r>
+            <a:endParaRPr lang="en-US" altLang="zh-CN">
+              <a:ea typeface="等线" panose="02010600030101010101" pitchFamily="2" charset="-122"/>
+              <a:cs typeface="Calibri"/>
+            </a:endParaRPr>
+          </a:p>
+          <a:p>
+            <a:pPr lvl="1"/>
+            <a:endParaRPr lang="en-US" altLang="zh-CN">
+              <a:ea typeface="等线" panose="02010600030101010101" pitchFamily="2" charset="-122"/>
+              <a:cs typeface="Calibri"/>
+            </a:endParaRPr>
+          </a:p>
+          <a:p>
+            <a:pPr lvl="1"/>
+            <a:endParaRPr lang="en-US" altLang="zh-CN">
+              <a:ea typeface="等线" panose="02010600030101010101" pitchFamily="2" charset="-122"/>
+              <a:cs typeface="Calibri"/>
+            </a:endParaRPr>
+          </a:p>
+          <a:p>
+            <a:pPr lvl="1"/>
+            <a:endParaRPr lang="en-US" altLang="zh-CN">
+              <a:ea typeface="等线" panose="02010600030101010101" pitchFamily="2" charset="-122"/>
+              <a:cs typeface="Calibri"/>
+            </a:endParaRPr>
+          </a:p>
+          <a:p>
+            <a:pPr lvl="1"/>
+            <a:endParaRPr lang="en-US" altLang="zh-CN">
+              <a:ea typeface="等线" panose="02010600030101010101" pitchFamily="2" charset="-122"/>
+              <a:cs typeface="Calibri"/>
+            </a:endParaRPr>
+          </a:p>
+          <a:p>
+            <a:pPr lvl="1"/>
+            <a:endParaRPr lang="en-US" altLang="zh-CN">
+              <a:ea typeface="等线" panose="02010600030101010101" pitchFamily="2" charset="-122"/>
+              <a:cs typeface="Calibri"/>
+            </a:endParaRPr>
+          </a:p>
+          <a:p>
+            <a:pPr lvl="1"/>
+            <a:endParaRPr lang="en-US" altLang="zh-CN">
+              <a:ea typeface="等线" panose="02010600030101010101" pitchFamily="2" charset="-122"/>
+              <a:cs typeface="Calibri"/>
+            </a:endParaRPr>
+          </a:p>
+          <a:p>
+            <a:pPr lvl="1"/>
+            <a:endParaRPr lang="en-US" altLang="zh-CN">
+              <a:ea typeface="等线" panose="02010600030101010101" pitchFamily="2" charset="-122"/>
+              <a:cs typeface="Calibri"/>
+            </a:endParaRPr>
+          </a:p>
+          <a:p>
+            <a:pPr lvl="1"/>
+            <a:endParaRPr lang="zh-CN" altLang="en-US">
+              <a:ea typeface="等线" panose="02010600030101010101" pitchFamily="2" charset="-122"/>
+              <a:cs typeface="Calibri"/>
+            </a:endParaRPr>
+          </a:p>
+          <a:p>
+            <a:endParaRPr lang="en-GB" altLang="zh-CN">
+              <a:ea typeface="等线" panose="02010600030101010101" pitchFamily="2" charset="-122"/>
+              <a:cs typeface="Calibri"/>
+            </a:endParaRPr>
+          </a:p>
+        </p:txBody>
+      </p:sp>
+      <p:pic>
+        <p:nvPicPr>
+          <p:cNvPr id="4" name="Picture 4" descr="A picture containing table, handcart&#10;&#10;Description automatically generated">
+            <a:extLst>
+              <a:ext uri="{FF2B5EF4-FFF2-40B4-BE49-F238E27FC236}">
+                <a16:creationId xmlns:a16="http://schemas.microsoft.com/office/drawing/2014/main" id="{61860414-7F9F-B974-FFE2-409E30D79DAA}"/>
+              </a:ext>
+            </a:extLst>
+          </p:cNvPr>
+          <p:cNvPicPr>
+            <a:picLocks noChangeAspect="1"/>
+          </p:cNvPicPr>
+          <p:nvPr/>
+        </p:nvPicPr>
+        <p:blipFill>
+          <a:blip r:embed="rId2"/>
+          <a:stretch>
+            <a:fillRect/>
+          </a:stretch>
+        </p:blipFill>
+        <p:spPr>
+          <a:xfrm>
+            <a:off x="7470227" y="3996395"/>
+            <a:ext cx="4398579" cy="2543831"/>
+          </a:xfrm>
+          <a:prstGeom prst="rect">
+            <a:avLst/>
+          </a:prstGeom>
+        </p:spPr>
+      </p:pic>
     </p:spTree>
     <p:extLst>
       <p:ext uri="{BB962C8B-B14F-4D97-AF65-F5344CB8AC3E}">
@@ -3837,6 +4759,163 @@
           <p:cNvPr id="2" name="Title 1">
             <a:extLst>
               <a:ext uri="{FF2B5EF4-FFF2-40B4-BE49-F238E27FC236}">
+                <a16:creationId xmlns:a16="http://schemas.microsoft.com/office/drawing/2014/main" id="{8AD420C5-E69A-5D4B-2C70-86F7EEE68A73}"/>
+              </a:ext>
+            </a:extLst>
+          </p:cNvPr>
+          <p:cNvSpPr>
+            <a:spLocks noGrp="1"/>
+          </p:cNvSpPr>
+          <p:nvPr>
+            <p:ph type="title"/>
+          </p:nvPr>
+        </p:nvSpPr>
+        <p:spPr/>
+        <p:txBody>
+          <a:bodyPr/>
+          <a:lstStyle/>
+          <a:p>
+            <a:r>
+              <a:rPr lang="en-GB">
+                <a:ea typeface="+mj-lt"/>
+                <a:cs typeface="+mj-lt"/>
+              </a:rPr>
+              <a:t>Mechanical</a:t>
+            </a:r>
+          </a:p>
+          <a:p>
+            <a:endParaRPr lang="en-GB">
+              <a:cs typeface="Calibri Light"/>
+            </a:endParaRPr>
+          </a:p>
+        </p:txBody>
+      </p:sp>
+      <p:sp>
+        <p:nvSpPr>
+          <p:cNvPr id="3" name="Content Placeholder 2">
+            <a:extLst>
+              <a:ext uri="{FF2B5EF4-FFF2-40B4-BE49-F238E27FC236}">
+                <a16:creationId xmlns:a16="http://schemas.microsoft.com/office/drawing/2014/main" id="{A016CE9B-69F4-DB32-6EBB-011383B768FA}"/>
+              </a:ext>
+            </a:extLst>
+          </p:cNvPr>
+          <p:cNvSpPr>
+            <a:spLocks noGrp="1"/>
+          </p:cNvSpPr>
+          <p:nvPr>
+            <p:ph idx="1"/>
+          </p:nvPr>
+        </p:nvSpPr>
+        <p:spPr/>
+        <p:txBody>
+          <a:bodyPr vert="horz" lIns="91440" tIns="45720" rIns="91440" bIns="45720" rtlCol="0" anchor="t">
+            <a:normAutofit/>
+          </a:bodyPr>
+          <a:lstStyle/>
+          <a:p>
+            <a:r>
+              <a:rPr lang="en-US">
+                <a:ea typeface="+mn-lt"/>
+                <a:cs typeface="+mn-lt"/>
+              </a:rPr>
+              <a:t>Problem</a:t>
+            </a:r>
+          </a:p>
+          <a:p>
+            <a:pPr lvl="1"/>
+            <a:r>
+              <a:rPr lang="en-US">
+                <a:cs typeface="Calibri"/>
+              </a:rPr>
+              <a:t>Where to locate a servo to move grabbing hands</a:t>
+            </a:r>
+          </a:p>
+          <a:p>
+            <a:pPr lvl="1"/>
+            <a:r>
+              <a:rPr lang="en-US">
+                <a:cs typeface="Calibri"/>
+              </a:rPr>
+              <a:t>How to design grabbing hands</a:t>
+            </a:r>
+          </a:p>
+          <a:p>
+            <a:pPr lvl="1"/>
+            <a:r>
+              <a:rPr lang="en-US">
+                <a:cs typeface="Calibri"/>
+              </a:rPr>
+              <a:t>How to fix the line following sensors in the correct location.</a:t>
+            </a:r>
+          </a:p>
+          <a:p>
+            <a:pPr lvl="1"/>
+            <a:r>
+              <a:rPr lang="en-US">
+                <a:cs typeface="Calibri"/>
+              </a:rPr>
+              <a:t>How to build mechanical system to move grabbing hands with a servo and a grabbing hand.</a:t>
+            </a:r>
+          </a:p>
+          <a:p>
+            <a:pPr lvl="1"/>
+            <a:endParaRPr lang="en-US">
+              <a:cs typeface="Calibri"/>
+            </a:endParaRPr>
+          </a:p>
+          <a:p>
+            <a:endParaRPr lang="en-US">
+              <a:cs typeface="Calibri"/>
+            </a:endParaRPr>
+          </a:p>
+          <a:p>
+            <a:endParaRPr lang="en-US">
+              <a:cs typeface="Calibri"/>
+            </a:endParaRPr>
+          </a:p>
+          <a:p>
+            <a:pPr lvl="1"/>
+            <a:endParaRPr lang="en-US">
+              <a:cs typeface="Calibri"/>
+            </a:endParaRPr>
+          </a:p>
+        </p:txBody>
+      </p:sp>
+    </p:spTree>
+    <p:extLst>
+      <p:ext uri="{BB962C8B-B14F-4D97-AF65-F5344CB8AC3E}">
+        <p14:creationId xmlns:p14="http://schemas.microsoft.com/office/powerpoint/2010/main" val="2650647369"/>
+      </p:ext>
+    </p:extLst>
+  </p:cSld>
+  <p:clrMapOvr>
+    <a:masterClrMapping/>
+  </p:clrMapOvr>
+</p:sld>
+</file>
+
+<file path=ppt/slides/slide6.xml><?xml version="1.0" encoding="utf-8"?>
+<p:sld xmlns:a="http://schemas.openxmlformats.org/drawingml/2006/main" xmlns:r="http://schemas.openxmlformats.org/officeDocument/2006/relationships" xmlns:p="http://schemas.openxmlformats.org/presentationml/2006/main">
+  <p:cSld>
+    <p:spTree>
+      <p:nvGrpSpPr>
+        <p:cNvPr id="1" name=""/>
+        <p:cNvGrpSpPr/>
+        <p:nvPr/>
+      </p:nvGrpSpPr>
+      <p:grpSpPr>
+        <a:xfrm>
+          <a:off x="0" y="0"/>
+          <a:ext cx="0" cy="0"/>
+          <a:chOff x="0" y="0"/>
+          <a:chExt cx="0" cy="0"/>
+        </a:xfrm>
+      </p:grpSpPr>
+      <p:sp>
+        <p:nvSpPr>
+          <p:cNvPr id="2" name="Title 1">
+            <a:extLst>
+              <a:ext uri="{FF2B5EF4-FFF2-40B4-BE49-F238E27FC236}">
                 <a16:creationId xmlns:a16="http://schemas.microsoft.com/office/drawing/2014/main" id="{61BC819D-03C9-C6AC-CCFB-E3AA8634BE87}"/>
               </a:ext>
             </a:extLst>
@@ -3854,7 +4933,7 @@
           <a:lstStyle/>
           <a:p>
             <a:r>
-              <a:rPr lang="en-GB" dirty="0"/>
+              <a:rPr lang="en-GB"/>
               <a:t>Line following system</a:t>
             </a:r>
           </a:p>
@@ -3933,89 +5012,6 @@
 </p:sld>
 </file>
 
-<file path=ppt/slides/slide6.xml><?xml version="1.0" encoding="utf-8"?>
-<p:sld xmlns:a="http://schemas.openxmlformats.org/drawingml/2006/main" xmlns:r="http://schemas.openxmlformats.org/officeDocument/2006/relationships" xmlns:p="http://schemas.openxmlformats.org/presentationml/2006/main">
-  <p:cSld>
-    <p:spTree>
-      <p:nvGrpSpPr>
-        <p:cNvPr id="1" name=""/>
-        <p:cNvGrpSpPr/>
-        <p:nvPr/>
-      </p:nvGrpSpPr>
-      <p:grpSpPr>
-        <a:xfrm>
-          <a:off x="0" y="0"/>
-          <a:ext cx="0" cy="0"/>
-          <a:chOff x="0" y="0"/>
-          <a:chExt cx="0" cy="0"/>
-        </a:xfrm>
-      </p:grpSpPr>
-      <p:sp>
-        <p:nvSpPr>
-          <p:cNvPr id="2" name="Title 1">
-            <a:extLst>
-              <a:ext uri="{FF2B5EF4-FFF2-40B4-BE49-F238E27FC236}">
-                <a16:creationId xmlns:a16="http://schemas.microsoft.com/office/drawing/2014/main" id="{DDB25880-F11F-9DBE-EE7F-77B714C2A598}"/>
-              </a:ext>
-            </a:extLst>
-          </p:cNvPr>
-          <p:cNvSpPr>
-            <a:spLocks noGrp="1"/>
-          </p:cNvSpPr>
-          <p:nvPr>
-            <p:ph type="title"/>
-          </p:nvPr>
-        </p:nvSpPr>
-        <p:spPr/>
-        <p:txBody>
-          <a:bodyPr/>
-          <a:lstStyle/>
-          <a:p>
-            <a:r>
-              <a:rPr lang="en-GB" dirty="0"/>
-              <a:t>Software</a:t>
-            </a:r>
-          </a:p>
-        </p:txBody>
-      </p:sp>
-      <p:sp>
-        <p:nvSpPr>
-          <p:cNvPr id="3" name="Content Placeholder 2">
-            <a:extLst>
-              <a:ext uri="{FF2B5EF4-FFF2-40B4-BE49-F238E27FC236}">
-                <a16:creationId xmlns:a16="http://schemas.microsoft.com/office/drawing/2014/main" id="{57720FCC-76FA-1EDE-6801-1F5F336A09EC}"/>
-              </a:ext>
-            </a:extLst>
-          </p:cNvPr>
-          <p:cNvSpPr>
-            <a:spLocks noGrp="1"/>
-          </p:cNvSpPr>
-          <p:nvPr>
-            <p:ph idx="1"/>
-          </p:nvPr>
-        </p:nvSpPr>
-        <p:spPr/>
-        <p:txBody>
-          <a:bodyPr/>
-          <a:lstStyle/>
-          <a:p>
-            <a:endParaRPr lang="en-GB"/>
-          </a:p>
-        </p:txBody>
-      </p:sp>
-    </p:spTree>
-    <p:extLst>
-      <p:ext uri="{BB962C8B-B14F-4D97-AF65-F5344CB8AC3E}">
-        <p14:creationId xmlns:p14="http://schemas.microsoft.com/office/powerpoint/2010/main" val="600784486"/>
-      </p:ext>
-    </p:extLst>
-  </p:cSld>
-  <p:clrMapOvr>
-    <a:masterClrMapping/>
-  </p:clrMapOvr>
-</p:sld>
-</file>
-
 <file path=ppt/slides/slide7.xml><?xml version="1.0" encoding="utf-8"?>
 <p:sld xmlns:a="http://schemas.openxmlformats.org/drawingml/2006/main" xmlns:r="http://schemas.openxmlformats.org/officeDocument/2006/relationships" xmlns:p="http://schemas.openxmlformats.org/presentationml/2006/main">
   <p:cSld>
@@ -4035,10 +5031,10 @@
       </p:grpSpPr>
       <p:sp>
         <p:nvSpPr>
-          <p:cNvPr id="2" name="Title 1">
-            <a:extLst>
-              <a:ext uri="{FF2B5EF4-FFF2-40B4-BE49-F238E27FC236}">
-                <a16:creationId xmlns:a16="http://schemas.microsoft.com/office/drawing/2014/main" id="{A7AF7145-D73B-5F92-EA55-5B817E1AEF09}"/>
+          <p:cNvPr id="2" name="标题 1">
+            <a:extLst>
+              <a:ext uri="{FF2B5EF4-FFF2-40B4-BE49-F238E27FC236}">
+                <a16:creationId xmlns:a16="http://schemas.microsoft.com/office/drawing/2014/main" id="{95AD0912-5823-DFD2-F6CA-8EF0EC420BDF}"/>
               </a:ext>
             </a:extLst>
           </p:cNvPr>
@@ -4055,18 +5051,22 @@
           <a:lstStyle/>
           <a:p>
             <a:r>
-              <a:rPr lang="en-GB" dirty="0"/>
-              <a:t>Conclusion</a:t>
-            </a:r>
-          </a:p>
-        </p:txBody>
-      </p:sp>
-      <p:sp>
-        <p:nvSpPr>
-          <p:cNvPr id="3" name="Content Placeholder 2">
-            <a:extLst>
-              <a:ext uri="{FF2B5EF4-FFF2-40B4-BE49-F238E27FC236}">
-                <a16:creationId xmlns:a16="http://schemas.microsoft.com/office/drawing/2014/main" id="{5CACB3B9-A820-12ED-E561-48B55B26D430}"/>
+              <a:rPr lang="zh-CN" altLang="en-US">
+                <a:ea typeface="等线 Light"/>
+                <a:cs typeface="Calibri Light"/>
+              </a:rPr>
+              <a:t>Difficulties/things to be tested</a:t>
+            </a:r>
+            <a:endParaRPr lang="zh-CN" altLang="en-US"/>
+          </a:p>
+        </p:txBody>
+      </p:sp>
+      <p:sp>
+        <p:nvSpPr>
+          <p:cNvPr id="3" name="内容占位符 2">
+            <a:extLst>
+              <a:ext uri="{FF2B5EF4-FFF2-40B4-BE49-F238E27FC236}">
+                <a16:creationId xmlns:a16="http://schemas.microsoft.com/office/drawing/2014/main" id="{3758ACD3-6689-0BB0-C91D-8006FE0EA770}"/>
               </a:ext>
             </a:extLst>
           </p:cNvPr>
@@ -4077,56 +5077,413 @@
             <p:ph idx="1"/>
           </p:nvPr>
         </p:nvSpPr>
-        <p:spPr>
-          <a:xfrm>
-            <a:off x="838200" y="1825625"/>
-            <a:ext cx="5693229" cy="4351338"/>
-          </a:xfrm>
-        </p:spPr>
-        <p:txBody>
-          <a:bodyPr/>
-          <a:lstStyle/>
-          <a:p>
-            <a:r>
-              <a:rPr lang="en-GB" dirty="0"/>
-              <a:t>In conclusion, we are going to be the best team</a:t>
-            </a:r>
-          </a:p>
-        </p:txBody>
-      </p:sp>
-      <p:pic>
-        <p:nvPicPr>
-          <p:cNvPr id="5" name="Picture 4">
-            <a:extLst>
-              <a:ext uri="{FF2B5EF4-FFF2-40B4-BE49-F238E27FC236}">
-                <a16:creationId xmlns:a16="http://schemas.microsoft.com/office/drawing/2014/main" id="{6BFE75A5-A7D0-82FF-9252-A5ADE4DF528E}"/>
-              </a:ext>
-            </a:extLst>
-          </p:cNvPr>
-          <p:cNvPicPr>
-            <a:picLocks noChangeAspect="1"/>
-          </p:cNvPicPr>
-          <p:nvPr/>
-        </p:nvPicPr>
-        <p:blipFill rotWithShape="1">
-          <a:blip r:embed="rId2"/>
-          <a:srcRect t="17234" b="40283"/>
-          <a:stretch/>
-        </p:blipFill>
-        <p:spPr>
-          <a:xfrm>
-            <a:off x="6730313" y="2160020"/>
-            <a:ext cx="4875899" cy="3682547"/>
-          </a:xfrm>
-          <a:prstGeom prst="rect">
-            <a:avLst/>
-          </a:prstGeom>
-        </p:spPr>
-      </p:pic>
+        <p:spPr/>
+        <p:txBody>
+          <a:bodyPr vert="horz" lIns="91440" tIns="45720" rIns="91440" bIns="45720" rtlCol="0" anchor="t">
+            <a:normAutofit/>
+          </a:bodyPr>
+          <a:lstStyle/>
+          <a:p>
+            <a:r>
+              <a:rPr lang="zh-CN" altLang="en-US">
+                <a:ea typeface="等线"/>
+                <a:cs typeface="Calibri"/>
+              </a:rPr>
+              <a:t>The locations of the IR sensors</a:t>
+            </a:r>
+            <a:endParaRPr lang="zh-CN"/>
+          </a:p>
+          <a:p>
+            <a:pPr lvl="1"/>
+            <a:r>
+              <a:rPr lang="zh-CN" altLang="en-US">
+                <a:ea typeface="等线"/>
+                <a:cs typeface="Calibri"/>
+              </a:rPr>
+              <a:t>Two sensors at the front may hit the ramp</a:t>
+            </a:r>
+            <a:endParaRPr lang="zh-CN"/>
+          </a:p>
+          <a:p>
+            <a:pPr lvl="1"/>
+            <a:r>
+              <a:rPr lang="zh-CN" altLang="en-US">
+                <a:ea typeface="等线"/>
+                <a:cs typeface="Calibri"/>
+              </a:rPr>
+              <a:t>Distance to the ground (3mm is the best according to the internet, but practically it was not)</a:t>
+            </a:r>
+          </a:p>
+          <a:p>
+            <a:r>
+              <a:rPr lang="zh-CN">
+                <a:ea typeface="+mn-lt"/>
+                <a:cs typeface="+mn-lt"/>
+              </a:rPr>
+              <a:t>Schmitt Trigger</a:t>
+            </a:r>
+            <a:r>
+              <a:rPr lang="zh-CN" altLang="en-US">
+                <a:ea typeface="+mn-lt"/>
+                <a:cs typeface="+mn-lt"/>
+              </a:rPr>
+              <a:t> </a:t>
+            </a:r>
+            <a:r>
+              <a:rPr lang="en-US" altLang="zh-CN">
+                <a:ea typeface="+mn-lt"/>
+                <a:cs typeface="+mn-lt"/>
+              </a:rPr>
+              <a:t>seems ineffective?</a:t>
+            </a:r>
+            <a:endParaRPr lang="en-US" altLang="zh-CN">
+              <a:ea typeface="等线"/>
+              <a:cs typeface="Calibri"/>
+            </a:endParaRPr>
+          </a:p>
+          <a:p>
+            <a:pPr lvl="1"/>
+            <a:endParaRPr lang="zh-CN" altLang="en-US">
+              <a:ea typeface="等线"/>
+              <a:cs typeface="Calibri"/>
+            </a:endParaRPr>
+          </a:p>
+          <a:p>
+            <a:r>
+              <a:rPr lang="zh-CN" altLang="en-US">
+                <a:ea typeface="等线"/>
+                <a:cs typeface="Calibri"/>
+              </a:rPr>
+              <a:t>Add a distance detector for the distance to the wall – </a:t>
+            </a:r>
+            <a:r>
+              <a:rPr lang="zh-CN" altLang="en-US">
+                <a:solidFill>
+                  <a:srgbClr val="FF0000"/>
+                </a:solidFill>
+                <a:ea typeface="等线"/>
+                <a:cs typeface="Calibri"/>
+              </a:rPr>
+              <a:t>tunnel strategy</a:t>
+            </a:r>
+          </a:p>
+          <a:p>
+            <a:pPr lvl="1"/>
+            <a:endParaRPr lang="zh-CN">
+              <a:ea typeface="等线"/>
+              <a:cs typeface="Calibri"/>
+            </a:endParaRPr>
+          </a:p>
+          <a:p>
+            <a:pPr lvl="1"/>
+            <a:endParaRPr lang="zh-CN" altLang="en-US">
+              <a:ea typeface="等线"/>
+              <a:cs typeface="Calibri"/>
+            </a:endParaRPr>
+          </a:p>
+          <a:p>
+            <a:endParaRPr lang="zh-CN" altLang="en-US">
+              <a:ea typeface="等线"/>
+              <a:cs typeface="Calibri"/>
+            </a:endParaRPr>
+          </a:p>
+          <a:p>
+            <a:pPr lvl="1"/>
+            <a:endParaRPr lang="zh-CN" altLang="en-US">
+              <a:ea typeface="等线"/>
+              <a:cs typeface="Calibri"/>
+            </a:endParaRPr>
+          </a:p>
+          <a:p>
+            <a:endParaRPr lang="zh-CN" altLang="en-US">
+              <a:ea typeface="等线"/>
+              <a:cs typeface="Calibri"/>
+            </a:endParaRPr>
+          </a:p>
+          <a:p>
+            <a:endParaRPr lang="zh-CN" altLang="en-US">
+              <a:ea typeface="等线"/>
+              <a:cs typeface="Calibri"/>
+            </a:endParaRPr>
+          </a:p>
+        </p:txBody>
+      </p:sp>
     </p:spTree>
     <p:extLst>
       <p:ext uri="{BB962C8B-B14F-4D97-AF65-F5344CB8AC3E}">
-        <p14:creationId xmlns:p14="http://schemas.microsoft.com/office/powerpoint/2010/main" val="1673703915"/>
+        <p14:creationId xmlns:p14="http://schemas.microsoft.com/office/powerpoint/2010/main" val="3902653275"/>
+      </p:ext>
+    </p:extLst>
+  </p:cSld>
+  <p:clrMapOvr>
+    <a:masterClrMapping/>
+  </p:clrMapOvr>
+</p:sld>
+</file>
+
+<file path=ppt/slides/slide8.xml><?xml version="1.0" encoding="utf-8"?>
+<p:sld xmlns:a="http://schemas.openxmlformats.org/drawingml/2006/main" xmlns:r="http://schemas.openxmlformats.org/officeDocument/2006/relationships" xmlns:p="http://schemas.openxmlformats.org/presentationml/2006/main">
+  <p:cSld>
+    <p:spTree>
+      <p:nvGrpSpPr>
+        <p:cNvPr id="1" name=""/>
+        <p:cNvGrpSpPr/>
+        <p:nvPr/>
+      </p:nvGrpSpPr>
+      <p:grpSpPr>
+        <a:xfrm>
+          <a:off x="0" y="0"/>
+          <a:ext cx="0" cy="0"/>
+          <a:chOff x="0" y="0"/>
+          <a:chExt cx="0" cy="0"/>
+        </a:xfrm>
+      </p:grpSpPr>
+      <p:sp>
+        <p:nvSpPr>
+          <p:cNvPr id="2" name="标题 1">
+            <a:extLst>
+              <a:ext uri="{FF2B5EF4-FFF2-40B4-BE49-F238E27FC236}">
+                <a16:creationId xmlns:a16="http://schemas.microsoft.com/office/drawing/2014/main" id="{2D693B92-A5E4-1664-D0F2-0A2433371D17}"/>
+              </a:ext>
+            </a:extLst>
+          </p:cNvPr>
+          <p:cNvSpPr>
+            <a:spLocks noGrp="1"/>
+          </p:cNvSpPr>
+          <p:nvPr>
+            <p:ph type="title"/>
+          </p:nvPr>
+        </p:nvSpPr>
+        <p:spPr/>
+        <p:txBody>
+          <a:bodyPr/>
+          <a:lstStyle/>
+          <a:p>
+            <a:r>
+              <a:rPr lang="zh-CN" altLang="en-US">
+                <a:ea typeface="等线 Light"/>
+                <a:cs typeface="Calibri Light"/>
+              </a:rPr>
+              <a:t>Foam density recognition</a:t>
+            </a:r>
+            <a:endParaRPr lang="zh-CN" altLang="en-US"/>
+          </a:p>
+        </p:txBody>
+      </p:sp>
+      <p:sp>
+        <p:nvSpPr>
+          <p:cNvPr id="3" name="内容占位符 2">
+            <a:extLst>
+              <a:ext uri="{FF2B5EF4-FFF2-40B4-BE49-F238E27FC236}">
+                <a16:creationId xmlns:a16="http://schemas.microsoft.com/office/drawing/2014/main" id="{C3CDD2D2-8B0D-2B07-FDF0-1E1E440A8477}"/>
+              </a:ext>
+            </a:extLst>
+          </p:cNvPr>
+          <p:cNvSpPr>
+            <a:spLocks noGrp="1"/>
+          </p:cNvSpPr>
+          <p:nvPr>
+            <p:ph idx="1"/>
+          </p:nvPr>
+        </p:nvSpPr>
+        <p:spPr/>
+        <p:txBody>
+          <a:bodyPr vert="horz" lIns="91440" tIns="45720" rIns="91440" bIns="45720" rtlCol="0" anchor="t">
+            <a:normAutofit/>
+          </a:bodyPr>
+          <a:lstStyle/>
+          <a:p>
+            <a:r>
+              <a:rPr lang="zh-CN">
+                <a:ea typeface="+mn-lt"/>
+                <a:cs typeface="+mn-lt"/>
+              </a:rPr>
+              <a:t>Resistive touch sensors test the force applied </a:t>
+            </a:r>
+            <a:endParaRPr lang="zh-CN" altLang="en-US">
+              <a:ea typeface="等线" panose="02010600030101010101" pitchFamily="2" charset="-122"/>
+              <a:cs typeface="+mn-lt"/>
+            </a:endParaRPr>
+          </a:p>
+          <a:p>
+            <a:pPr lvl="1"/>
+            <a:r>
+              <a:rPr lang="zh-CN">
+                <a:ea typeface="+mn-lt"/>
+                <a:cs typeface="+mn-lt"/>
+              </a:rPr>
+              <a:t>could design a lever arm to dip a set amount and test force at that point?</a:t>
+            </a:r>
+            <a:endParaRPr lang="zh-CN" altLang="en-US">
+              <a:ea typeface="等线" panose="02010600030101010101" pitchFamily="2" charset="-122"/>
+              <a:cs typeface="+mn-lt"/>
+            </a:endParaRPr>
+          </a:p>
+          <a:p>
+            <a:r>
+              <a:rPr lang="zh-CN">
+                <a:ea typeface="+mn-lt"/>
+                <a:cs typeface="+mn-lt"/>
+              </a:rPr>
+              <a:t>IRLED &amp; phototrasistor to test light reflecitvity or pass-through</a:t>
+            </a:r>
+            <a:endParaRPr lang="zh-CN" altLang="en-US">
+              <a:ea typeface="+mn-lt"/>
+              <a:cs typeface="+mn-lt"/>
+            </a:endParaRPr>
+          </a:p>
+          <a:p>
+            <a:pPr lvl="1"/>
+            <a:r>
+              <a:rPr lang="zh-CN">
+                <a:ea typeface="+mn-lt"/>
+                <a:cs typeface="+mn-lt"/>
+              </a:rPr>
+              <a:t>either be front to back, with a "crane" that comes down over the cube, or side to side, with a lobster-like set of grabbers</a:t>
+            </a:r>
+            <a:endParaRPr lang="zh-CN">
+              <a:ea typeface="等线"/>
+              <a:cs typeface="Calibri"/>
+            </a:endParaRPr>
+          </a:p>
+          <a:p>
+            <a:r>
+              <a:rPr lang="zh-CN">
+                <a:ea typeface="+mn-lt"/>
+                <a:cs typeface="+mn-lt"/>
+              </a:rPr>
+              <a:t>Speaker and microphone to identify how well the sound passes through the foam</a:t>
+            </a:r>
+            <a:endParaRPr lang="zh-CN" altLang="en-US">
+              <a:ea typeface="+mn-lt"/>
+              <a:cs typeface="+mn-lt"/>
+            </a:endParaRPr>
+          </a:p>
+        </p:txBody>
+      </p:sp>
+    </p:spTree>
+    <p:extLst>
+      <p:ext uri="{BB962C8B-B14F-4D97-AF65-F5344CB8AC3E}">
+        <p14:creationId xmlns:p14="http://schemas.microsoft.com/office/powerpoint/2010/main" val="618762301"/>
+      </p:ext>
+    </p:extLst>
+  </p:cSld>
+  <p:clrMapOvr>
+    <a:masterClrMapping/>
+  </p:clrMapOvr>
+</p:sld>
+</file>
+
+<file path=ppt/slides/slide9.xml><?xml version="1.0" encoding="utf-8"?>
+<p:sld xmlns:a="http://schemas.openxmlformats.org/drawingml/2006/main" xmlns:r="http://schemas.openxmlformats.org/officeDocument/2006/relationships" xmlns:p="http://schemas.openxmlformats.org/presentationml/2006/main">
+  <p:cSld>
+    <p:spTree>
+      <p:nvGrpSpPr>
+        <p:cNvPr id="1" name=""/>
+        <p:cNvGrpSpPr/>
+        <p:nvPr/>
+      </p:nvGrpSpPr>
+      <p:grpSpPr>
+        <a:xfrm>
+          <a:off x="0" y="0"/>
+          <a:ext cx="0" cy="0"/>
+          <a:chOff x="0" y="0"/>
+          <a:chExt cx="0" cy="0"/>
+        </a:xfrm>
+      </p:grpSpPr>
+      <p:sp>
+        <p:nvSpPr>
+          <p:cNvPr id="2" name="Title 1">
+            <a:extLst>
+              <a:ext uri="{FF2B5EF4-FFF2-40B4-BE49-F238E27FC236}">
+                <a16:creationId xmlns:a16="http://schemas.microsoft.com/office/drawing/2014/main" id="{DDB25880-F11F-9DBE-EE7F-77B714C2A598}"/>
+              </a:ext>
+            </a:extLst>
+          </p:cNvPr>
+          <p:cNvSpPr>
+            <a:spLocks noGrp="1"/>
+          </p:cNvSpPr>
+          <p:nvPr>
+            <p:ph type="title"/>
+          </p:nvPr>
+        </p:nvSpPr>
+        <p:spPr/>
+        <p:txBody>
+          <a:bodyPr/>
+          <a:lstStyle/>
+          <a:p>
+            <a:r>
+              <a:rPr lang="en-GB"/>
+              <a:t>Software tasks</a:t>
+            </a:r>
+          </a:p>
+        </p:txBody>
+      </p:sp>
+      <p:sp>
+        <p:nvSpPr>
+          <p:cNvPr id="3" name="Content Placeholder 2">
+            <a:extLst>
+              <a:ext uri="{FF2B5EF4-FFF2-40B4-BE49-F238E27FC236}">
+                <a16:creationId xmlns:a16="http://schemas.microsoft.com/office/drawing/2014/main" id="{57720FCC-76FA-1EDE-6801-1F5F336A09EC}"/>
+              </a:ext>
+            </a:extLst>
+          </p:cNvPr>
+          <p:cNvSpPr>
+            <a:spLocks noGrp="1"/>
+          </p:cNvSpPr>
+          <p:nvPr>
+            <p:ph idx="1"/>
+          </p:nvPr>
+        </p:nvSpPr>
+        <p:spPr/>
+        <p:txBody>
+          <a:bodyPr vert="horz" lIns="91440" tIns="45720" rIns="91440" bIns="45720" rtlCol="0" anchor="t">
+            <a:normAutofit/>
+          </a:bodyPr>
+          <a:lstStyle/>
+          <a:p>
+            <a:r>
+              <a:rPr lang="en-GB">
+                <a:cs typeface="Calibri"/>
+              </a:rPr>
+              <a:t>Program proportional-integral controller to optimise steering</a:t>
+            </a:r>
+          </a:p>
+          <a:p>
+            <a:r>
+              <a:rPr lang="en-GB">
+                <a:cs typeface="Calibri"/>
+              </a:rPr>
+              <a:t>Design error handling systems e.g. if no line sensors detect the line</a:t>
+            </a:r>
+          </a:p>
+          <a:p>
+            <a:r>
+              <a:rPr lang="en-GB">
+                <a:cs typeface="Calibri"/>
+              </a:rPr>
+              <a:t>Program tunnel direction control – distance sensor</a:t>
+            </a:r>
+          </a:p>
+          <a:p>
+            <a:r>
+              <a:rPr lang="en-GB">
+                <a:cs typeface="Calibri"/>
+              </a:rPr>
+              <a:t>Block detection and transport systems depend on mechanisms and strategies yet to be confirmed</a:t>
+            </a:r>
+          </a:p>
+          <a:p>
+            <a:endParaRPr lang="en-GB">
+              <a:cs typeface="Calibri"/>
+            </a:endParaRPr>
+          </a:p>
+        </p:txBody>
+      </p:sp>
+    </p:spTree>
+    <p:extLst>
+      <p:ext uri="{BB962C8B-B14F-4D97-AF65-F5344CB8AC3E}">
+        <p14:creationId xmlns:p14="http://schemas.microsoft.com/office/powerpoint/2010/main" val="600784486"/>
       </p:ext>
     </p:extLst>
   </p:cSld>
